--- a/contrib/HW.EForm.Report/templates/Promas template.pptx
+++ b/contrib/HW.EForm.Report/templates/Promas template.pptx
@@ -126,7 +126,7 @@
   </p:defaultTextStyle>
   <p:extLst>
     <p:ext uri="{EFAFB233-063F-42B5-8137-9DF3F51BA10A}">
-      <p15:sldGuideLst xmlns:p15="http://schemas.microsoft.com/office/powerpoint/2012/main">
+      <p15:sldGuideLst xmlns:p15="http://schemas.microsoft.com/office/powerpoint/2012/main" xmlns="">
         <p15:guide id="1" orient="horz" pos="1026" userDrawn="1">
           <p15:clr>
             <a:srgbClr val="A4A3A4"/>
@@ -145,21 +145,9 @@
 
 <file path=ppt/charts/chart1.xml><?xml version="1.0" encoding="utf-8"?>
 <c:chartSpace xmlns:c="http://schemas.openxmlformats.org/drawingml/2006/chart" xmlns:a="http://schemas.openxmlformats.org/drawingml/2006/main" xmlns:r="http://schemas.openxmlformats.org/officeDocument/2006/relationships">
-  <c:date1904 val="0"/>
-  <c:lang val="sv-SE"/>
-  <c:roundedCorners val="0"/>
-  <mc:AlternateContent xmlns:mc="http://schemas.openxmlformats.org/markup-compatibility/2006">
-    <mc:Choice xmlns:c14="http://schemas.microsoft.com/office/drawing/2007/8/2/chart" Requires="c14">
-      <c14:style val="102"/>
-    </mc:Choice>
-    <mc:Fallback>
-      <c:style val="2"/>
-    </mc:Fallback>
-  </mc:AlternateContent>
+  <c:lang val="en-US"/>
   <c:chart>
     <c:title>
-      <c:layout/>
-      <c:overlay val="0"/>
       <c:spPr>
         <a:noFill/>
         <a:ln>
@@ -172,7 +160,7 @@
         <a:lstStyle/>
         <a:p>
           <a:pPr>
-            <a:defRPr sz="1400" b="0" i="0" u="none" strike="noStrike" kern="1200" spc="0" baseline="0">
+            <a:defRPr lang="sv-SE" sz="1400" b="0" i="0" u="none" strike="noStrike" kern="1200" spc="0" baseline="0">
               <a:solidFill>
                 <a:schemeClr val="tx1">
                   <a:lumMod val="65000"/>
@@ -184,17 +172,15 @@
               <a:cs typeface="+mn-cs"/>
             </a:defRPr>
           </a:pPr>
-          <a:endParaRPr lang="sv-SE"/>
+          <a:endParaRPr lang="en-US"/>
         </a:p>
       </c:txPr>
     </c:title>
-    <c:autoTitleDeleted val="0"/>
     <c:plotArea>
       <c:layout/>
       <c:barChart>
         <c:barDir val="col"/>
         <c:grouping val="clustered"/>
-        <c:varyColors val="0"/>
         <c:ser>
           <c:idx val="0"/>
           <c:order val="0"/>
@@ -207,7 +193,6 @@
             </a:ln>
             <a:effectLst/>
           </c:spPr>
-          <c:invertIfNegative val="0"/>
           <c:dLbls>
             <c:spPr>
               <a:noFill/>
@@ -223,7 +208,7 @@
               <a:lstStyle/>
               <a:p>
                 <a:pPr>
-                  <a:defRPr sz="900" b="0" i="0" u="none" strike="noStrike" kern="1200" baseline="0">
+                  <a:defRPr lang="sv-SE" sz="900" b="0" i="0" u="none" strike="noStrike" kern="1200" baseline="0">
                     <a:solidFill>
                       <a:schemeClr val="tx1">
                         <a:lumMod val="75000"/>
@@ -235,16 +220,10 @@
                     <a:cs typeface="+mn-cs"/>
                   </a:defRPr>
                 </a:pPr>
-                <a:endParaRPr lang="sv-SE"/>
+                <a:endParaRPr lang="en-US"/>
               </a:p>
             </c:txPr>
-            <c:showLegendKey val="0"/>
             <c:showVal val="1"/>
-            <c:showCatName val="0"/>
-            <c:showSerName val="0"/>
-            <c:showPercent val="0"/>
-            <c:showBubbleSize val="0"/>
-            <c:showLeaderLines val="0"/>
             <c:extLst xmlns:c16r2="http://schemas.microsoft.com/office/drawing/2015/06/chart">
               <c:ext xmlns:c15="http://schemas.microsoft.com/office/drawing/2012/chart" uri="{CE6537A1-D6FC-4f65-9D91-7224C49458BB}">
                 <c15:layout/>
@@ -290,13 +269,13 @@
                 <c:formatCode>General</c:formatCode>
                 <c:ptCount val="3"/>
                 <c:pt idx="0">
-                  <c:v>56.0</c:v>
+                  <c:v>56</c:v>
                 </c:pt>
                 <c:pt idx="1">
-                  <c:v>47.0</c:v>
+                  <c:v>47</c:v>
                 </c:pt>
                 <c:pt idx="2">
-                  <c:v>35.0</c:v>
+                  <c:v>35</c:v>
                 </c:pt>
               </c:numCache>
             </c:numRef>
@@ -307,29 +286,20 @@
             </c:ext>
           </c:extLst>
         </c:ser>
-        <c:dLbls>
-          <c:showLegendKey val="0"/>
-          <c:showVal val="0"/>
-          <c:showCatName val="0"/>
-          <c:showSerName val="0"/>
-          <c:showPercent val="0"/>
-          <c:showBubbleSize val="0"/>
-        </c:dLbls>
+        <c:dLbls/>
         <c:gapWidth val="219"/>
         <c:overlap val="-27"/>
-        <c:axId val="-2109350848"/>
-        <c:axId val="2056858848"/>
+        <c:axId val="85343616"/>
+        <c:axId val="85386368"/>
       </c:barChart>
       <c:catAx>
-        <c:axId val="-2109350848"/>
+        <c:axId val="85343616"/>
         <c:scaling>
           <c:orientation val="minMax"/>
         </c:scaling>
-        <c:delete val="0"/>
         <c:axPos val="b"/>
         <c:numFmt formatCode="General" sourceLinked="1"/>
         <c:majorTickMark val="none"/>
-        <c:minorTickMark val="none"/>
         <c:tickLblPos val="nextTo"/>
         <c:spPr>
           <a:noFill/>
@@ -349,7 +319,7 @@
           <a:lstStyle/>
           <a:p>
             <a:pPr>
-              <a:defRPr sz="900" b="0" i="0" u="none" strike="noStrike" kern="1200" baseline="0">
+              <a:defRPr lang="sv-SE" sz="900" b="0" i="0" u="none" strike="noStrike" kern="1200" baseline="0">
                 <a:solidFill>
                   <a:schemeClr val="tx1">
                     <a:lumMod val="65000"/>
@@ -361,23 +331,21 @@
                 <a:cs typeface="+mn-cs"/>
               </a:defRPr>
             </a:pPr>
-            <a:endParaRPr lang="sv-SE"/>
+            <a:endParaRPr lang="en-US"/>
           </a:p>
         </c:txPr>
-        <c:crossAx val="2056858848"/>
+        <c:crossAx val="85386368"/>
         <c:crosses val="autoZero"/>
         <c:auto val="1"/>
         <c:lblAlgn val="ctr"/>
         <c:lblOffset val="100"/>
-        <c:noMultiLvlLbl val="0"/>
       </c:catAx>
       <c:valAx>
-        <c:axId val="2056858848"/>
+        <c:axId val="85386368"/>
         <c:scaling>
           <c:orientation val="minMax"/>
-          <c:max val="100.0"/>
+          <c:max val="100"/>
         </c:scaling>
-        <c:delete val="0"/>
         <c:axPos val="l"/>
         <c:majorGridlines>
           <c:spPr>
@@ -395,7 +363,6 @@
         </c:majorGridlines>
         <c:numFmt formatCode="General" sourceLinked="1"/>
         <c:majorTickMark val="none"/>
-        <c:minorTickMark val="none"/>
         <c:tickLblPos val="nextTo"/>
         <c:spPr>
           <a:noFill/>
@@ -409,7 +376,7 @@
           <a:lstStyle/>
           <a:p>
             <a:pPr>
-              <a:defRPr sz="900" b="0" i="0" u="none" strike="noStrike" kern="1200" baseline="0">
+              <a:defRPr lang="sv-SE" sz="900" b="0" i="0" u="none" strike="noStrike" kern="1200" baseline="0">
                 <a:solidFill>
                   <a:schemeClr val="tx1">
                     <a:lumMod val="65000"/>
@@ -421,10 +388,10 @@
                 <a:cs typeface="+mn-cs"/>
               </a:defRPr>
             </a:pPr>
-            <a:endParaRPr lang="sv-SE"/>
+            <a:endParaRPr lang="en-US"/>
           </a:p>
         </c:txPr>
-        <c:crossAx val="-2109350848"/>
+        <c:crossAx val="85343616"/>
         <c:crosses val="autoZero"/>
         <c:crossBetween val="between"/>
       </c:valAx>
@@ -438,7 +405,6 @@
     </c:plotArea>
     <c:plotVisOnly val="1"/>
     <c:dispBlanksAs val="gap"/>
-    <c:showDLblsOverMax val="0"/>
   </c:chart>
   <c:spPr>
     <a:noFill/>
@@ -454,12 +420,10 @@
       <a:pPr>
         <a:defRPr/>
       </a:pPr>
-      <a:endParaRPr lang="sv-SE"/>
+      <a:endParaRPr lang="en-US"/>
     </a:p>
   </c:txPr>
-  <c:externalData r:id="rId3">
-    <c:autoUpdate val="0"/>
-  </c:externalData>
+  <c:externalData r:id="rId1"/>
 </c:chartSpace>
 </file>
 
@@ -1088,7 +1052,8 @@
           <a:p>
             <a:fld id="{497142DA-EA4D-41ED-99F0-5AC839F0E666}" type="datetimeFigureOut">
               <a:rPr lang="sv-SE" smtClean="0"/>
-              <a:t>2016-08-20</a:t>
+              <a:pPr/>
+              <a:t>2016-08-24</a:t>
             </a:fld>
             <a:endParaRPr lang="sv-SE"/>
           </a:p>
@@ -1246,7 +1211,8 @@
           <a:p>
             <a:fld id="{D7AE59FD-9D98-4F04-8C1C-C9D87A624793}" type="slidenum">
               <a:rPr lang="sv-SE" smtClean="0"/>
-              <a:t>‹Nr.›</a:t>
+              <a:pPr/>
+              <a:t>‹#›</a:t>
             </a:fld>
             <a:endParaRPr lang="sv-SE"/>
           </a:p>
@@ -1255,7 +1221,7 @@
     </p:spTree>
     <p:extLst>
       <p:ext uri="{BB962C8B-B14F-4D97-AF65-F5344CB8AC3E}">
-        <p14:creationId xmlns:p14="http://schemas.microsoft.com/office/powerpoint/2010/main" val="3949772536"/>
+        <p14:creationId xmlns:p14="http://schemas.microsoft.com/office/powerpoint/2010/main" xmlns="" val="3949772536"/>
       </p:ext>
     </p:extLst>
   </p:cSld>
@@ -1410,7 +1376,7 @@
             <a:fld id="{344B1A84-6C31-40FE-8BCD-B276DCF673E1}" type="datetime1">
               <a:rPr lang="sv-SE" smtClean="0"/>
               <a:pPr/>
-              <a:t>2016-08-20</a:t>
+              <a:t>2016-08-24</a:t>
             </a:fld>
             <a:endParaRPr lang="sv-SE" dirty="0"/>
           </a:p>
@@ -1419,7 +1385,7 @@
     </p:spTree>
     <p:extLst>
       <p:ext uri="{BB962C8B-B14F-4D97-AF65-F5344CB8AC3E}">
-        <p14:creationId xmlns:p14="http://schemas.microsoft.com/office/powerpoint/2010/main" val="1038820598"/>
+        <p14:creationId xmlns:p14="http://schemas.microsoft.com/office/powerpoint/2010/main" xmlns="" val="1038820598"/>
       </p:ext>
     </p:extLst>
   </p:cSld>
@@ -1674,7 +1640,8 @@
           <a:p>
             <a:fld id="{9DFABBC7-E910-4EDE-B2C9-A15EFDA1074A}" type="datetime1">
               <a:rPr lang="sv-SE" smtClean="0"/>
-              <a:t>2016-08-20</a:t>
+              <a:pPr/>
+              <a:t>2016-08-24</a:t>
             </a:fld>
             <a:endParaRPr lang="sv-SE"/>
           </a:p>
@@ -1716,7 +1683,8 @@
           <a:p>
             <a:fld id="{F95F3845-5696-461A-81BD-07295DF66011}" type="slidenum">
               <a:rPr lang="sv-SE" smtClean="0"/>
-              <a:t>‹Nr.›</a:t>
+              <a:pPr/>
+              <a:t>‹#›</a:t>
             </a:fld>
             <a:endParaRPr lang="sv-SE"/>
           </a:p>
@@ -1725,7 +1693,7 @@
     </p:spTree>
     <p:extLst>
       <p:ext uri="{BB962C8B-B14F-4D97-AF65-F5344CB8AC3E}">
-        <p14:creationId xmlns:p14="http://schemas.microsoft.com/office/powerpoint/2010/main" val="2020732882"/>
+        <p14:creationId xmlns:p14="http://schemas.microsoft.com/office/powerpoint/2010/main" xmlns="" val="2020732882"/>
       </p:ext>
     </p:extLst>
   </p:cSld>
@@ -1946,7 +1914,8 @@
           <a:p>
             <a:fld id="{DD1555D9-9DDA-4EEF-AB10-199FB19EF272}" type="datetime1">
               <a:rPr lang="sv-SE" smtClean="0"/>
-              <a:t>2016-08-20</a:t>
+              <a:pPr/>
+              <a:t>2016-08-24</a:t>
             </a:fld>
             <a:endParaRPr lang="sv-SE"/>
           </a:p>
@@ -1988,7 +1957,8 @@
           <a:p>
             <a:fld id="{F95F3845-5696-461A-81BD-07295DF66011}" type="slidenum">
               <a:rPr lang="sv-SE" smtClean="0"/>
-              <a:t>‹Nr.›</a:t>
+              <a:pPr/>
+              <a:t>‹#›</a:t>
             </a:fld>
             <a:endParaRPr lang="sv-SE"/>
           </a:p>
@@ -1997,7 +1967,7 @@
     </p:spTree>
     <p:extLst>
       <p:ext uri="{BB962C8B-B14F-4D97-AF65-F5344CB8AC3E}">
-        <p14:creationId xmlns:p14="http://schemas.microsoft.com/office/powerpoint/2010/main" val="1475073457"/>
+        <p14:creationId xmlns:p14="http://schemas.microsoft.com/office/powerpoint/2010/main" xmlns="" val="1475073457"/>
       </p:ext>
     </p:extLst>
   </p:cSld>
@@ -2171,7 +2141,8 @@
           <a:p>
             <a:fld id="{0CF4244B-B6F5-4D30-A0D4-6F22E85F2F82}" type="datetime1">
               <a:rPr lang="sv-SE" smtClean="0"/>
-              <a:t>2016-08-20</a:t>
+              <a:pPr/>
+              <a:t>2016-08-24</a:t>
             </a:fld>
             <a:endParaRPr lang="sv-SE"/>
           </a:p>
@@ -2180,7 +2151,7 @@
     </p:spTree>
     <p:extLst>
       <p:ext uri="{BB962C8B-B14F-4D97-AF65-F5344CB8AC3E}">
-        <p14:creationId xmlns:p14="http://schemas.microsoft.com/office/powerpoint/2010/main" val="3544250228"/>
+        <p14:creationId xmlns:p14="http://schemas.microsoft.com/office/powerpoint/2010/main" xmlns="" val="3544250228"/>
       </p:ext>
     </p:extLst>
   </p:cSld>
@@ -2354,7 +2325,8 @@
           <a:p>
             <a:fld id="{5A887FED-A5F1-4856-A4E0-1FEA961E35D7}" type="datetime1">
               <a:rPr lang="sv-SE" smtClean="0"/>
-              <a:t>2016-08-20</a:t>
+              <a:pPr/>
+              <a:t>2016-08-24</a:t>
             </a:fld>
             <a:endParaRPr lang="sv-SE"/>
           </a:p>
@@ -2363,7 +2335,7 @@
     </p:spTree>
     <p:extLst>
       <p:ext uri="{BB962C8B-B14F-4D97-AF65-F5344CB8AC3E}">
-        <p14:creationId xmlns:p14="http://schemas.microsoft.com/office/powerpoint/2010/main" val="1338195898"/>
+        <p14:creationId xmlns:p14="http://schemas.microsoft.com/office/powerpoint/2010/main" xmlns="" val="1338195898"/>
       </p:ext>
     </p:extLst>
   </p:cSld>
@@ -2445,7 +2417,8 @@
           <a:p>
             <a:fld id="{7134F7D9-8FA5-47FA-A3E3-41DE921BAD7F}" type="datetime1">
               <a:rPr lang="sv-SE" smtClean="0"/>
-              <a:t>2016-08-20</a:t>
+              <a:pPr/>
+              <a:t>2016-08-24</a:t>
             </a:fld>
             <a:endParaRPr lang="sv-SE" dirty="0"/>
           </a:p>
@@ -2454,7 +2427,7 @@
     </p:spTree>
     <p:extLst>
       <p:ext uri="{BB962C8B-B14F-4D97-AF65-F5344CB8AC3E}">
-        <p14:creationId xmlns:p14="http://schemas.microsoft.com/office/powerpoint/2010/main" val="396859970"/>
+        <p14:creationId xmlns:p14="http://schemas.microsoft.com/office/powerpoint/2010/main" xmlns="" val="396859970"/>
       </p:ext>
     </p:extLst>
   </p:cSld>
@@ -2640,7 +2613,8 @@
                 <a:latin typeface="Arial" pitchFamily="34" charset="0"/>
                 <a:cs typeface="Arial" pitchFamily="34" charset="0"/>
               </a:rPr>
-              <a:t>‹Nr.›</a:t>
+              <a:pPr algn="r"/>
+              <a:t>‹#›</a:t>
             </a:fld>
             <a:endParaRPr lang="en-GB" sz="800" dirty="0">
               <a:solidFill>
@@ -2761,7 +2735,7 @@
     </p:spTree>
     <p:extLst>
       <p:ext uri="{BB962C8B-B14F-4D97-AF65-F5344CB8AC3E}">
-        <p14:creationId xmlns:p14="http://schemas.microsoft.com/office/powerpoint/2010/main" val="3225768658"/>
+        <p14:creationId xmlns:p14="http://schemas.microsoft.com/office/powerpoint/2010/main" xmlns="" val="3225768658"/>
       </p:ext>
     </p:extLst>
   </p:cSld>
@@ -2825,7 +2799,7 @@
             <a:fld id="{F1A60D0B-A79E-4410-BF6D-A38EAB125A09}" type="datetime1">
               <a:rPr lang="sv-SE" smtClean="0"/>
               <a:pPr/>
-              <a:t>2016-08-20</a:t>
+              <a:t>2016-08-24</a:t>
             </a:fld>
             <a:endParaRPr lang="sv-SE" dirty="0"/>
           </a:p>
@@ -2906,7 +2880,7 @@
             <a:fld id="{F95F3845-5696-461A-81BD-07295DF66011}" type="slidenum">
               <a:rPr lang="sv-SE" smtClean="0"/>
               <a:pPr/>
-              <a:t>‹Nr.›</a:t>
+              <a:t>‹#›</a:t>
             </a:fld>
             <a:endParaRPr lang="sv-SE" dirty="0"/>
           </a:p>
@@ -2915,7 +2889,7 @@
     </p:spTree>
     <p:extLst>
       <p:ext uri="{BB962C8B-B14F-4D97-AF65-F5344CB8AC3E}">
-        <p14:creationId xmlns:p14="http://schemas.microsoft.com/office/powerpoint/2010/main" val="396859970"/>
+        <p14:creationId xmlns:p14="http://schemas.microsoft.com/office/powerpoint/2010/main" xmlns="" val="396859970"/>
       </p:ext>
     </p:extLst>
   </p:cSld>
@@ -2954,7 +2928,7 @@
           <a:blip r:embed="rId2" cstate="print">
             <a:extLst>
               <a:ext uri="{28A0092B-C50C-407E-A947-70E740481C1C}">
-                <a14:useLocalDpi xmlns:a14="http://schemas.microsoft.com/office/drawing/2010/main" val="0"/>
+                <a14:useLocalDpi xmlns:a14="http://schemas.microsoft.com/office/drawing/2010/main" xmlns="" val="0"/>
               </a:ext>
             </a:extLst>
           </a:blip>
@@ -2975,7 +2949,7 @@
     </p:spTree>
     <p:extLst>
       <p:ext uri="{BB962C8B-B14F-4D97-AF65-F5344CB8AC3E}">
-        <p14:creationId xmlns:p14="http://schemas.microsoft.com/office/powerpoint/2010/main" val="1220660467"/>
+        <p14:creationId xmlns:p14="http://schemas.microsoft.com/office/powerpoint/2010/main" xmlns="" val="1220660467"/>
       </p:ext>
     </p:extLst>
   </p:cSld>
@@ -3266,7 +3240,8 @@
           <a:p>
             <a:fld id="{01209153-F421-46E1-9014-AE507AD1DB18}" type="datetime1">
               <a:rPr lang="sv-SE" smtClean="0"/>
-              <a:t>2016-08-20</a:t>
+              <a:pPr/>
+              <a:t>2016-08-24</a:t>
             </a:fld>
             <a:endParaRPr lang="sv-SE"/>
           </a:p>
@@ -3308,7 +3283,8 @@
           <a:p>
             <a:fld id="{F95F3845-5696-461A-81BD-07295DF66011}" type="slidenum">
               <a:rPr lang="sv-SE" smtClean="0"/>
-              <a:t>‹Nr.›</a:t>
+              <a:pPr/>
+              <a:t>‹#›</a:t>
             </a:fld>
             <a:endParaRPr lang="sv-SE"/>
           </a:p>
@@ -3317,7 +3293,7 @@
     </p:spTree>
     <p:extLst>
       <p:ext uri="{BB962C8B-B14F-4D97-AF65-F5344CB8AC3E}">
-        <p14:creationId xmlns:p14="http://schemas.microsoft.com/office/powerpoint/2010/main" val="651167838"/>
+        <p14:creationId xmlns:p14="http://schemas.microsoft.com/office/powerpoint/2010/main" xmlns="" val="651167838"/>
       </p:ext>
     </p:extLst>
   </p:cSld>
@@ -3517,7 +3493,8 @@
           <a:p>
             <a:fld id="{EB4F1944-2C9B-421E-BBDA-CB85637F7162}" type="datetime1">
               <a:rPr lang="sv-SE" smtClean="0"/>
-              <a:t>2016-08-20</a:t>
+              <a:pPr/>
+              <a:t>2016-08-24</a:t>
             </a:fld>
             <a:endParaRPr lang="sv-SE"/>
           </a:p>
@@ -3559,7 +3536,8 @@
           <a:p>
             <a:fld id="{F95F3845-5696-461A-81BD-07295DF66011}" type="slidenum">
               <a:rPr lang="sv-SE" smtClean="0"/>
-              <a:t>‹Nr.›</a:t>
+              <a:pPr/>
+              <a:t>‹#›</a:t>
             </a:fld>
             <a:endParaRPr lang="sv-SE"/>
           </a:p>
@@ -3568,7 +3546,7 @@
     </p:spTree>
     <p:extLst>
       <p:ext uri="{BB962C8B-B14F-4D97-AF65-F5344CB8AC3E}">
-        <p14:creationId xmlns:p14="http://schemas.microsoft.com/office/powerpoint/2010/main" val="1038820598"/>
+        <p14:creationId xmlns:p14="http://schemas.microsoft.com/office/powerpoint/2010/main" xmlns="" val="1038820598"/>
       </p:ext>
     </p:extLst>
   </p:cSld>
@@ -3745,7 +3723,8 @@
           <a:p>
             <a:fld id="{C9C5FC83-772B-431A-ACA3-5A2A209DBF3B}" type="datetime1">
               <a:rPr lang="sv-SE" smtClean="0"/>
-              <a:t>2016-08-20</a:t>
+              <a:pPr/>
+              <a:t>2016-08-24</a:t>
             </a:fld>
             <a:endParaRPr lang="sv-SE"/>
           </a:p>
@@ -3787,7 +3766,8 @@
           <a:p>
             <a:fld id="{F95F3845-5696-461A-81BD-07295DF66011}" type="slidenum">
               <a:rPr lang="sv-SE" smtClean="0"/>
-              <a:t>‹Nr.›</a:t>
+              <a:pPr/>
+              <a:t>‹#›</a:t>
             </a:fld>
             <a:endParaRPr lang="sv-SE"/>
           </a:p>
@@ -3796,7 +3776,7 @@
     </p:spTree>
     <p:extLst>
       <p:ext uri="{BB962C8B-B14F-4D97-AF65-F5344CB8AC3E}">
-        <p14:creationId xmlns:p14="http://schemas.microsoft.com/office/powerpoint/2010/main" val="2703655477"/>
+        <p14:creationId xmlns:p14="http://schemas.microsoft.com/office/powerpoint/2010/main" xmlns="" val="2703655477"/>
       </p:ext>
     </p:extLst>
   </p:cSld>
@@ -3997,7 +3977,8 @@
           <a:p>
             <a:fld id="{03B3A0BE-B2CA-41BB-8A9E-93C63B0A9831}" type="datetime1">
               <a:rPr lang="sv-SE" smtClean="0"/>
-              <a:t>2016-08-20</a:t>
+              <a:pPr/>
+              <a:t>2016-08-24</a:t>
             </a:fld>
             <a:endParaRPr lang="sv-SE"/>
           </a:p>
@@ -4039,7 +4020,8 @@
           <a:p>
             <a:fld id="{F95F3845-5696-461A-81BD-07295DF66011}" type="slidenum">
               <a:rPr lang="sv-SE" smtClean="0"/>
-              <a:t>‹Nr.›</a:t>
+              <a:pPr/>
+              <a:t>‹#›</a:t>
             </a:fld>
             <a:endParaRPr lang="sv-SE"/>
           </a:p>
@@ -4048,7 +4030,7 @@
     </p:spTree>
     <p:extLst>
       <p:ext uri="{BB962C8B-B14F-4D97-AF65-F5344CB8AC3E}">
-        <p14:creationId xmlns:p14="http://schemas.microsoft.com/office/powerpoint/2010/main" val="919178774"/>
+        <p14:creationId xmlns:p14="http://schemas.microsoft.com/office/powerpoint/2010/main" xmlns="" val="919178774"/>
       </p:ext>
     </p:extLst>
   </p:cSld>
@@ -4401,7 +4383,8 @@
           <a:p>
             <a:fld id="{D245919F-831A-4270-A806-023D08B93AD4}" type="datetime1">
               <a:rPr lang="sv-SE" smtClean="0"/>
-              <a:t>2016-08-20</a:t>
+              <a:pPr/>
+              <a:t>2016-08-24</a:t>
             </a:fld>
             <a:endParaRPr lang="sv-SE"/>
           </a:p>
@@ -4443,7 +4426,8 @@
           <a:p>
             <a:fld id="{F95F3845-5696-461A-81BD-07295DF66011}" type="slidenum">
               <a:rPr lang="sv-SE" smtClean="0"/>
-              <a:t>‹Nr.›</a:t>
+              <a:pPr/>
+              <a:t>‹#›</a:t>
             </a:fld>
             <a:endParaRPr lang="sv-SE"/>
           </a:p>
@@ -4452,7 +4436,7 @@
     </p:spTree>
     <p:extLst>
       <p:ext uri="{BB962C8B-B14F-4D97-AF65-F5344CB8AC3E}">
-        <p14:creationId xmlns:p14="http://schemas.microsoft.com/office/powerpoint/2010/main" val="1919959206"/>
+        <p14:creationId xmlns:p14="http://schemas.microsoft.com/office/powerpoint/2010/main" xmlns="" val="1919959206"/>
       </p:ext>
     </p:extLst>
   </p:cSld>
@@ -4537,7 +4521,8 @@
           <a:p>
             <a:fld id="{C508652B-F239-406E-B9FC-1F9A36FDECB1}" type="datetime1">
               <a:rPr lang="sv-SE" smtClean="0"/>
-              <a:t>2016-08-20</a:t>
+              <a:pPr/>
+              <a:t>2016-08-24</a:t>
             </a:fld>
             <a:endParaRPr lang="sv-SE"/>
           </a:p>
@@ -4579,7 +4564,8 @@
           <a:p>
             <a:fld id="{F95F3845-5696-461A-81BD-07295DF66011}" type="slidenum">
               <a:rPr lang="sv-SE" smtClean="0"/>
-              <a:t>‹Nr.›</a:t>
+              <a:pPr/>
+              <a:t>‹#›</a:t>
             </a:fld>
             <a:endParaRPr lang="sv-SE"/>
           </a:p>
@@ -4588,7 +4574,7 @@
     </p:spTree>
     <p:extLst>
       <p:ext uri="{BB962C8B-B14F-4D97-AF65-F5344CB8AC3E}">
-        <p14:creationId xmlns:p14="http://schemas.microsoft.com/office/powerpoint/2010/main" val="2571854257"/>
+        <p14:creationId xmlns:p14="http://schemas.microsoft.com/office/powerpoint/2010/main" xmlns="" val="2571854257"/>
       </p:ext>
     </p:extLst>
   </p:cSld>
@@ -4632,7 +4618,7 @@
           <a:blip r:embed="rId4">
             <a:extLst>
               <a:ext uri="{28A0092B-C50C-407E-A947-70E740481C1C}">
-                <a14:useLocalDpi xmlns:a14="http://schemas.microsoft.com/office/drawing/2010/main" val="0"/>
+                <a14:useLocalDpi xmlns:a14="http://schemas.microsoft.com/office/drawing/2010/main" xmlns="" val="0"/>
               </a:ext>
             </a:extLst>
           </a:blip>
@@ -4653,7 +4639,7 @@
     </p:spTree>
     <p:extLst>
       <p:ext uri="{BB962C8B-B14F-4D97-AF65-F5344CB8AC3E}">
-        <p14:creationId xmlns:p14="http://schemas.microsoft.com/office/powerpoint/2010/main" val="3689676249"/>
+        <p14:creationId xmlns:p14="http://schemas.microsoft.com/office/powerpoint/2010/main" xmlns="" val="3689676249"/>
       </p:ext>
     </p:extLst>
   </p:cSld>
@@ -4950,7 +4936,7 @@
           <a:blip r:embed="rId3" cstate="print">
             <a:extLst>
               <a:ext uri="{28A0092B-C50C-407E-A947-70E740481C1C}">
-                <a14:useLocalDpi xmlns:a14="http://schemas.microsoft.com/office/drawing/2010/main" val="0"/>
+                <a14:useLocalDpi xmlns:a14="http://schemas.microsoft.com/office/drawing/2010/main" xmlns="" val="0"/>
               </a:ext>
             </a:extLst>
           </a:blip>
@@ -5008,7 +4994,7 @@
     </p:spTree>
     <p:extLst>
       <p:ext uri="{BB962C8B-B14F-4D97-AF65-F5344CB8AC3E}">
-        <p14:creationId xmlns:p14="http://schemas.microsoft.com/office/powerpoint/2010/main" val="733746163"/>
+        <p14:creationId xmlns:p14="http://schemas.microsoft.com/office/powerpoint/2010/main" xmlns="" val="733746163"/>
       </p:ext>
     </p:extLst>
   </p:cSld>
@@ -5417,7 +5403,8 @@
           <a:p>
             <a:fld id="{7EFE020C-DC84-4C46-A98F-94DBCAFE45B2}" type="datetime1">
               <a:rPr lang="sv-SE" smtClean="0"/>
-              <a:t>2016-08-20</a:t>
+              <a:pPr/>
+              <a:t>2016-08-24</a:t>
             </a:fld>
             <a:endParaRPr lang="sv-SE" dirty="0"/>
           </a:p>
@@ -5495,7 +5482,8 @@
           <a:p>
             <a:fld id="{F95F3845-5696-461A-81BD-07295DF66011}" type="slidenum">
               <a:rPr lang="sv-SE" smtClean="0"/>
-              <a:t>‹Nr.›</a:t>
+              <a:pPr/>
+              <a:t>‹#›</a:t>
             </a:fld>
             <a:endParaRPr lang="sv-SE"/>
           </a:p>
@@ -5513,7 +5501,7 @@
           <a:blip r:embed="rId13" cstate="print">
             <a:extLst>
               <a:ext uri="{28A0092B-C50C-407E-A947-70E740481C1C}">
-                <a14:useLocalDpi xmlns:a14="http://schemas.microsoft.com/office/drawing/2010/main" val="0"/>
+                <a14:useLocalDpi xmlns:a14="http://schemas.microsoft.com/office/drawing/2010/main" xmlns="" val="0"/>
               </a:ext>
             </a:extLst>
           </a:blip>
@@ -5534,7 +5522,7 @@
     </p:spTree>
     <p:extLst>
       <p:ext uri="{BB962C8B-B14F-4D97-AF65-F5344CB8AC3E}">
-        <p14:creationId xmlns:p14="http://schemas.microsoft.com/office/powerpoint/2010/main" val="229556576"/>
+        <p14:creationId xmlns:p14="http://schemas.microsoft.com/office/powerpoint/2010/main" xmlns="" val="229556576"/>
       </p:ext>
     </p:extLst>
   </p:cSld>
@@ -5863,7 +5851,8 @@
           <a:p>
             <a:fld id="{506B3783-8F2E-448D-892A-7DD44B8F5BBF}" type="datetime1">
               <a:rPr lang="sv-SE" smtClean="0"/>
-              <a:t>2016-08-20</a:t>
+              <a:pPr/>
+              <a:t>2016-08-24</a:t>
             </a:fld>
             <a:endParaRPr lang="sv-SE"/>
           </a:p>
@@ -5941,7 +5930,8 @@
           <a:p>
             <a:fld id="{04F998C5-80CE-4E9F-A13F-6C320034DA3A}" type="slidenum">
               <a:rPr lang="sv-SE" smtClean="0"/>
-              <a:t>‹Nr.›</a:t>
+              <a:pPr/>
+              <a:t>‹#›</a:t>
             </a:fld>
             <a:endParaRPr lang="sv-SE"/>
           </a:p>
@@ -5959,7 +5949,7 @@
           <a:blip r:embed="rId2" cstate="print">
             <a:extLst>
               <a:ext uri="{28A0092B-C50C-407E-A947-70E740481C1C}">
-                <a14:useLocalDpi xmlns:a14="http://schemas.microsoft.com/office/drawing/2010/main" val="0"/>
+                <a14:useLocalDpi xmlns:a14="http://schemas.microsoft.com/office/drawing/2010/main" xmlns="" val="0"/>
               </a:ext>
             </a:extLst>
           </a:blip>
@@ -5980,7 +5970,7 @@
     </p:spTree>
     <p:extLst>
       <p:ext uri="{BB962C8B-B14F-4D97-AF65-F5344CB8AC3E}">
-        <p14:creationId xmlns:p14="http://schemas.microsoft.com/office/powerpoint/2010/main" val="3689676249"/>
+        <p14:creationId xmlns:p14="http://schemas.microsoft.com/office/powerpoint/2010/main" xmlns="" val="3689676249"/>
       </p:ext>
     </p:extLst>
   </p:cSld>
@@ -6389,7 +6379,8 @@
           <a:p>
             <a:fld id="{D8B05ACB-391D-42A6-B02F-D1BCC6363F82}" type="datetimeFigureOut">
               <a:rPr lang="sv-SE" smtClean="0"/>
-              <a:t>2016-08-20</a:t>
+              <a:pPr/>
+              <a:t>2016-08-24</a:t>
             </a:fld>
             <a:endParaRPr lang="sv-SE" dirty="0"/>
           </a:p>
@@ -6467,7 +6458,8 @@
           <a:p>
             <a:fld id="{28C31C57-8128-4495-8BED-DE23F8D413CB}" type="slidenum">
               <a:rPr lang="sv-SE" smtClean="0"/>
-              <a:t>‹Nr.›</a:t>
+              <a:pPr/>
+              <a:t>‹#›</a:t>
             </a:fld>
             <a:endParaRPr lang="sv-SE"/>
           </a:p>
@@ -6476,7 +6468,7 @@
     </p:spTree>
     <p:extLst>
       <p:ext uri="{BB962C8B-B14F-4D97-AF65-F5344CB8AC3E}">
-        <p14:creationId xmlns:p14="http://schemas.microsoft.com/office/powerpoint/2010/main" val="3519471626"/>
+        <p14:creationId xmlns:p14="http://schemas.microsoft.com/office/powerpoint/2010/main" xmlns="" val="3519471626"/>
       </p:ext>
     </p:extLst>
   </p:cSld>
@@ -6757,7 +6749,7 @@
     </p:spTree>
     <p:extLst>
       <p:ext uri="{BB962C8B-B14F-4D97-AF65-F5344CB8AC3E}">
-        <p14:creationId xmlns:p14="http://schemas.microsoft.com/office/powerpoint/2010/main" val="709680625"/>
+        <p14:creationId xmlns:p14="http://schemas.microsoft.com/office/powerpoint/2010/main" xmlns="" val="709680625"/>
       </p:ext>
     </p:extLst>
   </p:cSld>
@@ -6800,7 +6792,7 @@
           <p:nvPr>
             <p:extLst>
               <p:ext uri="{D42A27DB-BD31-4B8C-83A1-F6EECF244321}">
-                <p14:modId xmlns:p14="http://schemas.microsoft.com/office/powerpoint/2010/main" val="3303556460"/>
+                <p14:modId xmlns:p14="http://schemas.microsoft.com/office/powerpoint/2010/main" xmlns="" val="3303556460"/>
               </p:ext>
             </p:extLst>
           </p:nvPr>
@@ -7049,71 +7041,7 @@
           <a:p>
             <a:r>
               <a:rPr lang="sv-SE" dirty="0" smtClean="0"/>
-              <a:t>Ian &amp; Jay: </a:t>
-            </a:r>
-            <a:r>
-              <a:rPr lang="sv-SE" dirty="0" err="1" smtClean="0"/>
-              <a:t>Please</a:t>
-            </a:r>
-            <a:r>
-              <a:rPr lang="sv-SE" dirty="0" smtClean="0"/>
-              <a:t> </a:t>
-            </a:r>
-            <a:r>
-              <a:rPr lang="sv-SE" dirty="0" err="1" smtClean="0"/>
-              <a:t>include</a:t>
-            </a:r>
-            <a:r>
-              <a:rPr lang="sv-SE" dirty="0" smtClean="0"/>
-              <a:t> all pain </a:t>
-            </a:r>
-            <a:r>
-              <a:rPr lang="sv-SE" dirty="0" err="1" smtClean="0"/>
-              <a:t>questions</a:t>
-            </a:r>
-            <a:r>
-              <a:rPr lang="sv-SE" dirty="0" smtClean="0"/>
-              <a:t> in </a:t>
-            </a:r>
-            <a:r>
-              <a:rPr lang="sv-SE" dirty="0" err="1" smtClean="0"/>
-              <a:t>this</a:t>
-            </a:r>
-            <a:r>
-              <a:rPr lang="sv-SE" dirty="0" smtClean="0"/>
-              <a:t> </a:t>
-            </a:r>
-            <a:r>
-              <a:rPr lang="sv-SE" dirty="0" err="1" smtClean="0"/>
-              <a:t>graph</a:t>
-            </a:r>
-            <a:r>
-              <a:rPr lang="sv-SE" dirty="0" smtClean="0"/>
-              <a:t>. </a:t>
-            </a:r>
-            <a:r>
-              <a:rPr lang="sv-SE" dirty="0" err="1" smtClean="0"/>
-              <a:t>It’s</a:t>
-            </a:r>
-            <a:r>
-              <a:rPr lang="sv-SE" dirty="0" smtClean="0"/>
-              <a:t> a form </a:t>
-            </a:r>
-            <a:r>
-              <a:rPr lang="sv-SE" dirty="0" err="1" smtClean="0"/>
-              <a:t>of</a:t>
-            </a:r>
-            <a:r>
-              <a:rPr lang="sv-SE" dirty="0" smtClean="0"/>
-              <a:t> pain </a:t>
-            </a:r>
-            <a:r>
-              <a:rPr lang="sv-SE" dirty="0" err="1" smtClean="0"/>
-              <a:t>overview</a:t>
-            </a:r>
-            <a:r>
-              <a:rPr lang="sv-SE" dirty="0" smtClean="0"/>
-              <a:t>.</a:t>
+              <a:t>Ian &amp; Jay: Please include all pain questions in this graph. It’s a form of pain overview.</a:t>
             </a:r>
             <a:endParaRPr lang="sv-SE" dirty="0"/>
           </a:p>
@@ -7122,7 +7050,7 @@
     </p:spTree>
     <p:extLst>
       <p:ext uri="{BB962C8B-B14F-4D97-AF65-F5344CB8AC3E}">
-        <p14:creationId xmlns:p14="http://schemas.microsoft.com/office/powerpoint/2010/main" val="555225072"/>
+        <p14:creationId xmlns:p14="http://schemas.microsoft.com/office/powerpoint/2010/main" xmlns="" val="555225072"/>
       </p:ext>
     </p:extLst>
   </p:cSld>
@@ -7679,7 +7607,7 @@
     </p:spTree>
     <p:extLst>
       <p:ext uri="{BB962C8B-B14F-4D97-AF65-F5344CB8AC3E}">
-        <p14:creationId xmlns:p14="http://schemas.microsoft.com/office/powerpoint/2010/main" val="1182085615"/>
+        <p14:creationId xmlns:p14="http://schemas.microsoft.com/office/powerpoint/2010/main" xmlns="" val="1182085615"/>
       </p:ext>
     </p:extLst>
   </p:cSld>
@@ -7917,7 +7845,7 @@
     </p:spTree>
     <p:extLst>
       <p:ext uri="{BB962C8B-B14F-4D97-AF65-F5344CB8AC3E}">
-        <p14:creationId xmlns:p14="http://schemas.microsoft.com/office/powerpoint/2010/main" val="3505817427"/>
+        <p14:creationId xmlns:p14="http://schemas.microsoft.com/office/powerpoint/2010/main" xmlns="" val="3505817427"/>
       </p:ext>
     </p:extLst>
   </p:cSld>
@@ -8043,17 +7971,7 @@
                 <a:ea typeface="Arial" charset="0"/>
                 <a:cs typeface="Arial" charset="0"/>
               </a:rPr>
-              <a:t>Leverans av återhämtnings-fåtölj, uppstartsmöte,</a:t>
-            </a:r>
-          </a:p>
-          <a:p>
-            <a:r>
-              <a:rPr lang="sv-SE" sz="1200" dirty="0">
-                <a:latin typeface="Arial" charset="0"/>
-                <a:ea typeface="Arial" charset="0"/>
-                <a:cs typeface="Arial" charset="0"/>
-              </a:rPr>
-              <a:t>pärm och aktivitetsplan</a:t>
+              <a:t>Leverans av återhämtnings-fåtölj, uppstartsmöte, pärm och aktivitetsplan</a:t>
             </a:r>
           </a:p>
         </p:txBody>
@@ -8607,52 +8525,7 @@
                 <a:ea typeface="Arial" charset="0"/>
                 <a:cs typeface="Arial" charset="0"/>
               </a:rPr>
-              <a:t>Aktivitetsplan </a:t>
-            </a:r>
-            <a:r>
-              <a:rPr kumimoji="0" lang="sv-SE" sz="3000" b="1" i="0" u="none" strike="noStrike" kern="1200" cap="none" spc="0" normalizeH="0" baseline="0" noProof="0" dirty="0" smtClean="0">
-                <a:ln>
-                  <a:noFill/>
-                </a:ln>
-                <a:solidFill>
-                  <a:srgbClr val="74B2DD"/>
-                </a:solidFill>
-                <a:effectLst/>
-                <a:uLnTx/>
-                <a:uFillTx/>
-                <a:latin typeface="Arial" charset="0"/>
-                <a:ea typeface="Arial" charset="0"/>
-                <a:cs typeface="Arial" charset="0"/>
-              </a:rPr>
-              <a:t>– </a:t>
-            </a:r>
-            <a:r>
-              <a:rPr kumimoji="0" lang="sv-SE" sz="3000" b="1" i="0" u="none" strike="noStrike" kern="1200" cap="none" spc="0" normalizeH="0" baseline="0" noProof="0" dirty="0" err="1" smtClean="0">
-                <a:ln>
-                  <a:noFill/>
-                </a:ln>
-                <a:solidFill>
-                  <a:srgbClr val="74B2DD"/>
-                </a:solidFill>
-                <a:effectLst/>
-                <a:uLnTx/>
-                <a:uFillTx/>
-                <a:latin typeface="Arial" charset="0"/>
-                <a:ea typeface="Arial" charset="0"/>
-                <a:cs typeface="Arial" charset="0"/>
-              </a:rPr>
-              <a:t>PromasMetoden</a:t>
-            </a:r>
-            <a:r>
-              <a:rPr lang="sv-SE" dirty="0">
-                <a:solidFill>
-                  <a:srgbClr val="74B2DD"/>
-                </a:solidFill>
-                <a:latin typeface="Arial" charset="0"/>
-                <a:ea typeface="Arial" charset="0"/>
-                <a:cs typeface="Arial" charset="0"/>
-              </a:rPr>
-              <a:t>®</a:t>
+              <a:t>Aktivitetsplan – PromasMetoden®</a:t>
             </a:r>
             <a:endParaRPr kumimoji="0" lang="sv-SE" sz="3000" b="1" i="0" u="none" strike="noStrike" kern="1200" cap="none" spc="0" normalizeH="0" baseline="0" noProof="0" dirty="0">
               <a:ln>
@@ -8674,7 +8547,7 @@
     </p:spTree>
     <p:extLst>
       <p:ext uri="{BB962C8B-B14F-4D97-AF65-F5344CB8AC3E}">
-        <p14:creationId xmlns:p14="http://schemas.microsoft.com/office/powerpoint/2010/main" val="3014433047"/>
+        <p14:creationId xmlns:p14="http://schemas.microsoft.com/office/powerpoint/2010/main" xmlns="" val="3014433047"/>
       </p:ext>
     </p:extLst>
   </p:cSld>
@@ -9096,7 +8969,7 @@
     </p:spTree>
     <p:extLst>
       <p:ext uri="{BB962C8B-B14F-4D97-AF65-F5344CB8AC3E}">
-        <p14:creationId xmlns:p14="http://schemas.microsoft.com/office/powerpoint/2010/main" val="1670626404"/>
+        <p14:creationId xmlns:p14="http://schemas.microsoft.com/office/powerpoint/2010/main" xmlns="" val="1670626404"/>
       </p:ext>
     </p:extLst>
   </p:cSld>
@@ -9358,17 +9231,10 @@
               <a:buNone/>
             </a:pPr>
             <a:r>
-              <a:rPr lang="sv-SE" dirty="0"/>
-              <a:t>Promas hälsoanalys är en del av </a:t>
+              <a:rPr lang="sv-SE" dirty="0" smtClean="0"/>
+              <a:t>Promas hälsoanalys är en del av NN’s arbete med hälsa. Syftet med undersökningen är att kartlägga hur medarbetare mår just nu och ta fram reflektionsområden som är viktiga för organisationen. Det ger er också möjlighet att skapa aktiviteter och att följa upp hälsoarbetet.</a:t>
             </a:r>
-            <a:r>
-              <a:rPr lang="sv-SE" dirty="0" err="1"/>
-              <a:t>NN’s</a:t>
-            </a:r>
-            <a:r>
-              <a:rPr lang="sv-SE" dirty="0"/>
-              <a:t> arbete med hälsa. Syftet med undersökningen är att kartlägga hur medarbetare mår just nu och ta fram reflektionsområden som är viktiga för organisationen. Det ger er också möjlighet att skapa aktiviteter och att följa upp hälsoarbetet.</a:t>
-            </a:r>
+            <a:endParaRPr lang="sv-SE" dirty="0"/>
           </a:p>
           <a:p>
             <a:pPr marL="0" indent="0">
@@ -9449,7 +9315,7 @@
     </p:spTree>
     <p:extLst>
       <p:ext uri="{BB962C8B-B14F-4D97-AF65-F5344CB8AC3E}">
-        <p14:creationId xmlns:p14="http://schemas.microsoft.com/office/powerpoint/2010/main" val="865856963"/>
+        <p14:creationId xmlns:p14="http://schemas.microsoft.com/office/powerpoint/2010/main" xmlns="" val="865856963"/>
       </p:ext>
     </p:extLst>
   </p:cSld>
@@ -9520,63 +9386,7 @@
                 <a:ea typeface="Arial" charset="0"/>
                 <a:cs typeface="Arial" charset="0"/>
               </a:rPr>
-              <a:t>43 (67</a:t>
-            </a:r>
-            <a:r>
-              <a:rPr lang="sv-SE" altLang="sv-SE" sz="2000" dirty="0" smtClean="0">
-                <a:latin typeface="Arial" charset="0"/>
-                <a:ea typeface="Arial" charset="0"/>
-                <a:cs typeface="Arial" charset="0"/>
-              </a:rPr>
-              <a:t>% ) medarbetare </a:t>
-            </a:r>
-            <a:r>
-              <a:rPr lang="sv-SE" altLang="sv-SE" sz="2000" dirty="0">
-                <a:latin typeface="Arial" charset="0"/>
-                <a:ea typeface="Arial" charset="0"/>
-                <a:cs typeface="Arial" charset="0"/>
-              </a:rPr>
-              <a:t>av 64 </a:t>
-            </a:r>
-            <a:r>
-              <a:rPr lang="sv-SE" altLang="sv-SE" sz="2000" dirty="0" smtClean="0">
-                <a:latin typeface="Arial" charset="0"/>
-                <a:ea typeface="Arial" charset="0"/>
-                <a:cs typeface="Arial" charset="0"/>
-              </a:rPr>
-              <a:t>har </a:t>
-            </a:r>
-            <a:r>
-              <a:rPr lang="sv-SE" altLang="sv-SE" sz="2000" dirty="0">
-                <a:latin typeface="Arial" charset="0"/>
-                <a:ea typeface="Arial" charset="0"/>
-                <a:cs typeface="Arial" charset="0"/>
-              </a:rPr>
-              <a:t>svarat på </a:t>
-            </a:r>
-            <a:r>
-              <a:rPr lang="sv-SE" altLang="sv-SE" sz="2000" dirty="0" err="1">
-                <a:latin typeface="Arial" charset="0"/>
-                <a:ea typeface="Arial" charset="0"/>
-                <a:cs typeface="Arial" charset="0"/>
-              </a:rPr>
-              <a:t>Promas</a:t>
-            </a:r>
-            <a:r>
-              <a:rPr lang="sv-SE" altLang="sv-SE" sz="2000" dirty="0">
-                <a:latin typeface="Arial" charset="0"/>
-                <a:ea typeface="Arial" charset="0"/>
-                <a:cs typeface="Arial" charset="0"/>
-              </a:rPr>
-              <a:t> </a:t>
-            </a:r>
-            <a:r>
-              <a:rPr lang="sv-SE" altLang="sv-SE" sz="2000" dirty="0" smtClean="0">
-                <a:latin typeface="Arial" charset="0"/>
-                <a:ea typeface="Arial" charset="0"/>
-                <a:cs typeface="Arial" charset="0"/>
-              </a:rPr>
-              <a:t>hälsoanalys. </a:t>
+              <a:t>43 (67%) medarbetare av 64 har svarat på Promas hälsoanalys. </a:t>
             </a:r>
             <a:endParaRPr lang="sv-SE" altLang="sv-SE" sz="2000" dirty="0">
               <a:latin typeface="Arial" charset="0"/>
@@ -9822,7 +9632,7 @@
     </p:spTree>
     <p:extLst>
       <p:ext uri="{BB962C8B-B14F-4D97-AF65-F5344CB8AC3E}">
-        <p14:creationId xmlns:p14="http://schemas.microsoft.com/office/powerpoint/2010/main" val="2054910883"/>
+        <p14:creationId xmlns:p14="http://schemas.microsoft.com/office/powerpoint/2010/main" xmlns="" val="2054910883"/>
       </p:ext>
     </p:extLst>
   </p:cSld>
@@ -10204,7 +10014,7 @@
     </p:spTree>
     <p:extLst>
       <p:ext uri="{BB962C8B-B14F-4D97-AF65-F5344CB8AC3E}">
-        <p14:creationId xmlns:p14="http://schemas.microsoft.com/office/powerpoint/2010/main" val="14920797"/>
+        <p14:creationId xmlns:p14="http://schemas.microsoft.com/office/powerpoint/2010/main" xmlns="" val="14920797"/>
       </p:ext>
     </p:extLst>
   </p:cSld>
@@ -10464,7 +10274,7 @@
     </p:spTree>
     <p:extLst>
       <p:ext uri="{BB962C8B-B14F-4D97-AF65-F5344CB8AC3E}">
-        <p14:creationId xmlns:p14="http://schemas.microsoft.com/office/powerpoint/2010/main" val="2742446731"/>
+        <p14:creationId xmlns:p14="http://schemas.microsoft.com/office/powerpoint/2010/main" xmlns="" val="2742446731"/>
       </p:ext>
     </p:extLst>
   </p:cSld>
@@ -10735,7 +10545,7 @@
     </p:spTree>
     <p:extLst>
       <p:ext uri="{BB962C8B-B14F-4D97-AF65-F5344CB8AC3E}">
-        <p14:creationId xmlns:p14="http://schemas.microsoft.com/office/powerpoint/2010/main" val="2618554675"/>
+        <p14:creationId xmlns:p14="http://schemas.microsoft.com/office/powerpoint/2010/main" xmlns="" val="2618554675"/>
       </p:ext>
     </p:extLst>
   </p:cSld>
@@ -11209,75 +11019,7 @@
           <a:p>
             <a:r>
               <a:rPr lang="sv-SE" dirty="0" smtClean="0"/>
-              <a:t>Ian &amp; Jay: </a:t>
-            </a:r>
-            <a:r>
-              <a:rPr lang="sv-SE" dirty="0" err="1" smtClean="0"/>
-              <a:t>Please</a:t>
-            </a:r>
-            <a:r>
-              <a:rPr lang="sv-SE" dirty="0" smtClean="0"/>
-              <a:t> note </a:t>
-            </a:r>
-            <a:r>
-              <a:rPr lang="sv-SE" dirty="0" err="1" smtClean="0"/>
-              <a:t>that</a:t>
-            </a:r>
-            <a:r>
-              <a:rPr lang="sv-SE" dirty="0" smtClean="0"/>
-              <a:t> </a:t>
-            </a:r>
-            <a:r>
-              <a:rPr lang="sv-SE" dirty="0" err="1" smtClean="0"/>
-              <a:t>response</a:t>
-            </a:r>
-            <a:r>
-              <a:rPr lang="sv-SE" dirty="0" smtClean="0"/>
-              <a:t> alternatives </a:t>
-            </a:r>
-            <a:r>
-              <a:rPr lang="sv-SE" dirty="0" err="1" smtClean="0"/>
-              <a:t>should</a:t>
-            </a:r>
-            <a:r>
-              <a:rPr lang="sv-SE" dirty="0" smtClean="0"/>
-              <a:t> be </a:t>
-            </a:r>
-            <a:r>
-              <a:rPr lang="sv-SE" dirty="0" err="1" smtClean="0"/>
-              <a:t>according</a:t>
-            </a:r>
-            <a:r>
-              <a:rPr lang="sv-SE" dirty="0" smtClean="0"/>
-              <a:t> to </a:t>
-            </a:r>
-            <a:r>
-              <a:rPr lang="sv-SE" dirty="0" err="1" smtClean="0"/>
-              <a:t>our</a:t>
-            </a:r>
-            <a:r>
-              <a:rPr lang="sv-SE" dirty="0" smtClean="0"/>
-              <a:t> order and not </a:t>
-            </a:r>
-            <a:r>
-              <a:rPr lang="sv-SE" dirty="0" err="1" smtClean="0"/>
-              <a:t>reversed</a:t>
-            </a:r>
-            <a:r>
-              <a:rPr lang="sv-SE" dirty="0" smtClean="0"/>
-              <a:t> as in </a:t>
-            </a:r>
-            <a:r>
-              <a:rPr lang="sv-SE" dirty="0" err="1" smtClean="0"/>
-              <a:t>their</a:t>
-            </a:r>
-            <a:r>
-              <a:rPr lang="sv-SE" dirty="0" smtClean="0"/>
-              <a:t> </a:t>
-            </a:r>
-            <a:r>
-              <a:rPr lang="sv-SE" dirty="0" err="1" smtClean="0"/>
-              <a:t>example</a:t>
+              <a:t>Ian &amp; Jay: Please note that response alternatives should be according to our order and not reversed as in their example</a:t>
             </a:r>
             <a:r>
               <a:rPr lang="sv-SE" dirty="0" smtClean="0"/>
@@ -11290,7 +11032,7 @@
     </p:spTree>
     <p:extLst>
       <p:ext uri="{BB962C8B-B14F-4D97-AF65-F5344CB8AC3E}">
-        <p14:creationId xmlns:p14="http://schemas.microsoft.com/office/powerpoint/2010/main" val="1410044571"/>
+        <p14:creationId xmlns:p14="http://schemas.microsoft.com/office/powerpoint/2010/main" xmlns="" val="1410044571"/>
       </p:ext>
     </p:extLst>
   </p:cSld>
@@ -11578,7 +11320,7 @@
     </p:spTree>
     <p:extLst>
       <p:ext uri="{BB962C8B-B14F-4D97-AF65-F5344CB8AC3E}">
-        <p14:creationId xmlns:p14="http://schemas.microsoft.com/office/powerpoint/2010/main" val="3343749438"/>
+        <p14:creationId xmlns:p14="http://schemas.microsoft.com/office/powerpoint/2010/main" xmlns="" val="3343749438"/>
       </p:ext>
     </p:extLst>
   </p:cSld>
@@ -11624,7 +11366,7 @@
           <a:blip r:embed="rId2">
             <a:extLst>
               <a:ext uri="{28A0092B-C50C-407E-A947-70E740481C1C}">
-                <a14:useLocalDpi xmlns:a14="http://schemas.microsoft.com/office/drawing/2010/main" val="0"/>
+                <a14:useLocalDpi xmlns:a14="http://schemas.microsoft.com/office/drawing/2010/main" xmlns="" val="0"/>
               </a:ext>
             </a:extLst>
           </a:blip>
@@ -11841,7 +11583,7 @@
     </p:spTree>
     <p:extLst>
       <p:ext uri="{BB962C8B-B14F-4D97-AF65-F5344CB8AC3E}">
-        <p14:creationId xmlns:p14="http://schemas.microsoft.com/office/powerpoint/2010/main" val="821155609"/>
+        <p14:creationId xmlns:p14="http://schemas.microsoft.com/office/powerpoint/2010/main" xmlns="" val="821155609"/>
       </p:ext>
     </p:extLst>
   </p:cSld>
@@ -12142,7 +11884,7 @@
   <a:extraClrSchemeLst/>
   <a:extLst>
     <a:ext uri="{05A4C25C-085E-4340-85A3-A5531E510DB2}">
-      <thm15:themeFamily xmlns:thm15="http://schemas.microsoft.com/office/thememl/2012/main" name="Presentation3" id="{1B6A2CF9-17E0-4129-90C7-1917F8D3D3F9}" vid="{7B8BA567-E2EF-400F-B9C4-C833229FFFBC}"/>
+      <thm15:themeFamily xmlns:thm15="http://schemas.microsoft.com/office/thememl/2012/main" xmlns="" name="Presentation3" id="{1B6A2CF9-17E0-4129-90C7-1917F8D3D3F9}" vid="{7B8BA567-E2EF-400F-B9C4-C833229FFFBC}"/>
     </a:ext>
   </a:extLst>
 </a:theme>
@@ -12191,7 +11933,7 @@
     </a:clrScheme>
     <a:fontScheme name="Office">
       <a:majorFont>
-        <a:latin typeface="Calibri Light" panose="020F0302020204030204"/>
+        <a:latin typeface="Calibri Light"/>
         <a:ea typeface=""/>
         <a:cs typeface=""/>
         <a:font script="Jpan" typeface="Yu Gothic Light"/>
@@ -12226,7 +11968,7 @@
         <a:font script="Geor" typeface="Sylfaen"/>
       </a:majorFont>
       <a:minorFont>
-        <a:latin typeface="Calibri" panose="020F0502020204030204"/>
+        <a:latin typeface="Calibri"/>
         <a:ea typeface=""/>
         <a:cs typeface=""/>
         <a:font script="Jpan" typeface="Yu Gothic"/>
@@ -12403,7 +12145,7 @@
   <a:extraClrSchemeLst/>
   <a:extLst>
     <a:ext uri="{05A4C25C-085E-4340-85A3-A5531E510DB2}">
-      <thm15:themeFamily xmlns:thm15="http://schemas.microsoft.com/office/thememl/2012/main" name="Presentation3" id="{1B6A2CF9-17E0-4129-90C7-1917F8D3D3F9}" vid="{B76CA73B-85D9-4DC7-8C19-15F234452B83}"/>
+      <thm15:themeFamily xmlns:thm15="http://schemas.microsoft.com/office/thememl/2012/main" xmlns="" name="Presentation3" id="{1B6A2CF9-17E0-4129-90C7-1917F8D3D3F9}" vid="{B76CA73B-85D9-4DC7-8C19-15F234452B83}"/>
     </a:ext>
   </a:extLst>
 </a:theme>
@@ -12633,7 +12375,7 @@
   <a:extraClrSchemeLst/>
   <a:extLst>
     <a:ext uri="{05A4C25C-085E-4340-85A3-A5531E510DB2}">
-      <thm15:themeFamily xmlns:thm15="http://schemas.microsoft.com/office/thememl/2012/main" name="Presentation3" id="{1B6A2CF9-17E0-4129-90C7-1917F8D3D3F9}" vid="{E5D58E00-E908-4B4F-AABC-41654E7F0120}"/>
+      <thm15:themeFamily xmlns:thm15="http://schemas.microsoft.com/office/thememl/2012/main" xmlns="" name="Presentation3" id="{1B6A2CF9-17E0-4129-90C7-1917F8D3D3F9}" vid="{E5D58E00-E908-4B4F-AABC-41654E7F0120}"/>
     </a:ext>
   </a:extLst>
 </a:theme>
@@ -12923,7 +12665,7 @@
   <a:extraClrSchemeLst/>
   <a:extLst>
     <a:ext uri="{05A4C25C-085E-4340-85A3-A5531E510DB2}">
-      <thm15:themeFamily xmlns:thm15="http://schemas.microsoft.com/office/thememl/2012/main" name="Presentation3" id="{1B6A2CF9-17E0-4129-90C7-1917F8D3D3F9}" vid="{B3D9C843-D64E-46BC-89B4-AECB146542A6}"/>
+      <thm15:themeFamily xmlns:thm15="http://schemas.microsoft.com/office/thememl/2012/main" xmlns="" name="Presentation3" id="{1B6A2CF9-17E0-4129-90C7-1917F8D3D3F9}" vid="{B3D9C843-D64E-46BC-89B4-AECB146542A6}"/>
     </a:ext>
   </a:extLst>
 </a:theme>

--- a/contrib/HW.EForm.Report/templates/Promas template.pptx
+++ b/contrib/HW.EForm.Report/templates/Promas template.pptx
@@ -9,23 +9,15 @@
     <p:sldMasterId id="2147483679" r:id="rId5"/>
   </p:sldMasterIdLst>
   <p:notesMasterIdLst>
-    <p:notesMasterId r:id="rId20"/>
+    <p:notesMasterId r:id="rId12"/>
   </p:notesMasterIdLst>
   <p:sldIdLst>
     <p:sldId id="256" r:id="rId6"/>
     <p:sldId id="257" r:id="rId7"/>
-    <p:sldId id="261" r:id="rId8"/>
-    <p:sldId id="262" r:id="rId9"/>
-    <p:sldId id="272" r:id="rId10"/>
-    <p:sldId id="273" r:id="rId11"/>
-    <p:sldId id="274" r:id="rId12"/>
-    <p:sldId id="275" r:id="rId13"/>
-    <p:sldId id="276" r:id="rId14"/>
-    <p:sldId id="264" r:id="rId15"/>
-    <p:sldId id="265" r:id="rId16"/>
-    <p:sldId id="280" r:id="rId17"/>
-    <p:sldId id="279" r:id="rId18"/>
-    <p:sldId id="260" r:id="rId19"/>
+    <p:sldId id="262" r:id="rId8"/>
+    <p:sldId id="272" r:id="rId9"/>
+    <p:sldId id="279" r:id="rId10"/>
+    <p:sldId id="260" r:id="rId11"/>
   </p:sldIdLst>
   <p:sldSz cx="9144000" cy="6858000" type="screen4x3"/>
   <p:notesSz cx="6805613" cy="9944100"/>
@@ -126,7 +118,7 @@
   </p:defaultTextStyle>
   <p:extLst>
     <p:ext uri="{EFAFB233-063F-42B5-8137-9DF3F51BA10A}">
-      <p15:sldGuideLst xmlns:p15="http://schemas.microsoft.com/office/powerpoint/2012/main" xmlns="">
+      <p15:sldGuideLst xmlns="" xmlns:p15="http://schemas.microsoft.com/office/powerpoint/2012/main">
         <p15:guide id="1" orient="horz" pos="1026" userDrawn="1">
           <p15:clr>
             <a:srgbClr val="A4A3A4"/>
@@ -141,833 +133,6 @@
     </p:ext>
   </p:extLst>
 </p:presentation>
-</file>
-
-<file path=ppt/charts/chart1.xml><?xml version="1.0" encoding="utf-8"?>
-<c:chartSpace xmlns:c="http://schemas.openxmlformats.org/drawingml/2006/chart" xmlns:a="http://schemas.openxmlformats.org/drawingml/2006/main" xmlns:r="http://schemas.openxmlformats.org/officeDocument/2006/relationships">
-  <c:lang val="en-US"/>
-  <c:chart>
-    <c:title>
-      <c:spPr>
-        <a:noFill/>
-        <a:ln>
-          <a:noFill/>
-        </a:ln>
-        <a:effectLst/>
-      </c:spPr>
-      <c:txPr>
-        <a:bodyPr rot="0" spcFirstLastPara="1" vertOverflow="ellipsis" vert="horz" wrap="square" anchor="ctr" anchorCtr="1"/>
-        <a:lstStyle/>
-        <a:p>
-          <a:pPr>
-            <a:defRPr lang="sv-SE" sz="1400" b="0" i="0" u="none" strike="noStrike" kern="1200" spc="0" baseline="0">
-              <a:solidFill>
-                <a:schemeClr val="tx1">
-                  <a:lumMod val="65000"/>
-                  <a:lumOff val="35000"/>
-                </a:schemeClr>
-              </a:solidFill>
-              <a:latin typeface="+mn-lt"/>
-              <a:ea typeface="+mn-ea"/>
-              <a:cs typeface="+mn-cs"/>
-            </a:defRPr>
-          </a:pPr>
-          <a:endParaRPr lang="en-US"/>
-        </a:p>
-      </c:txPr>
-    </c:title>
-    <c:plotArea>
-      <c:layout/>
-      <c:barChart>
-        <c:barDir val="col"/>
-        <c:grouping val="clustered"/>
-        <c:ser>
-          <c:idx val="0"/>
-          <c:order val="0"/>
-          <c:spPr>
-            <a:solidFill>
-              <a:schemeClr val="accent1"/>
-            </a:solidFill>
-            <a:ln>
-              <a:noFill/>
-            </a:ln>
-            <a:effectLst/>
-          </c:spPr>
-          <c:dLbls>
-            <c:spPr>
-              <a:noFill/>
-              <a:ln>
-                <a:noFill/>
-              </a:ln>
-              <a:effectLst/>
-            </c:spPr>
-            <c:txPr>
-              <a:bodyPr rot="0" spcFirstLastPara="1" vertOverflow="ellipsis" vert="horz" wrap="square" lIns="38100" tIns="19050" rIns="38100" bIns="19050" anchor="ctr" anchorCtr="1">
-                <a:spAutoFit/>
-              </a:bodyPr>
-              <a:lstStyle/>
-              <a:p>
-                <a:pPr>
-                  <a:defRPr lang="sv-SE" sz="900" b="0" i="0" u="none" strike="noStrike" kern="1200" baseline="0">
-                    <a:solidFill>
-                      <a:schemeClr val="tx1">
-                        <a:lumMod val="75000"/>
-                        <a:lumOff val="25000"/>
-                      </a:schemeClr>
-                    </a:solidFill>
-                    <a:latin typeface="+mn-lt"/>
-                    <a:ea typeface="+mn-ea"/>
-                    <a:cs typeface="+mn-cs"/>
-                  </a:defRPr>
-                </a:pPr>
-                <a:endParaRPr lang="en-US"/>
-              </a:p>
-            </c:txPr>
-            <c:showVal val="1"/>
-            <c:extLst xmlns:c16r2="http://schemas.microsoft.com/office/drawing/2015/06/chart">
-              <c:ext xmlns:c15="http://schemas.microsoft.com/office/drawing/2012/chart" uri="{CE6537A1-D6FC-4f65-9D91-7224C49458BB}">
-                <c15:layout/>
-                <c15:showLeaderLines val="1"/>
-                <c15:leaderLines>
-                  <c:spPr>
-                    <a:ln w="9525" cap="flat" cmpd="sng" algn="ctr">
-                      <a:solidFill>
-                        <a:schemeClr val="tx1">
-                          <a:lumMod val="35000"/>
-                          <a:lumOff val="65000"/>
-                        </a:schemeClr>
-                      </a:solidFill>
-                      <a:round/>
-                    </a:ln>
-                    <a:effectLst/>
-                  </c:spPr>
-                </c15:leaderLines>
-              </c:ext>
-            </c:extLst>
-          </c:dLbls>
-          <c:cat>
-            <c:strRef>
-              <c:f>Blad1!$A$1:$A$3</c:f>
-              <c:strCache>
-                <c:ptCount val="3"/>
-                <c:pt idx="0">
-                  <c:v>Huvud</c:v>
-                </c:pt>
-                <c:pt idx="1">
-                  <c:v>Nacke</c:v>
-                </c:pt>
-                <c:pt idx="2">
-                  <c:v>Axlar</c:v>
-                </c:pt>
-              </c:strCache>
-            </c:strRef>
-          </c:cat>
-          <c:val>
-            <c:numRef>
-              <c:f>Blad1!$B$1:$B$3</c:f>
-              <c:numCache>
-                <c:formatCode>General</c:formatCode>
-                <c:ptCount val="3"/>
-                <c:pt idx="0">
-                  <c:v>56</c:v>
-                </c:pt>
-                <c:pt idx="1">
-                  <c:v>47</c:v>
-                </c:pt>
-                <c:pt idx="2">
-                  <c:v>35</c:v>
-                </c:pt>
-              </c:numCache>
-            </c:numRef>
-          </c:val>
-          <c:extLst xmlns:c16r2="http://schemas.microsoft.com/office/drawing/2015/06/chart">
-            <c:ext xmlns:c16="http://schemas.microsoft.com/office/drawing/2014/chart" uri="{C3380CC4-5D6E-409C-BE32-E72D297353CC}">
-              <c16:uniqueId val="{00000000-7D7C-48A0-B052-DE7DFBDC2CB1}"/>
-            </c:ext>
-          </c:extLst>
-        </c:ser>
-        <c:dLbls/>
-        <c:gapWidth val="219"/>
-        <c:overlap val="-27"/>
-        <c:axId val="85343616"/>
-        <c:axId val="85386368"/>
-      </c:barChart>
-      <c:catAx>
-        <c:axId val="85343616"/>
-        <c:scaling>
-          <c:orientation val="minMax"/>
-        </c:scaling>
-        <c:axPos val="b"/>
-        <c:numFmt formatCode="General" sourceLinked="1"/>
-        <c:majorTickMark val="none"/>
-        <c:tickLblPos val="nextTo"/>
-        <c:spPr>
-          <a:noFill/>
-          <a:ln w="9525" cap="flat" cmpd="sng" algn="ctr">
-            <a:solidFill>
-              <a:schemeClr val="tx1">
-                <a:lumMod val="15000"/>
-                <a:lumOff val="85000"/>
-              </a:schemeClr>
-            </a:solidFill>
-            <a:round/>
-          </a:ln>
-          <a:effectLst/>
-        </c:spPr>
-        <c:txPr>
-          <a:bodyPr rot="-60000000" spcFirstLastPara="1" vertOverflow="ellipsis" vert="horz" wrap="square" anchor="ctr" anchorCtr="1"/>
-          <a:lstStyle/>
-          <a:p>
-            <a:pPr>
-              <a:defRPr lang="sv-SE" sz="900" b="0" i="0" u="none" strike="noStrike" kern="1200" baseline="0">
-                <a:solidFill>
-                  <a:schemeClr val="tx1">
-                    <a:lumMod val="65000"/>
-                    <a:lumOff val="35000"/>
-                  </a:schemeClr>
-                </a:solidFill>
-                <a:latin typeface="+mn-lt"/>
-                <a:ea typeface="+mn-ea"/>
-                <a:cs typeface="+mn-cs"/>
-              </a:defRPr>
-            </a:pPr>
-            <a:endParaRPr lang="en-US"/>
-          </a:p>
-        </c:txPr>
-        <c:crossAx val="85386368"/>
-        <c:crosses val="autoZero"/>
-        <c:auto val="1"/>
-        <c:lblAlgn val="ctr"/>
-        <c:lblOffset val="100"/>
-      </c:catAx>
-      <c:valAx>
-        <c:axId val="85386368"/>
-        <c:scaling>
-          <c:orientation val="minMax"/>
-          <c:max val="100"/>
-        </c:scaling>
-        <c:axPos val="l"/>
-        <c:majorGridlines>
-          <c:spPr>
-            <a:ln w="9525" cap="flat" cmpd="sng" algn="ctr">
-              <a:solidFill>
-                <a:schemeClr val="tx1">
-                  <a:lumMod val="15000"/>
-                  <a:lumOff val="85000"/>
-                </a:schemeClr>
-              </a:solidFill>
-              <a:round/>
-            </a:ln>
-            <a:effectLst/>
-          </c:spPr>
-        </c:majorGridlines>
-        <c:numFmt formatCode="General" sourceLinked="1"/>
-        <c:majorTickMark val="none"/>
-        <c:tickLblPos val="nextTo"/>
-        <c:spPr>
-          <a:noFill/>
-          <a:ln>
-            <a:noFill/>
-          </a:ln>
-          <a:effectLst/>
-        </c:spPr>
-        <c:txPr>
-          <a:bodyPr rot="-60000000" spcFirstLastPara="1" vertOverflow="ellipsis" vert="horz" wrap="square" anchor="ctr" anchorCtr="1"/>
-          <a:lstStyle/>
-          <a:p>
-            <a:pPr>
-              <a:defRPr lang="sv-SE" sz="900" b="0" i="0" u="none" strike="noStrike" kern="1200" baseline="0">
-                <a:solidFill>
-                  <a:schemeClr val="tx1">
-                    <a:lumMod val="65000"/>
-                    <a:lumOff val="35000"/>
-                  </a:schemeClr>
-                </a:solidFill>
-                <a:latin typeface="+mn-lt"/>
-                <a:ea typeface="+mn-ea"/>
-                <a:cs typeface="+mn-cs"/>
-              </a:defRPr>
-            </a:pPr>
-            <a:endParaRPr lang="en-US"/>
-          </a:p>
-        </c:txPr>
-        <c:crossAx val="85343616"/>
-        <c:crosses val="autoZero"/>
-        <c:crossBetween val="between"/>
-      </c:valAx>
-      <c:spPr>
-        <a:noFill/>
-        <a:ln>
-          <a:noFill/>
-        </a:ln>
-        <a:effectLst/>
-      </c:spPr>
-    </c:plotArea>
-    <c:plotVisOnly val="1"/>
-    <c:dispBlanksAs val="gap"/>
-  </c:chart>
-  <c:spPr>
-    <a:noFill/>
-    <a:ln>
-      <a:noFill/>
-    </a:ln>
-    <a:effectLst/>
-  </c:spPr>
-  <c:txPr>
-    <a:bodyPr/>
-    <a:lstStyle/>
-    <a:p>
-      <a:pPr>
-        <a:defRPr/>
-      </a:pPr>
-      <a:endParaRPr lang="en-US"/>
-    </a:p>
-  </c:txPr>
-  <c:externalData r:id="rId1"/>
-</c:chartSpace>
-</file>
-
-<file path=ppt/charts/colors1.xml><?xml version="1.0" encoding="utf-8"?>
-<cs:colorStyle xmlns:cs="http://schemas.microsoft.com/office/drawing/2012/chartStyle" xmlns:a="http://schemas.openxmlformats.org/drawingml/2006/main" meth="cycle" id="10">
-  <a:schemeClr val="accent1"/>
-  <a:schemeClr val="accent2"/>
-  <a:schemeClr val="accent3"/>
-  <a:schemeClr val="accent4"/>
-  <a:schemeClr val="accent5"/>
-  <a:schemeClr val="accent6"/>
-  <cs:variation/>
-  <cs:variation>
-    <a:lumMod val="60000"/>
-  </cs:variation>
-  <cs:variation>
-    <a:lumMod val="80000"/>
-    <a:lumOff val="20000"/>
-  </cs:variation>
-  <cs:variation>
-    <a:lumMod val="80000"/>
-  </cs:variation>
-  <cs:variation>
-    <a:lumMod val="60000"/>
-    <a:lumOff val="40000"/>
-  </cs:variation>
-  <cs:variation>
-    <a:lumMod val="50000"/>
-  </cs:variation>
-  <cs:variation>
-    <a:lumMod val="70000"/>
-    <a:lumOff val="30000"/>
-  </cs:variation>
-  <cs:variation>
-    <a:lumMod val="70000"/>
-  </cs:variation>
-  <cs:variation>
-    <a:lumMod val="50000"/>
-    <a:lumOff val="50000"/>
-  </cs:variation>
-</cs:colorStyle>
-</file>
-
-<file path=ppt/charts/style1.xml><?xml version="1.0" encoding="utf-8"?>
-<cs:chartStyle xmlns:cs="http://schemas.microsoft.com/office/drawing/2012/chartStyle" xmlns:a="http://schemas.openxmlformats.org/drawingml/2006/main" id="201">
-  <cs:axisTitle>
-    <cs:lnRef idx="0"/>
-    <cs:fillRef idx="0"/>
-    <cs:effectRef idx="0"/>
-    <cs:fontRef idx="minor">
-      <a:schemeClr val="tx1">
-        <a:lumMod val="65000"/>
-        <a:lumOff val="35000"/>
-      </a:schemeClr>
-    </cs:fontRef>
-    <cs:defRPr sz="1000" kern="1200"/>
-  </cs:axisTitle>
-  <cs:categoryAxis>
-    <cs:lnRef idx="0"/>
-    <cs:fillRef idx="0"/>
-    <cs:effectRef idx="0"/>
-    <cs:fontRef idx="minor">
-      <a:schemeClr val="tx1">
-        <a:lumMod val="65000"/>
-        <a:lumOff val="35000"/>
-      </a:schemeClr>
-    </cs:fontRef>
-    <cs:spPr>
-      <a:ln w="9525" cap="flat" cmpd="sng" algn="ctr">
-        <a:solidFill>
-          <a:schemeClr val="tx1">
-            <a:lumMod val="15000"/>
-            <a:lumOff val="85000"/>
-          </a:schemeClr>
-        </a:solidFill>
-        <a:round/>
-      </a:ln>
-    </cs:spPr>
-    <cs:defRPr sz="900" kern="1200"/>
-  </cs:categoryAxis>
-  <cs:chartArea mods="allowNoFillOverride allowNoLineOverride">
-    <cs:lnRef idx="0"/>
-    <cs:fillRef idx="0"/>
-    <cs:effectRef idx="0"/>
-    <cs:fontRef idx="minor">
-      <a:schemeClr val="tx1"/>
-    </cs:fontRef>
-    <cs:spPr>
-      <a:solidFill>
-        <a:schemeClr val="bg1"/>
-      </a:solidFill>
-      <a:ln w="9525" cap="flat" cmpd="sng" algn="ctr">
-        <a:solidFill>
-          <a:schemeClr val="tx1">
-            <a:lumMod val="15000"/>
-            <a:lumOff val="85000"/>
-          </a:schemeClr>
-        </a:solidFill>
-        <a:round/>
-      </a:ln>
-    </cs:spPr>
-    <cs:defRPr sz="1000" kern="1200"/>
-  </cs:chartArea>
-  <cs:dataLabel>
-    <cs:lnRef idx="0"/>
-    <cs:fillRef idx="0"/>
-    <cs:effectRef idx="0"/>
-    <cs:fontRef idx="minor">
-      <a:schemeClr val="tx1">
-        <a:lumMod val="75000"/>
-        <a:lumOff val="25000"/>
-      </a:schemeClr>
-    </cs:fontRef>
-    <cs:defRPr sz="900" kern="1200"/>
-  </cs:dataLabel>
-  <cs:dataLabelCallout>
-    <cs:lnRef idx="0"/>
-    <cs:fillRef idx="0"/>
-    <cs:effectRef idx="0"/>
-    <cs:fontRef idx="minor">
-      <a:schemeClr val="dk1">
-        <a:lumMod val="65000"/>
-        <a:lumOff val="35000"/>
-      </a:schemeClr>
-    </cs:fontRef>
-    <cs:spPr>
-      <a:solidFill>
-        <a:schemeClr val="lt1"/>
-      </a:solidFill>
-      <a:ln>
-        <a:solidFill>
-          <a:schemeClr val="dk1">
-            <a:lumMod val="25000"/>
-            <a:lumOff val="75000"/>
-          </a:schemeClr>
-        </a:solidFill>
-      </a:ln>
-    </cs:spPr>
-    <cs:defRPr sz="900" kern="1200"/>
-    <cs:bodyPr rot="0" spcFirstLastPara="1" vertOverflow="clip" horzOverflow="clip" vert="horz" wrap="square" lIns="36576" tIns="18288" rIns="36576" bIns="18288" anchor="ctr" anchorCtr="1">
-      <a:spAutoFit/>
-    </cs:bodyPr>
-  </cs:dataLabelCallout>
-  <cs:dataPoint>
-    <cs:lnRef idx="0"/>
-    <cs:fillRef idx="1">
-      <cs:styleClr val="auto"/>
-    </cs:fillRef>
-    <cs:effectRef idx="0"/>
-    <cs:fontRef idx="minor">
-      <a:schemeClr val="tx1"/>
-    </cs:fontRef>
-  </cs:dataPoint>
-  <cs:dataPoint3D>
-    <cs:lnRef idx="0"/>
-    <cs:fillRef idx="1">
-      <cs:styleClr val="auto"/>
-    </cs:fillRef>
-    <cs:effectRef idx="0"/>
-    <cs:fontRef idx="minor">
-      <a:schemeClr val="tx1"/>
-    </cs:fontRef>
-  </cs:dataPoint3D>
-  <cs:dataPointLine>
-    <cs:lnRef idx="0">
-      <cs:styleClr val="auto"/>
-    </cs:lnRef>
-    <cs:fillRef idx="1"/>
-    <cs:effectRef idx="0"/>
-    <cs:fontRef idx="minor">
-      <a:schemeClr val="tx1"/>
-    </cs:fontRef>
-    <cs:spPr>
-      <a:ln w="28575" cap="rnd">
-        <a:solidFill>
-          <a:schemeClr val="phClr"/>
-        </a:solidFill>
-        <a:round/>
-      </a:ln>
-    </cs:spPr>
-  </cs:dataPointLine>
-  <cs:dataPointMarker>
-    <cs:lnRef idx="0">
-      <cs:styleClr val="auto"/>
-    </cs:lnRef>
-    <cs:fillRef idx="1">
-      <cs:styleClr val="auto"/>
-    </cs:fillRef>
-    <cs:effectRef idx="0"/>
-    <cs:fontRef idx="minor">
-      <a:schemeClr val="tx1"/>
-    </cs:fontRef>
-    <cs:spPr>
-      <a:ln w="9525">
-        <a:solidFill>
-          <a:schemeClr val="phClr"/>
-        </a:solidFill>
-      </a:ln>
-    </cs:spPr>
-  </cs:dataPointMarker>
-  <cs:dataPointMarkerLayout symbol="circle" size="5"/>
-  <cs:dataPointWireframe>
-    <cs:lnRef idx="0">
-      <cs:styleClr val="auto"/>
-    </cs:lnRef>
-    <cs:fillRef idx="1"/>
-    <cs:effectRef idx="0"/>
-    <cs:fontRef idx="minor">
-      <a:schemeClr val="tx1"/>
-    </cs:fontRef>
-    <cs:spPr>
-      <a:ln w="9525" cap="rnd">
-        <a:solidFill>
-          <a:schemeClr val="phClr"/>
-        </a:solidFill>
-        <a:round/>
-      </a:ln>
-    </cs:spPr>
-  </cs:dataPointWireframe>
-  <cs:dataTable>
-    <cs:lnRef idx="0"/>
-    <cs:fillRef idx="0"/>
-    <cs:effectRef idx="0"/>
-    <cs:fontRef idx="minor">
-      <a:schemeClr val="tx1">
-        <a:lumMod val="65000"/>
-        <a:lumOff val="35000"/>
-      </a:schemeClr>
-    </cs:fontRef>
-    <cs:spPr>
-      <a:noFill/>
-      <a:ln w="9525" cap="flat" cmpd="sng" algn="ctr">
-        <a:solidFill>
-          <a:schemeClr val="tx1">
-            <a:lumMod val="15000"/>
-            <a:lumOff val="85000"/>
-          </a:schemeClr>
-        </a:solidFill>
-        <a:round/>
-      </a:ln>
-    </cs:spPr>
-    <cs:defRPr sz="900" kern="1200"/>
-  </cs:dataTable>
-  <cs:downBar>
-    <cs:lnRef idx="0"/>
-    <cs:fillRef idx="0"/>
-    <cs:effectRef idx="0"/>
-    <cs:fontRef idx="minor">
-      <a:schemeClr val="dk1"/>
-    </cs:fontRef>
-    <cs:spPr>
-      <a:solidFill>
-        <a:schemeClr val="dk1">
-          <a:lumMod val="65000"/>
-          <a:lumOff val="35000"/>
-        </a:schemeClr>
-      </a:solidFill>
-      <a:ln w="9525">
-        <a:solidFill>
-          <a:schemeClr val="tx1">
-            <a:lumMod val="65000"/>
-            <a:lumOff val="35000"/>
-          </a:schemeClr>
-        </a:solidFill>
-      </a:ln>
-    </cs:spPr>
-  </cs:downBar>
-  <cs:dropLine>
-    <cs:lnRef idx="0"/>
-    <cs:fillRef idx="0"/>
-    <cs:effectRef idx="0"/>
-    <cs:fontRef idx="minor">
-      <a:schemeClr val="tx1"/>
-    </cs:fontRef>
-    <cs:spPr>
-      <a:ln w="9525" cap="flat" cmpd="sng" algn="ctr">
-        <a:solidFill>
-          <a:schemeClr val="tx1">
-            <a:lumMod val="35000"/>
-            <a:lumOff val="65000"/>
-          </a:schemeClr>
-        </a:solidFill>
-        <a:round/>
-      </a:ln>
-    </cs:spPr>
-  </cs:dropLine>
-  <cs:errorBar>
-    <cs:lnRef idx="0"/>
-    <cs:fillRef idx="0"/>
-    <cs:effectRef idx="0"/>
-    <cs:fontRef idx="minor">
-      <a:schemeClr val="tx1"/>
-    </cs:fontRef>
-    <cs:spPr>
-      <a:ln w="9525" cap="flat" cmpd="sng" algn="ctr">
-        <a:solidFill>
-          <a:schemeClr val="tx1">
-            <a:lumMod val="65000"/>
-            <a:lumOff val="35000"/>
-          </a:schemeClr>
-        </a:solidFill>
-        <a:round/>
-      </a:ln>
-    </cs:spPr>
-  </cs:errorBar>
-  <cs:floor>
-    <cs:lnRef idx="0"/>
-    <cs:fillRef idx="0"/>
-    <cs:effectRef idx="0"/>
-    <cs:fontRef idx="minor">
-      <a:schemeClr val="tx1"/>
-    </cs:fontRef>
-    <cs:spPr>
-      <a:noFill/>
-      <a:ln>
-        <a:noFill/>
-      </a:ln>
-    </cs:spPr>
-  </cs:floor>
-  <cs:gridlineMajor>
-    <cs:lnRef idx="0"/>
-    <cs:fillRef idx="0"/>
-    <cs:effectRef idx="0"/>
-    <cs:fontRef idx="minor">
-      <a:schemeClr val="tx1"/>
-    </cs:fontRef>
-    <cs:spPr>
-      <a:ln w="9525" cap="flat" cmpd="sng" algn="ctr">
-        <a:solidFill>
-          <a:schemeClr val="tx1">
-            <a:lumMod val="15000"/>
-            <a:lumOff val="85000"/>
-          </a:schemeClr>
-        </a:solidFill>
-        <a:round/>
-      </a:ln>
-    </cs:spPr>
-  </cs:gridlineMajor>
-  <cs:gridlineMinor>
-    <cs:lnRef idx="0"/>
-    <cs:fillRef idx="0"/>
-    <cs:effectRef idx="0"/>
-    <cs:fontRef idx="minor">
-      <a:schemeClr val="tx1"/>
-    </cs:fontRef>
-    <cs:spPr>
-      <a:ln w="9525" cap="flat" cmpd="sng" algn="ctr">
-        <a:solidFill>
-          <a:schemeClr val="tx1">
-            <a:lumMod val="5000"/>
-            <a:lumOff val="95000"/>
-          </a:schemeClr>
-        </a:solidFill>
-        <a:round/>
-      </a:ln>
-    </cs:spPr>
-  </cs:gridlineMinor>
-  <cs:hiLoLine>
-    <cs:lnRef idx="0"/>
-    <cs:fillRef idx="0"/>
-    <cs:effectRef idx="0"/>
-    <cs:fontRef idx="minor">
-      <a:schemeClr val="tx1"/>
-    </cs:fontRef>
-    <cs:spPr>
-      <a:ln w="9525" cap="flat" cmpd="sng" algn="ctr">
-        <a:solidFill>
-          <a:schemeClr val="tx1">
-            <a:lumMod val="75000"/>
-            <a:lumOff val="25000"/>
-          </a:schemeClr>
-        </a:solidFill>
-        <a:round/>
-      </a:ln>
-    </cs:spPr>
-  </cs:hiLoLine>
-  <cs:leaderLine>
-    <cs:lnRef idx="0"/>
-    <cs:fillRef idx="0"/>
-    <cs:effectRef idx="0"/>
-    <cs:fontRef idx="minor">
-      <a:schemeClr val="tx1"/>
-    </cs:fontRef>
-    <cs:spPr>
-      <a:ln w="9525" cap="flat" cmpd="sng" algn="ctr">
-        <a:solidFill>
-          <a:schemeClr val="tx1">
-            <a:lumMod val="35000"/>
-            <a:lumOff val="65000"/>
-          </a:schemeClr>
-        </a:solidFill>
-        <a:round/>
-      </a:ln>
-    </cs:spPr>
-  </cs:leaderLine>
-  <cs:legend>
-    <cs:lnRef idx="0"/>
-    <cs:fillRef idx="0"/>
-    <cs:effectRef idx="0"/>
-    <cs:fontRef idx="minor">
-      <a:schemeClr val="tx1">
-        <a:lumMod val="65000"/>
-        <a:lumOff val="35000"/>
-      </a:schemeClr>
-    </cs:fontRef>
-    <cs:defRPr sz="900" kern="1200"/>
-  </cs:legend>
-  <cs:plotArea mods="allowNoFillOverride allowNoLineOverride">
-    <cs:lnRef idx="0"/>
-    <cs:fillRef idx="0"/>
-    <cs:effectRef idx="0"/>
-    <cs:fontRef idx="minor">
-      <a:schemeClr val="tx1"/>
-    </cs:fontRef>
-  </cs:plotArea>
-  <cs:plotArea3D mods="allowNoFillOverride allowNoLineOverride">
-    <cs:lnRef idx="0"/>
-    <cs:fillRef idx="0"/>
-    <cs:effectRef idx="0"/>
-    <cs:fontRef idx="minor">
-      <a:schemeClr val="tx1"/>
-    </cs:fontRef>
-  </cs:plotArea3D>
-  <cs:seriesAxis>
-    <cs:lnRef idx="0"/>
-    <cs:fillRef idx="0"/>
-    <cs:effectRef idx="0"/>
-    <cs:fontRef idx="minor">
-      <a:schemeClr val="tx1">
-        <a:lumMod val="65000"/>
-        <a:lumOff val="35000"/>
-      </a:schemeClr>
-    </cs:fontRef>
-    <cs:defRPr sz="900" kern="1200"/>
-  </cs:seriesAxis>
-  <cs:seriesLine>
-    <cs:lnRef idx="0"/>
-    <cs:fillRef idx="0"/>
-    <cs:effectRef idx="0"/>
-    <cs:fontRef idx="minor">
-      <a:schemeClr val="tx1"/>
-    </cs:fontRef>
-    <cs:spPr>
-      <a:ln w="9525" cap="flat" cmpd="sng" algn="ctr">
-        <a:solidFill>
-          <a:schemeClr val="tx1">
-            <a:lumMod val="35000"/>
-            <a:lumOff val="65000"/>
-          </a:schemeClr>
-        </a:solidFill>
-        <a:round/>
-      </a:ln>
-    </cs:spPr>
-  </cs:seriesLine>
-  <cs:title>
-    <cs:lnRef idx="0"/>
-    <cs:fillRef idx="0"/>
-    <cs:effectRef idx="0"/>
-    <cs:fontRef idx="minor">
-      <a:schemeClr val="tx1">
-        <a:lumMod val="65000"/>
-        <a:lumOff val="35000"/>
-      </a:schemeClr>
-    </cs:fontRef>
-    <cs:defRPr sz="1400" b="0" kern="1200" spc="0" baseline="0"/>
-  </cs:title>
-  <cs:trendline>
-    <cs:lnRef idx="0">
-      <cs:styleClr val="auto"/>
-    </cs:lnRef>
-    <cs:fillRef idx="0"/>
-    <cs:effectRef idx="0"/>
-    <cs:fontRef idx="minor">
-      <a:schemeClr val="tx1"/>
-    </cs:fontRef>
-    <cs:spPr>
-      <a:ln w="19050" cap="rnd">
-        <a:solidFill>
-          <a:schemeClr val="phClr"/>
-        </a:solidFill>
-        <a:prstDash val="sysDot"/>
-      </a:ln>
-    </cs:spPr>
-  </cs:trendline>
-  <cs:trendlineLabel>
-    <cs:lnRef idx="0"/>
-    <cs:fillRef idx="0"/>
-    <cs:effectRef idx="0"/>
-    <cs:fontRef idx="minor">
-      <a:schemeClr val="tx1">
-        <a:lumMod val="65000"/>
-        <a:lumOff val="35000"/>
-      </a:schemeClr>
-    </cs:fontRef>
-    <cs:defRPr sz="900" kern="1200"/>
-  </cs:trendlineLabel>
-  <cs:upBar>
-    <cs:lnRef idx="0"/>
-    <cs:fillRef idx="0"/>
-    <cs:effectRef idx="0"/>
-    <cs:fontRef idx="minor">
-      <a:schemeClr val="dk1"/>
-    </cs:fontRef>
-    <cs:spPr>
-      <a:solidFill>
-        <a:schemeClr val="lt1"/>
-      </a:solidFill>
-      <a:ln w="9525">
-        <a:solidFill>
-          <a:schemeClr val="tx1">
-            <a:lumMod val="15000"/>
-            <a:lumOff val="85000"/>
-          </a:schemeClr>
-        </a:solidFill>
-      </a:ln>
-    </cs:spPr>
-  </cs:upBar>
-  <cs:valueAxis>
-    <cs:lnRef idx="0"/>
-    <cs:fillRef idx="0"/>
-    <cs:effectRef idx="0"/>
-    <cs:fontRef idx="minor">
-      <a:schemeClr val="tx1">
-        <a:lumMod val="65000"/>
-        <a:lumOff val="35000"/>
-      </a:schemeClr>
-    </cs:fontRef>
-    <cs:defRPr sz="900" kern="1200"/>
-  </cs:valueAxis>
-  <cs:wall>
-    <cs:lnRef idx="0"/>
-    <cs:fillRef idx="0"/>
-    <cs:effectRef idx="0"/>
-    <cs:fontRef idx="minor">
-      <a:schemeClr val="tx1"/>
-    </cs:fontRef>
-    <cs:spPr>
-      <a:noFill/>
-      <a:ln>
-        <a:noFill/>
-      </a:ln>
-    </cs:spPr>
-  </cs:wall>
-</cs:chartStyle>
 </file>
 
 <file path=ppt/notesMasters/notesMaster1.xml><?xml version="1.0" encoding="utf-8"?>
@@ -1053,7 +218,7 @@
             <a:fld id="{497142DA-EA4D-41ED-99F0-5AC839F0E666}" type="datetimeFigureOut">
               <a:rPr lang="sv-SE" smtClean="0"/>
               <a:pPr/>
-              <a:t>2016-08-24</a:t>
+              <a:t>2016-09-02</a:t>
             </a:fld>
             <a:endParaRPr lang="sv-SE"/>
           </a:p>
@@ -1221,7 +386,7 @@
     </p:spTree>
     <p:extLst>
       <p:ext uri="{BB962C8B-B14F-4D97-AF65-F5344CB8AC3E}">
-        <p14:creationId xmlns:p14="http://schemas.microsoft.com/office/powerpoint/2010/main" xmlns="" val="3949772536"/>
+        <p14:creationId xmlns="" xmlns:p14="http://schemas.microsoft.com/office/powerpoint/2010/main" val="3949772536"/>
       </p:ext>
     </p:extLst>
   </p:cSld>
@@ -1376,7 +541,7 @@
             <a:fld id="{344B1A84-6C31-40FE-8BCD-B276DCF673E1}" type="datetime1">
               <a:rPr lang="sv-SE" smtClean="0"/>
               <a:pPr/>
-              <a:t>2016-08-24</a:t>
+              <a:t>2016-09-02</a:t>
             </a:fld>
             <a:endParaRPr lang="sv-SE" dirty="0"/>
           </a:p>
@@ -1385,7 +550,7 @@
     </p:spTree>
     <p:extLst>
       <p:ext uri="{BB962C8B-B14F-4D97-AF65-F5344CB8AC3E}">
-        <p14:creationId xmlns:p14="http://schemas.microsoft.com/office/powerpoint/2010/main" xmlns="" val="1038820598"/>
+        <p14:creationId xmlns="" xmlns:p14="http://schemas.microsoft.com/office/powerpoint/2010/main" val="1038820598"/>
       </p:ext>
     </p:extLst>
   </p:cSld>
@@ -1641,7 +806,7 @@
             <a:fld id="{9DFABBC7-E910-4EDE-B2C9-A15EFDA1074A}" type="datetime1">
               <a:rPr lang="sv-SE" smtClean="0"/>
               <a:pPr/>
-              <a:t>2016-08-24</a:t>
+              <a:t>2016-09-02</a:t>
             </a:fld>
             <a:endParaRPr lang="sv-SE"/>
           </a:p>
@@ -1693,7 +858,7 @@
     </p:spTree>
     <p:extLst>
       <p:ext uri="{BB962C8B-B14F-4D97-AF65-F5344CB8AC3E}">
-        <p14:creationId xmlns:p14="http://schemas.microsoft.com/office/powerpoint/2010/main" xmlns="" val="2020732882"/>
+        <p14:creationId xmlns="" xmlns:p14="http://schemas.microsoft.com/office/powerpoint/2010/main" val="2020732882"/>
       </p:ext>
     </p:extLst>
   </p:cSld>
@@ -1915,7 +1080,7 @@
             <a:fld id="{DD1555D9-9DDA-4EEF-AB10-199FB19EF272}" type="datetime1">
               <a:rPr lang="sv-SE" smtClean="0"/>
               <a:pPr/>
-              <a:t>2016-08-24</a:t>
+              <a:t>2016-09-02</a:t>
             </a:fld>
             <a:endParaRPr lang="sv-SE"/>
           </a:p>
@@ -1967,7 +1132,7 @@
     </p:spTree>
     <p:extLst>
       <p:ext uri="{BB962C8B-B14F-4D97-AF65-F5344CB8AC3E}">
-        <p14:creationId xmlns:p14="http://schemas.microsoft.com/office/powerpoint/2010/main" xmlns="" val="1475073457"/>
+        <p14:creationId xmlns="" xmlns:p14="http://schemas.microsoft.com/office/powerpoint/2010/main" val="1475073457"/>
       </p:ext>
     </p:extLst>
   </p:cSld>
@@ -2142,7 +1307,7 @@
             <a:fld id="{0CF4244B-B6F5-4D30-A0D4-6F22E85F2F82}" type="datetime1">
               <a:rPr lang="sv-SE" smtClean="0"/>
               <a:pPr/>
-              <a:t>2016-08-24</a:t>
+              <a:t>2016-09-02</a:t>
             </a:fld>
             <a:endParaRPr lang="sv-SE"/>
           </a:p>
@@ -2151,7 +1316,7 @@
     </p:spTree>
     <p:extLst>
       <p:ext uri="{BB962C8B-B14F-4D97-AF65-F5344CB8AC3E}">
-        <p14:creationId xmlns:p14="http://schemas.microsoft.com/office/powerpoint/2010/main" xmlns="" val="3544250228"/>
+        <p14:creationId xmlns="" xmlns:p14="http://schemas.microsoft.com/office/powerpoint/2010/main" val="3544250228"/>
       </p:ext>
     </p:extLst>
   </p:cSld>
@@ -2326,7 +1491,7 @@
             <a:fld id="{5A887FED-A5F1-4856-A4E0-1FEA961E35D7}" type="datetime1">
               <a:rPr lang="sv-SE" smtClean="0"/>
               <a:pPr/>
-              <a:t>2016-08-24</a:t>
+              <a:t>2016-09-02</a:t>
             </a:fld>
             <a:endParaRPr lang="sv-SE"/>
           </a:p>
@@ -2335,7 +1500,7 @@
     </p:spTree>
     <p:extLst>
       <p:ext uri="{BB962C8B-B14F-4D97-AF65-F5344CB8AC3E}">
-        <p14:creationId xmlns:p14="http://schemas.microsoft.com/office/powerpoint/2010/main" xmlns="" val="1338195898"/>
+        <p14:creationId xmlns="" xmlns:p14="http://schemas.microsoft.com/office/powerpoint/2010/main" val="1338195898"/>
       </p:ext>
     </p:extLst>
   </p:cSld>
@@ -2418,7 +1583,7 @@
             <a:fld id="{7134F7D9-8FA5-47FA-A3E3-41DE921BAD7F}" type="datetime1">
               <a:rPr lang="sv-SE" smtClean="0"/>
               <a:pPr/>
-              <a:t>2016-08-24</a:t>
+              <a:t>2016-09-02</a:t>
             </a:fld>
             <a:endParaRPr lang="sv-SE" dirty="0"/>
           </a:p>
@@ -2427,7 +1592,7 @@
     </p:spTree>
     <p:extLst>
       <p:ext uri="{BB962C8B-B14F-4D97-AF65-F5344CB8AC3E}">
-        <p14:creationId xmlns:p14="http://schemas.microsoft.com/office/powerpoint/2010/main" xmlns="" val="396859970"/>
+        <p14:creationId xmlns="" xmlns:p14="http://schemas.microsoft.com/office/powerpoint/2010/main" val="396859970"/>
       </p:ext>
     </p:extLst>
   </p:cSld>
@@ -2735,7 +1900,7 @@
     </p:spTree>
     <p:extLst>
       <p:ext uri="{BB962C8B-B14F-4D97-AF65-F5344CB8AC3E}">
-        <p14:creationId xmlns:p14="http://schemas.microsoft.com/office/powerpoint/2010/main" xmlns="" val="3225768658"/>
+        <p14:creationId xmlns="" xmlns:p14="http://schemas.microsoft.com/office/powerpoint/2010/main" val="3225768658"/>
       </p:ext>
     </p:extLst>
   </p:cSld>
@@ -2799,7 +1964,7 @@
             <a:fld id="{F1A60D0B-A79E-4410-BF6D-A38EAB125A09}" type="datetime1">
               <a:rPr lang="sv-SE" smtClean="0"/>
               <a:pPr/>
-              <a:t>2016-08-24</a:t>
+              <a:t>2016-09-02</a:t>
             </a:fld>
             <a:endParaRPr lang="sv-SE" dirty="0"/>
           </a:p>
@@ -2889,7 +2054,7 @@
     </p:spTree>
     <p:extLst>
       <p:ext uri="{BB962C8B-B14F-4D97-AF65-F5344CB8AC3E}">
-        <p14:creationId xmlns:p14="http://schemas.microsoft.com/office/powerpoint/2010/main" xmlns="" val="396859970"/>
+        <p14:creationId xmlns="" xmlns:p14="http://schemas.microsoft.com/office/powerpoint/2010/main" val="396859970"/>
       </p:ext>
     </p:extLst>
   </p:cSld>
@@ -2928,7 +2093,7 @@
           <a:blip r:embed="rId2" cstate="print">
             <a:extLst>
               <a:ext uri="{28A0092B-C50C-407E-A947-70E740481C1C}">
-                <a14:useLocalDpi xmlns:a14="http://schemas.microsoft.com/office/drawing/2010/main" xmlns="" val="0"/>
+                <a14:useLocalDpi xmlns="" xmlns:a14="http://schemas.microsoft.com/office/drawing/2010/main" val="0"/>
               </a:ext>
             </a:extLst>
           </a:blip>
@@ -2949,7 +2114,7 @@
     </p:spTree>
     <p:extLst>
       <p:ext uri="{BB962C8B-B14F-4D97-AF65-F5344CB8AC3E}">
-        <p14:creationId xmlns:p14="http://schemas.microsoft.com/office/powerpoint/2010/main" xmlns="" val="1220660467"/>
+        <p14:creationId xmlns="" xmlns:p14="http://schemas.microsoft.com/office/powerpoint/2010/main" val="1220660467"/>
       </p:ext>
     </p:extLst>
   </p:cSld>
@@ -3241,7 +2406,7 @@
             <a:fld id="{01209153-F421-46E1-9014-AE507AD1DB18}" type="datetime1">
               <a:rPr lang="sv-SE" smtClean="0"/>
               <a:pPr/>
-              <a:t>2016-08-24</a:t>
+              <a:t>2016-09-02</a:t>
             </a:fld>
             <a:endParaRPr lang="sv-SE"/>
           </a:p>
@@ -3293,7 +2458,7 @@
     </p:spTree>
     <p:extLst>
       <p:ext uri="{BB962C8B-B14F-4D97-AF65-F5344CB8AC3E}">
-        <p14:creationId xmlns:p14="http://schemas.microsoft.com/office/powerpoint/2010/main" xmlns="" val="651167838"/>
+        <p14:creationId xmlns="" xmlns:p14="http://schemas.microsoft.com/office/powerpoint/2010/main" val="651167838"/>
       </p:ext>
     </p:extLst>
   </p:cSld>
@@ -3494,7 +2659,7 @@
             <a:fld id="{EB4F1944-2C9B-421E-BBDA-CB85637F7162}" type="datetime1">
               <a:rPr lang="sv-SE" smtClean="0"/>
               <a:pPr/>
-              <a:t>2016-08-24</a:t>
+              <a:t>2016-09-02</a:t>
             </a:fld>
             <a:endParaRPr lang="sv-SE"/>
           </a:p>
@@ -3546,7 +2711,7 @@
     </p:spTree>
     <p:extLst>
       <p:ext uri="{BB962C8B-B14F-4D97-AF65-F5344CB8AC3E}">
-        <p14:creationId xmlns:p14="http://schemas.microsoft.com/office/powerpoint/2010/main" xmlns="" val="1038820598"/>
+        <p14:creationId xmlns="" xmlns:p14="http://schemas.microsoft.com/office/powerpoint/2010/main" val="1038820598"/>
       </p:ext>
     </p:extLst>
   </p:cSld>
@@ -3724,7 +2889,7 @@
             <a:fld id="{C9C5FC83-772B-431A-ACA3-5A2A209DBF3B}" type="datetime1">
               <a:rPr lang="sv-SE" smtClean="0"/>
               <a:pPr/>
-              <a:t>2016-08-24</a:t>
+              <a:t>2016-09-02</a:t>
             </a:fld>
             <a:endParaRPr lang="sv-SE"/>
           </a:p>
@@ -3776,7 +2941,7 @@
     </p:spTree>
     <p:extLst>
       <p:ext uri="{BB962C8B-B14F-4D97-AF65-F5344CB8AC3E}">
-        <p14:creationId xmlns:p14="http://schemas.microsoft.com/office/powerpoint/2010/main" xmlns="" val="2703655477"/>
+        <p14:creationId xmlns="" xmlns:p14="http://schemas.microsoft.com/office/powerpoint/2010/main" val="2703655477"/>
       </p:ext>
     </p:extLst>
   </p:cSld>
@@ -3978,7 +3143,7 @@
             <a:fld id="{03B3A0BE-B2CA-41BB-8A9E-93C63B0A9831}" type="datetime1">
               <a:rPr lang="sv-SE" smtClean="0"/>
               <a:pPr/>
-              <a:t>2016-08-24</a:t>
+              <a:t>2016-09-02</a:t>
             </a:fld>
             <a:endParaRPr lang="sv-SE"/>
           </a:p>
@@ -4030,7 +3195,7 @@
     </p:spTree>
     <p:extLst>
       <p:ext uri="{BB962C8B-B14F-4D97-AF65-F5344CB8AC3E}">
-        <p14:creationId xmlns:p14="http://schemas.microsoft.com/office/powerpoint/2010/main" xmlns="" val="919178774"/>
+        <p14:creationId xmlns="" xmlns:p14="http://schemas.microsoft.com/office/powerpoint/2010/main" val="919178774"/>
       </p:ext>
     </p:extLst>
   </p:cSld>
@@ -4384,7 +3549,7 @@
             <a:fld id="{D245919F-831A-4270-A806-023D08B93AD4}" type="datetime1">
               <a:rPr lang="sv-SE" smtClean="0"/>
               <a:pPr/>
-              <a:t>2016-08-24</a:t>
+              <a:t>2016-09-02</a:t>
             </a:fld>
             <a:endParaRPr lang="sv-SE"/>
           </a:p>
@@ -4436,7 +3601,7 @@
     </p:spTree>
     <p:extLst>
       <p:ext uri="{BB962C8B-B14F-4D97-AF65-F5344CB8AC3E}">
-        <p14:creationId xmlns:p14="http://schemas.microsoft.com/office/powerpoint/2010/main" xmlns="" val="1919959206"/>
+        <p14:creationId xmlns="" xmlns:p14="http://schemas.microsoft.com/office/powerpoint/2010/main" val="1919959206"/>
       </p:ext>
     </p:extLst>
   </p:cSld>
@@ -4522,7 +3687,7 @@
             <a:fld id="{C508652B-F239-406E-B9FC-1F9A36FDECB1}" type="datetime1">
               <a:rPr lang="sv-SE" smtClean="0"/>
               <a:pPr/>
-              <a:t>2016-08-24</a:t>
+              <a:t>2016-09-02</a:t>
             </a:fld>
             <a:endParaRPr lang="sv-SE"/>
           </a:p>
@@ -4574,7 +3739,7 @@
     </p:spTree>
     <p:extLst>
       <p:ext uri="{BB962C8B-B14F-4D97-AF65-F5344CB8AC3E}">
-        <p14:creationId xmlns:p14="http://schemas.microsoft.com/office/powerpoint/2010/main" xmlns="" val="2571854257"/>
+        <p14:creationId xmlns="" xmlns:p14="http://schemas.microsoft.com/office/powerpoint/2010/main" val="2571854257"/>
       </p:ext>
     </p:extLst>
   </p:cSld>
@@ -4618,7 +3783,7 @@
           <a:blip r:embed="rId4">
             <a:extLst>
               <a:ext uri="{28A0092B-C50C-407E-A947-70E740481C1C}">
-                <a14:useLocalDpi xmlns:a14="http://schemas.microsoft.com/office/drawing/2010/main" xmlns="" val="0"/>
+                <a14:useLocalDpi xmlns="" xmlns:a14="http://schemas.microsoft.com/office/drawing/2010/main" val="0"/>
               </a:ext>
             </a:extLst>
           </a:blip>
@@ -4639,7 +3804,7 @@
     </p:spTree>
     <p:extLst>
       <p:ext uri="{BB962C8B-B14F-4D97-AF65-F5344CB8AC3E}">
-        <p14:creationId xmlns:p14="http://schemas.microsoft.com/office/powerpoint/2010/main" xmlns="" val="3689676249"/>
+        <p14:creationId xmlns="" xmlns:p14="http://schemas.microsoft.com/office/powerpoint/2010/main" val="3689676249"/>
       </p:ext>
     </p:extLst>
   </p:cSld>
@@ -4936,7 +4101,7 @@
           <a:blip r:embed="rId3" cstate="print">
             <a:extLst>
               <a:ext uri="{28A0092B-C50C-407E-A947-70E740481C1C}">
-                <a14:useLocalDpi xmlns:a14="http://schemas.microsoft.com/office/drawing/2010/main" xmlns="" val="0"/>
+                <a14:useLocalDpi xmlns="" xmlns:a14="http://schemas.microsoft.com/office/drawing/2010/main" val="0"/>
               </a:ext>
             </a:extLst>
           </a:blip>
@@ -4994,7 +4159,7 @@
     </p:spTree>
     <p:extLst>
       <p:ext uri="{BB962C8B-B14F-4D97-AF65-F5344CB8AC3E}">
-        <p14:creationId xmlns:p14="http://schemas.microsoft.com/office/powerpoint/2010/main" xmlns="" val="733746163"/>
+        <p14:creationId xmlns="" xmlns:p14="http://schemas.microsoft.com/office/powerpoint/2010/main" val="733746163"/>
       </p:ext>
     </p:extLst>
   </p:cSld>
@@ -5404,7 +4569,7 @@
             <a:fld id="{7EFE020C-DC84-4C46-A98F-94DBCAFE45B2}" type="datetime1">
               <a:rPr lang="sv-SE" smtClean="0"/>
               <a:pPr/>
-              <a:t>2016-08-24</a:t>
+              <a:t>2016-09-02</a:t>
             </a:fld>
             <a:endParaRPr lang="sv-SE" dirty="0"/>
           </a:p>
@@ -5501,7 +4666,7 @@
           <a:blip r:embed="rId13" cstate="print">
             <a:extLst>
               <a:ext uri="{28A0092B-C50C-407E-A947-70E740481C1C}">
-                <a14:useLocalDpi xmlns:a14="http://schemas.microsoft.com/office/drawing/2010/main" xmlns="" val="0"/>
+                <a14:useLocalDpi xmlns="" xmlns:a14="http://schemas.microsoft.com/office/drawing/2010/main" val="0"/>
               </a:ext>
             </a:extLst>
           </a:blip>
@@ -5522,7 +4687,7 @@
     </p:spTree>
     <p:extLst>
       <p:ext uri="{BB962C8B-B14F-4D97-AF65-F5344CB8AC3E}">
-        <p14:creationId xmlns:p14="http://schemas.microsoft.com/office/powerpoint/2010/main" xmlns="" val="229556576"/>
+        <p14:creationId xmlns="" xmlns:p14="http://schemas.microsoft.com/office/powerpoint/2010/main" val="229556576"/>
       </p:ext>
     </p:extLst>
   </p:cSld>
@@ -5852,7 +5017,7 @@
             <a:fld id="{506B3783-8F2E-448D-892A-7DD44B8F5BBF}" type="datetime1">
               <a:rPr lang="sv-SE" smtClean="0"/>
               <a:pPr/>
-              <a:t>2016-08-24</a:t>
+              <a:t>2016-09-02</a:t>
             </a:fld>
             <a:endParaRPr lang="sv-SE"/>
           </a:p>
@@ -5949,7 +5114,7 @@
           <a:blip r:embed="rId2" cstate="print">
             <a:extLst>
               <a:ext uri="{28A0092B-C50C-407E-A947-70E740481C1C}">
-                <a14:useLocalDpi xmlns:a14="http://schemas.microsoft.com/office/drawing/2010/main" xmlns="" val="0"/>
+                <a14:useLocalDpi xmlns="" xmlns:a14="http://schemas.microsoft.com/office/drawing/2010/main" val="0"/>
               </a:ext>
             </a:extLst>
           </a:blip>
@@ -5970,7 +5135,7 @@
     </p:spTree>
     <p:extLst>
       <p:ext uri="{BB962C8B-B14F-4D97-AF65-F5344CB8AC3E}">
-        <p14:creationId xmlns:p14="http://schemas.microsoft.com/office/powerpoint/2010/main" xmlns="" val="3689676249"/>
+        <p14:creationId xmlns="" xmlns:p14="http://schemas.microsoft.com/office/powerpoint/2010/main" val="3689676249"/>
       </p:ext>
     </p:extLst>
   </p:cSld>
@@ -6380,7 +5545,7 @@
             <a:fld id="{D8B05ACB-391D-42A6-B02F-D1BCC6363F82}" type="datetimeFigureOut">
               <a:rPr lang="sv-SE" smtClean="0"/>
               <a:pPr/>
-              <a:t>2016-08-24</a:t>
+              <a:t>2016-09-02</a:t>
             </a:fld>
             <a:endParaRPr lang="sv-SE" dirty="0"/>
           </a:p>
@@ -6468,7 +5633,7 @@
     </p:spTree>
     <p:extLst>
       <p:ext uri="{BB962C8B-B14F-4D97-AF65-F5344CB8AC3E}">
-        <p14:creationId xmlns:p14="http://schemas.microsoft.com/office/powerpoint/2010/main" xmlns="" val="3519471626"/>
+        <p14:creationId xmlns="" xmlns:p14="http://schemas.microsoft.com/office/powerpoint/2010/main" val="3519471626"/>
       </p:ext>
     </p:extLst>
   </p:cSld>
@@ -6749,7 +5914,7 @@
     </p:spTree>
     <p:extLst>
       <p:ext uri="{BB962C8B-B14F-4D97-AF65-F5344CB8AC3E}">
-        <p14:creationId xmlns:p14="http://schemas.microsoft.com/office/powerpoint/2010/main" xmlns="" val="709680625"/>
+        <p14:creationId xmlns="" xmlns:p14="http://schemas.microsoft.com/office/powerpoint/2010/main" val="709680625"/>
       </p:ext>
     </p:extLst>
   </p:cSld>
@@ -6766,7 +5931,7 @@
 </p:sld>
 </file>
 
-<file path=ppt/slides/slide10.xml><?xml version="1.0" encoding="utf-8"?>
+<file path=ppt/slides/slide2.xml><?xml version="1.0" encoding="utf-8"?>
 <p:sld xmlns:a="http://schemas.openxmlformats.org/drawingml/2006/main" xmlns:r="http://schemas.openxmlformats.org/officeDocument/2006/relationships" xmlns:p="http://schemas.openxmlformats.org/presentationml/2006/main">
   <p:cSld>
     <p:spTree>
@@ -6783,30 +5948,487 @@
           <a:chExt cx="0" cy="0"/>
         </a:xfrm>
       </p:grpSpPr>
-      <p:graphicFrame>
-        <p:nvGraphicFramePr>
-          <p:cNvPr id="3" name="Diagram 2"/>
-          <p:cNvGraphicFramePr>
-            <a:graphicFrameLocks/>
-          </p:cNvGraphicFramePr>
+      <p:sp>
+        <p:nvSpPr>
+          <p:cNvPr id="5" name="Rectangle 2"/>
+          <p:cNvSpPr txBox="1">
+            <a:spLocks/>
+          </p:cNvSpPr>
+          <p:nvPr/>
+        </p:nvSpPr>
+        <p:spPr>
+          <a:xfrm>
+            <a:off x="467544" y="1268760"/>
+            <a:ext cx="8229600" cy="457200"/>
+          </a:xfrm>
+          <a:prstGeom prst="rect">
+            <a:avLst/>
+          </a:prstGeom>
+        </p:spPr>
+        <p:txBody>
+          <a:bodyPr lIns="91440" rIns="91440" bIns="45720" anchor="ctr"/>
+          <a:lstStyle>
+            <a:lvl1pPr algn="l" defTabSz="914378" rtl="0" eaLnBrk="1" latinLnBrk="0" hangingPunct="1">
+              <a:spcBef>
+                <a:spcPct val="0"/>
+              </a:spcBef>
+              <a:buNone/>
+              <a:defRPr sz="1800" b="1" i="0" kern="1200">
+                <a:solidFill>
+                  <a:schemeClr val="tx1"/>
+                </a:solidFill>
+                <a:latin typeface="Clan OT News" charset="0"/>
+                <a:ea typeface="Clan OT News" charset="0"/>
+                <a:cs typeface="Clan OT News" charset="0"/>
+              </a:defRPr>
+            </a:lvl1pPr>
+          </a:lstStyle>
+          <a:p>
+            <a:r>
+              <a:rPr lang="sv-SE" altLang="sv-SE" sz="3000" dirty="0">
+                <a:solidFill>
+                  <a:srgbClr val="74B2DD"/>
+                </a:solidFill>
+                <a:latin typeface="Arial" pitchFamily="34" charset="0"/>
+                <a:ea typeface="+mn-ea"/>
+                <a:cs typeface="Arial" pitchFamily="34" charset="0"/>
+              </a:rPr>
+              <a:t>Bakgrund</a:t>
+            </a:r>
+          </a:p>
+        </p:txBody>
+      </p:sp>
+      <p:sp>
+        <p:nvSpPr>
+          <p:cNvPr id="6" name="Rectangle 3"/>
+          <p:cNvSpPr txBox="1">
+            <a:spLocks noChangeArrowheads="1"/>
+          </p:cNvSpPr>
+          <p:nvPr/>
+        </p:nvSpPr>
+        <p:spPr>
+          <a:xfrm>
+            <a:off x="611188" y="2396480"/>
+            <a:ext cx="6558880" cy="2256656"/>
+          </a:xfrm>
+          <a:prstGeom prst="rect">
+            <a:avLst/>
+          </a:prstGeom>
+        </p:spPr>
+        <p:txBody>
+          <a:bodyPr vert="horz" lIns="0" tIns="0" rIns="0" bIns="0" rtlCol="0">
+            <a:noAutofit/>
+          </a:bodyPr>
+          <a:lstStyle>
+            <a:lvl1pPr marL="342900" indent="-342900" algn="l" defTabSz="914400" rtl="0" eaLnBrk="1" latinLnBrk="0" hangingPunct="1">
+              <a:spcBef>
+                <a:spcPct val="20000"/>
+              </a:spcBef>
+              <a:buClr>
+                <a:srgbClr val="6390C6"/>
+              </a:buClr>
+              <a:buFont typeface="Arial" pitchFamily="34" charset="0"/>
+              <a:buChar char="•"/>
+              <a:defRPr sz="1800" kern="1200">
+                <a:solidFill>
+                  <a:srgbClr val="282A32"/>
+                </a:solidFill>
+                <a:latin typeface="Arial" pitchFamily="34" charset="0"/>
+                <a:ea typeface="+mn-ea"/>
+                <a:cs typeface="Arial" pitchFamily="34" charset="0"/>
+              </a:defRPr>
+            </a:lvl1pPr>
+            <a:lvl2pPr marL="742950" indent="-285750" algn="l" defTabSz="914400" rtl="0" eaLnBrk="1" latinLnBrk="0" hangingPunct="1">
+              <a:spcBef>
+                <a:spcPct val="20000"/>
+              </a:spcBef>
+              <a:buClr>
+                <a:srgbClr val="6390C6"/>
+              </a:buClr>
+              <a:buFont typeface="Arial" pitchFamily="34" charset="0"/>
+              <a:buChar char="–"/>
+              <a:defRPr sz="1800" kern="1200">
+                <a:solidFill>
+                  <a:srgbClr val="282A32"/>
+                </a:solidFill>
+                <a:latin typeface="Arial" pitchFamily="34" charset="0"/>
+                <a:ea typeface="+mn-ea"/>
+                <a:cs typeface="Arial" pitchFamily="34" charset="0"/>
+              </a:defRPr>
+            </a:lvl2pPr>
+            <a:lvl3pPr marL="1143000" indent="-228600" algn="l" defTabSz="914400" rtl="0" eaLnBrk="1" latinLnBrk="0" hangingPunct="1">
+              <a:spcBef>
+                <a:spcPct val="20000"/>
+              </a:spcBef>
+              <a:buClr>
+                <a:srgbClr val="6390C6"/>
+              </a:buClr>
+              <a:buFont typeface="Arial" pitchFamily="34" charset="0"/>
+              <a:buChar char="•"/>
+              <a:defRPr sz="1800" kern="1200">
+                <a:solidFill>
+                  <a:srgbClr val="282A32"/>
+                </a:solidFill>
+                <a:latin typeface="Arial" pitchFamily="34" charset="0"/>
+                <a:ea typeface="+mn-ea"/>
+                <a:cs typeface="Arial" pitchFamily="34" charset="0"/>
+              </a:defRPr>
+            </a:lvl3pPr>
+            <a:lvl4pPr marL="1600200" indent="-228600" algn="l" defTabSz="914400" rtl="0" eaLnBrk="1" latinLnBrk="0" hangingPunct="1">
+              <a:spcBef>
+                <a:spcPct val="20000"/>
+              </a:spcBef>
+              <a:buClr>
+                <a:srgbClr val="6390C6"/>
+              </a:buClr>
+              <a:buFont typeface="Arial" pitchFamily="34" charset="0"/>
+              <a:buChar char="–"/>
+              <a:defRPr sz="1800" kern="1200">
+                <a:solidFill>
+                  <a:srgbClr val="282A32"/>
+                </a:solidFill>
+                <a:latin typeface="Arial" pitchFamily="34" charset="0"/>
+                <a:ea typeface="+mn-ea"/>
+                <a:cs typeface="Arial" pitchFamily="34" charset="0"/>
+              </a:defRPr>
+            </a:lvl4pPr>
+            <a:lvl5pPr marL="2057400" indent="-228600" algn="l" defTabSz="914400" rtl="0" eaLnBrk="1" latinLnBrk="0" hangingPunct="1">
+              <a:spcBef>
+                <a:spcPct val="20000"/>
+              </a:spcBef>
+              <a:buClr>
+                <a:srgbClr val="6390C6"/>
+              </a:buClr>
+              <a:buFont typeface="Arial" pitchFamily="34" charset="0"/>
+              <a:buChar char="»"/>
+              <a:defRPr sz="1800" kern="1200">
+                <a:solidFill>
+                  <a:srgbClr val="282A32"/>
+                </a:solidFill>
+                <a:latin typeface="Arial" pitchFamily="34" charset="0"/>
+                <a:ea typeface="+mn-ea"/>
+                <a:cs typeface="Arial" pitchFamily="34" charset="0"/>
+              </a:defRPr>
+            </a:lvl5pPr>
+            <a:lvl6pPr marL="2514600" indent="-228600" algn="l" defTabSz="914400" rtl="0" eaLnBrk="1" latinLnBrk="0" hangingPunct="1">
+              <a:spcBef>
+                <a:spcPct val="20000"/>
+              </a:spcBef>
+              <a:buFont typeface="Arial" pitchFamily="34" charset="0"/>
+              <a:buChar char="•"/>
+              <a:defRPr sz="2000" kern="1200">
+                <a:solidFill>
+                  <a:schemeClr val="tx1"/>
+                </a:solidFill>
+                <a:latin typeface="+mn-lt"/>
+                <a:ea typeface="+mn-ea"/>
+                <a:cs typeface="+mn-cs"/>
+              </a:defRPr>
+            </a:lvl6pPr>
+            <a:lvl7pPr marL="2971800" indent="-228600" algn="l" defTabSz="914400" rtl="0" eaLnBrk="1" latinLnBrk="0" hangingPunct="1">
+              <a:spcBef>
+                <a:spcPct val="20000"/>
+              </a:spcBef>
+              <a:buFont typeface="Arial" pitchFamily="34" charset="0"/>
+              <a:buChar char="•"/>
+              <a:defRPr sz="2000" kern="1200">
+                <a:solidFill>
+                  <a:schemeClr val="tx1"/>
+                </a:solidFill>
+                <a:latin typeface="+mn-lt"/>
+                <a:ea typeface="+mn-ea"/>
+                <a:cs typeface="+mn-cs"/>
+              </a:defRPr>
+            </a:lvl7pPr>
+            <a:lvl8pPr marL="3429000" indent="-228600" algn="l" defTabSz="914400" rtl="0" eaLnBrk="1" latinLnBrk="0" hangingPunct="1">
+              <a:spcBef>
+                <a:spcPct val="20000"/>
+              </a:spcBef>
+              <a:buFont typeface="Arial" pitchFamily="34" charset="0"/>
+              <a:buChar char="•"/>
+              <a:defRPr sz="2000" kern="1200">
+                <a:solidFill>
+                  <a:schemeClr val="tx1"/>
+                </a:solidFill>
+                <a:latin typeface="+mn-lt"/>
+                <a:ea typeface="+mn-ea"/>
+                <a:cs typeface="+mn-cs"/>
+              </a:defRPr>
+            </a:lvl8pPr>
+            <a:lvl9pPr marL="3886200" indent="-228600" algn="l" defTabSz="914400" rtl="0" eaLnBrk="1" latinLnBrk="0" hangingPunct="1">
+              <a:spcBef>
+                <a:spcPct val="20000"/>
+              </a:spcBef>
+              <a:buFont typeface="Arial" pitchFamily="34" charset="0"/>
+              <a:buChar char="•"/>
+              <a:defRPr sz="2000" kern="1200">
+                <a:solidFill>
+                  <a:schemeClr val="tx1"/>
+                </a:solidFill>
+                <a:latin typeface="+mn-lt"/>
+                <a:ea typeface="+mn-ea"/>
+                <a:cs typeface="+mn-cs"/>
+              </a:defRPr>
+            </a:lvl9pPr>
+          </a:lstStyle>
+          <a:p>
+            <a:pPr marL="0" indent="0">
+              <a:buNone/>
+            </a:pPr>
+            <a:r>
+              <a:rPr lang="sv-SE" dirty="0" smtClean="0"/>
+              <a:t>Promas hälsoanalys är en del av NN’s arbete med hälsa. Syftet med undersökningen är att kartlägga hur medarbetare mår just nu och ta fram reflektionsområden som är viktiga för organisationen. Det ger er också möjlighet att skapa aktiviteter och att följa upp hälsoarbetet.</a:t>
+            </a:r>
+            <a:endParaRPr lang="sv-SE" dirty="0"/>
+          </a:p>
+          <a:p>
+            <a:pPr marL="0" indent="0">
+              <a:buNone/>
+            </a:pPr>
+            <a:endParaRPr lang="sv-SE" sz="800" dirty="0"/>
+          </a:p>
+          <a:p>
+            <a:pPr marL="0" indent="0">
+              <a:buNone/>
+            </a:pPr>
+            <a:endParaRPr lang="sv-SE" sz="800" dirty="0"/>
+          </a:p>
+          <a:p>
+            <a:pPr marL="360000">
+              <a:spcBef>
+                <a:spcPts val="600"/>
+              </a:spcBef>
+              <a:spcAft>
+                <a:spcPts val="600"/>
+              </a:spcAft>
+            </a:pPr>
+            <a:endParaRPr lang="sv-SE" altLang="sv-SE" dirty="0">
+              <a:latin typeface="Arial" charset="0"/>
+              <a:ea typeface="ＭＳ Ｐゴシック" charset="-128"/>
+              <a:cs typeface="Arial" charset="0"/>
+            </a:endParaRPr>
+          </a:p>
+          <a:p>
+            <a:pPr marL="360000">
+              <a:spcBef>
+                <a:spcPts val="600"/>
+              </a:spcBef>
+              <a:spcAft>
+                <a:spcPts val="600"/>
+              </a:spcAft>
+            </a:pPr>
+            <a:endParaRPr lang="sv-SE" altLang="sv-SE" dirty="0">
+              <a:latin typeface="Arial" charset="0"/>
+              <a:ea typeface="ＭＳ Ｐゴシック" charset="-128"/>
+              <a:cs typeface="Arial" charset="0"/>
+            </a:endParaRPr>
+          </a:p>
+          <a:p>
+            <a:pPr marL="360000">
+              <a:spcBef>
+                <a:spcPts val="600"/>
+              </a:spcBef>
+              <a:spcAft>
+                <a:spcPts val="600"/>
+              </a:spcAft>
+            </a:pPr>
+            <a:endParaRPr lang="sv-SE" altLang="sv-SE" dirty="0">
+              <a:latin typeface="Arial" charset="0"/>
+              <a:ea typeface="ＭＳ Ｐゴシック" charset="-128"/>
+              <a:cs typeface="Arial" charset="0"/>
+            </a:endParaRPr>
+          </a:p>
+          <a:p>
+            <a:pPr marL="360000" lvl="1">
+              <a:spcBef>
+                <a:spcPts val="600"/>
+              </a:spcBef>
+              <a:spcAft>
+                <a:spcPts val="600"/>
+              </a:spcAft>
+              <a:buFontTx/>
+              <a:buNone/>
+            </a:pPr>
+            <a:endParaRPr lang="sv-SE" altLang="sv-SE" sz="2400" dirty="0">
+              <a:latin typeface="Arial" charset="0"/>
+              <a:ea typeface="ＭＳ Ｐゴシック" charset="-128"/>
+              <a:cs typeface="Arial" charset="0"/>
+            </a:endParaRPr>
+          </a:p>
+        </p:txBody>
+      </p:sp>
+    </p:spTree>
+    <p:extLst>
+      <p:ext uri="{BB962C8B-B14F-4D97-AF65-F5344CB8AC3E}">
+        <p14:creationId xmlns="" xmlns:p14="http://schemas.microsoft.com/office/powerpoint/2010/main" val="865856963"/>
+      </p:ext>
+    </p:extLst>
+  </p:cSld>
+  <p:clrMapOvr>
+    <a:masterClrMapping/>
+  </p:clrMapOvr>
+  <p:timing>
+    <p:tnLst>
+      <p:par>
+        <p:cTn id="1" dur="indefinite" restart="never" nodeType="tmRoot"/>
+      </p:par>
+    </p:tnLst>
+  </p:timing>
+</p:sld>
+</file>
+
+<file path=ppt/slides/slide3.xml><?xml version="1.0" encoding="utf-8"?>
+<p:sld xmlns:a="http://schemas.openxmlformats.org/drawingml/2006/main" xmlns:r="http://schemas.openxmlformats.org/officeDocument/2006/relationships" xmlns:p="http://schemas.openxmlformats.org/presentationml/2006/main">
+  <p:cSld>
+    <p:spTree>
+      <p:nvGrpSpPr>
+        <p:cNvPr id="1" name=""/>
+        <p:cNvGrpSpPr/>
+        <p:nvPr/>
+      </p:nvGrpSpPr>
+      <p:grpSpPr>
+        <a:xfrm>
+          <a:off x="0" y="0"/>
+          <a:ext cx="0" cy="0"/>
+          <a:chOff x="0" y="0"/>
+          <a:chExt cx="0" cy="0"/>
+        </a:xfrm>
+      </p:grpSpPr>
+      <p:sp>
+        <p:nvSpPr>
+          <p:cNvPr id="3" name="Content Placeholder 2"/>
+          <p:cNvSpPr>
+            <a:spLocks noGrp="1"/>
+          </p:cNvSpPr>
           <p:nvPr>
-            <p:extLst>
-              <p:ext uri="{D42A27DB-BD31-4B8C-83A1-F6EECF244321}">
-                <p14:modId xmlns:p14="http://schemas.microsoft.com/office/powerpoint/2010/main" xmlns="" val="3303556460"/>
-              </p:ext>
-            </p:extLst>
+            <p:ph idx="1"/>
           </p:nvPr>
-        </p:nvGraphicFramePr>
-        <p:xfrm>
-          <a:off x="1331640" y="2276872"/>
-          <a:ext cx="5526360" cy="3315816"/>
-        </p:xfrm>
-        <a:graphic>
-          <a:graphicData uri="http://schemas.openxmlformats.org/drawingml/2006/chart">
-            <c:chart xmlns:c="http://schemas.openxmlformats.org/drawingml/2006/chart" xmlns:r="http://schemas.openxmlformats.org/officeDocument/2006/relationships" r:id="rId2"/>
-          </a:graphicData>
-        </a:graphic>
-      </p:graphicFrame>
+        </p:nvSpPr>
+        <p:spPr>
+          <a:xfrm>
+            <a:off x="505644" y="2203166"/>
+            <a:ext cx="5554960" cy="2472680"/>
+          </a:xfrm>
+        </p:spPr>
+        <p:txBody>
+          <a:bodyPr>
+            <a:normAutofit lnSpcReduction="10000"/>
+          </a:bodyPr>
+          <a:lstStyle/>
+          <a:p>
+            <a:pPr marL="317500" lvl="1" indent="-307975">
+              <a:spcBef>
+                <a:spcPts val="0"/>
+              </a:spcBef>
+              <a:spcAft>
+                <a:spcPts val="1400"/>
+              </a:spcAft>
+              <a:buFont typeface="Wingdings" panose="05000000000000000000" pitchFamily="2" charset="2"/>
+              <a:buChar char="§"/>
+            </a:pPr>
+            <a:r>
+              <a:rPr lang="sv-SE" altLang="sv-SE" sz="2000" dirty="0" smtClean="0">
+                <a:latin typeface="Arial" charset="0"/>
+                <a:ea typeface="Arial" charset="0"/>
+                <a:cs typeface="Arial" charset="0"/>
+              </a:rPr>
+              <a:t>Hälsa </a:t>
+            </a:r>
+            <a:endParaRPr lang="sv-SE" altLang="sv-SE" sz="2000" dirty="0">
+              <a:latin typeface="Arial" charset="0"/>
+              <a:ea typeface="Arial" charset="0"/>
+              <a:cs typeface="Arial" charset="0"/>
+            </a:endParaRPr>
+          </a:p>
+          <a:p>
+            <a:pPr marL="317500" lvl="1" indent="-307975">
+              <a:spcBef>
+                <a:spcPts val="0"/>
+              </a:spcBef>
+              <a:spcAft>
+                <a:spcPts val="1400"/>
+              </a:spcAft>
+              <a:buFont typeface="Wingdings" panose="05000000000000000000" pitchFamily="2" charset="2"/>
+              <a:buChar char="§"/>
+            </a:pPr>
+            <a:r>
+              <a:rPr lang="sv-SE" altLang="sv-SE" sz="2000" dirty="0">
+                <a:latin typeface="Arial" charset="0"/>
+                <a:ea typeface="Arial" charset="0"/>
+                <a:cs typeface="Arial" charset="0"/>
+              </a:rPr>
+              <a:t>Sömn, återhämtning och ork</a:t>
+            </a:r>
+          </a:p>
+          <a:p>
+            <a:pPr marL="317500" lvl="1" indent="-307975">
+              <a:spcBef>
+                <a:spcPts val="0"/>
+              </a:spcBef>
+              <a:spcAft>
+                <a:spcPts val="1400"/>
+              </a:spcAft>
+              <a:buFont typeface="Wingdings" panose="05000000000000000000" pitchFamily="2" charset="2"/>
+              <a:buChar char="§"/>
+            </a:pPr>
+            <a:r>
+              <a:rPr lang="sv-SE" altLang="sv-SE" sz="2000" dirty="0">
+                <a:latin typeface="Arial" charset="0"/>
+                <a:ea typeface="Arial" charset="0"/>
+                <a:cs typeface="Arial" charset="0"/>
+              </a:rPr>
+              <a:t>Stress</a:t>
+            </a:r>
+          </a:p>
+          <a:p>
+            <a:pPr marL="317500" lvl="1" indent="-307975">
+              <a:spcBef>
+                <a:spcPts val="0"/>
+              </a:spcBef>
+              <a:spcAft>
+                <a:spcPts val="1400"/>
+              </a:spcAft>
+              <a:buFont typeface="Wingdings" panose="05000000000000000000" pitchFamily="2" charset="2"/>
+              <a:buChar char="§"/>
+            </a:pPr>
+            <a:r>
+              <a:rPr lang="sv-SE" altLang="sv-SE" sz="2000" dirty="0">
+                <a:latin typeface="Arial" charset="0"/>
+                <a:ea typeface="Arial" charset="0"/>
+                <a:cs typeface="Arial" charset="0"/>
+              </a:rPr>
+              <a:t>Arbetsbelastning och arbetsförmåga</a:t>
+            </a:r>
+          </a:p>
+          <a:p>
+            <a:pPr marL="317500" lvl="1" indent="-307975">
+              <a:spcBef>
+                <a:spcPts val="0"/>
+              </a:spcBef>
+              <a:spcAft>
+                <a:spcPts val="1400"/>
+              </a:spcAft>
+              <a:buFont typeface="Wingdings" panose="05000000000000000000" pitchFamily="2" charset="2"/>
+              <a:buChar char="§"/>
+            </a:pPr>
+            <a:r>
+              <a:rPr lang="sv-SE" altLang="sv-SE" sz="2000" dirty="0">
+                <a:latin typeface="Arial" charset="0"/>
+                <a:ea typeface="Arial" charset="0"/>
+                <a:cs typeface="Arial" charset="0"/>
+              </a:rPr>
+              <a:t>Smärta</a:t>
+            </a:r>
+          </a:p>
+          <a:p>
+            <a:endParaRPr lang="sv-SE" sz="3200" dirty="0">
+              <a:latin typeface="Arial" charset="0"/>
+              <a:ea typeface="Arial" charset="0"/>
+              <a:cs typeface="Arial" charset="0"/>
+            </a:endParaRPr>
+          </a:p>
+        </p:txBody>
+      </p:sp>
       <p:sp>
         <p:nvSpPr>
           <p:cNvPr id="5" name="Platshållare för text 1"/>
@@ -6998,7 +6620,7 @@
                 <a:ea typeface="+mn-ea"/>
                 <a:cs typeface="Arial" pitchFamily="34" charset="0"/>
               </a:rPr>
-              <a:t>Smärta</a:t>
+              <a:t>Fem fokusområden</a:t>
             </a:r>
             <a:endParaRPr kumimoji="0" lang="sv-SE" sz="3000" b="1" i="0" u="none" strike="noStrike" kern="1200" cap="none" spc="0" normalizeH="0" baseline="0" noProof="0" dirty="0">
               <a:ln>
@@ -7017,40 +6639,10 @@
           </a:p>
         </p:txBody>
       </p:sp>
-      <p:sp>
-        <p:nvSpPr>
-          <p:cNvPr id="6" name="textruta 5"/>
-          <p:cNvSpPr txBox="1"/>
-          <p:nvPr/>
-        </p:nvSpPr>
-        <p:spPr>
-          <a:xfrm>
-            <a:off x="5652120" y="2191420"/>
-            <a:ext cx="2664296" cy="1200329"/>
-          </a:xfrm>
-          <a:prstGeom prst="rect">
-            <a:avLst/>
-          </a:prstGeom>
-          <a:noFill/>
-        </p:spPr>
-        <p:txBody>
-          <a:bodyPr wrap="square" rtlCol="0">
-            <a:spAutoFit/>
-          </a:bodyPr>
-          <a:lstStyle/>
-          <a:p>
-            <a:r>
-              <a:rPr lang="sv-SE" dirty="0" smtClean="0"/>
-              <a:t>Ian &amp; Jay: Please include all pain questions in this graph. It’s a form of pain overview.</a:t>
-            </a:r>
-            <a:endParaRPr lang="sv-SE" dirty="0"/>
-          </a:p>
-        </p:txBody>
-      </p:sp>
     </p:spTree>
     <p:extLst>
       <p:ext uri="{BB962C8B-B14F-4D97-AF65-F5344CB8AC3E}">
-        <p14:creationId xmlns:p14="http://schemas.microsoft.com/office/powerpoint/2010/main" xmlns="" val="555225072"/>
+        <p14:creationId xmlns="" xmlns:p14="http://schemas.microsoft.com/office/powerpoint/2010/main" val="14920797"/>
       </p:ext>
     </p:extLst>
   </p:cSld>
@@ -7067,7 +6659,7 @@
 </p:sld>
 </file>
 
-<file path=ppt/slides/slide11.xml><?xml version="1.0" encoding="utf-8"?>
+<file path=ppt/slides/slide4.xml><?xml version="1.0" encoding="utf-8"?>
 <p:sld xmlns:a="http://schemas.openxmlformats.org/drawingml/2006/main" xmlns:r="http://schemas.openxmlformats.org/officeDocument/2006/relationships" xmlns:p="http://schemas.openxmlformats.org/presentationml/2006/main">
   <p:cSld>
     <p:spTree>
@@ -7084,52 +6676,36 @@
           <a:chExt cx="0" cy="0"/>
         </a:xfrm>
       </p:grpSpPr>
+      <p:pic>
+        <p:nvPicPr>
+          <p:cNvPr id="2" name="Bildobjekt 1"/>
+          <p:cNvPicPr>
+            <a:picLocks noChangeAspect="1"/>
+          </p:cNvPicPr>
+          <p:nvPr/>
+        </p:nvPicPr>
+        <p:blipFill>
+          <a:blip r:embed="rId2"/>
+          <a:stretch>
+            <a:fillRect/>
+          </a:stretch>
+        </p:blipFill>
+        <p:spPr>
+          <a:xfrm>
+            <a:off x="496842" y="1838849"/>
+            <a:ext cx="7819574" cy="4700064"/>
+          </a:xfrm>
+          <a:prstGeom prst="rect">
+            <a:avLst/>
+          </a:prstGeom>
+          <a:effectLst>
+            <a:softEdge rad="127000"/>
+          </a:effectLst>
+        </p:spPr>
+      </p:pic>
       <p:sp>
         <p:nvSpPr>
-          <p:cNvPr id="5" name="Content Placeholder 2"/>
-          <p:cNvSpPr>
-            <a:spLocks noGrp="1"/>
-          </p:cNvSpPr>
-          <p:nvPr>
-            <p:ph idx="1"/>
-          </p:nvPr>
-        </p:nvSpPr>
-        <p:spPr>
-          <a:xfrm>
-            <a:off x="539552" y="1988840"/>
-            <a:ext cx="7710028" cy="1025812"/>
-          </a:xfrm>
-        </p:spPr>
-        <p:txBody>
-          <a:bodyPr>
-            <a:normAutofit/>
-          </a:bodyPr>
-          <a:lstStyle/>
-          <a:p>
-            <a:pPr marL="0" indent="0">
-              <a:buNone/>
-            </a:pPr>
-            <a:r>
-              <a:rPr lang="sv-SE" sz="2000" dirty="0">
-                <a:latin typeface="Arial" charset="0"/>
-                <a:ea typeface="Arial" charset="0"/>
-                <a:cs typeface="Arial" charset="0"/>
-              </a:rPr>
-              <a:t>Vilket eller vilka fokusområden upplever ni är extra viktiga för er? </a:t>
-            </a:r>
-          </a:p>
-          <a:p>
-            <a:endParaRPr lang="sv-SE" sz="2000" dirty="0">
-              <a:latin typeface="Arial" charset="0"/>
-              <a:ea typeface="Arial" charset="0"/>
-              <a:cs typeface="Arial" charset="0"/>
-            </a:endParaRPr>
-          </a:p>
-        </p:txBody>
-      </p:sp>
-      <p:sp>
-        <p:nvSpPr>
-          <p:cNvPr id="7" name="Content Placeholder 2"/>
+          <p:cNvPr id="10" name="Platshållare för text 1"/>
           <p:cNvSpPr txBox="1">
             <a:spLocks/>
           </p:cNvSpPr>
@@ -7137,274 +6713,7 @@
         </p:nvSpPr>
         <p:spPr>
           <a:xfrm>
-            <a:off x="539552" y="2705458"/>
-            <a:ext cx="5554960" cy="2472680"/>
-          </a:xfrm>
-          <a:prstGeom prst="rect">
-            <a:avLst/>
-          </a:prstGeom>
-        </p:spPr>
-        <p:txBody>
-          <a:bodyPr vert="horz" lIns="91440" tIns="45720" rIns="91440" bIns="45720" rtlCol="0">
-            <a:normAutofit/>
-          </a:bodyPr>
-          <a:lstStyle>
-            <a:lvl1pPr marL="342892" indent="-342892" algn="l" defTabSz="914378" rtl="0" eaLnBrk="1" latinLnBrk="0" hangingPunct="1">
-              <a:spcBef>
-                <a:spcPct val="20000"/>
-              </a:spcBef>
-              <a:buFont typeface="Arial" panose="020B0604020202020204" pitchFamily="34" charset="0"/>
-              <a:buChar char="•"/>
-              <a:defRPr sz="1800" kern="1200" baseline="0">
-                <a:solidFill>
-                  <a:schemeClr val="tx1"/>
-                </a:solidFill>
-                <a:latin typeface="+mn-lt"/>
-                <a:ea typeface="+mn-ea"/>
-                <a:cs typeface="+mn-cs"/>
-              </a:defRPr>
-            </a:lvl1pPr>
-            <a:lvl2pPr marL="742931" indent="-285743" algn="l" defTabSz="914378" rtl="0" eaLnBrk="1" latinLnBrk="0" hangingPunct="1">
-              <a:spcBef>
-                <a:spcPct val="20000"/>
-              </a:spcBef>
-              <a:buFont typeface="Arial" panose="020B0604020202020204" pitchFamily="34" charset="0"/>
-              <a:buChar char="–"/>
-              <a:defRPr sz="1600" kern="1200" baseline="0">
-                <a:solidFill>
-                  <a:schemeClr val="tx1"/>
-                </a:solidFill>
-                <a:latin typeface="+mn-lt"/>
-                <a:ea typeface="+mn-ea"/>
-                <a:cs typeface="+mn-cs"/>
-              </a:defRPr>
-            </a:lvl2pPr>
-            <a:lvl3pPr marL="1142972" indent="-228594" algn="l" defTabSz="914378" rtl="0" eaLnBrk="1" latinLnBrk="0" hangingPunct="1">
-              <a:spcBef>
-                <a:spcPct val="20000"/>
-              </a:spcBef>
-              <a:buFont typeface="Arial" panose="020B0604020202020204" pitchFamily="34" charset="0"/>
-              <a:buChar char="•"/>
-              <a:defRPr sz="1400" kern="1200" baseline="0">
-                <a:solidFill>
-                  <a:schemeClr val="tx1"/>
-                </a:solidFill>
-                <a:latin typeface="+mn-lt"/>
-                <a:ea typeface="+mn-ea"/>
-                <a:cs typeface="+mn-cs"/>
-              </a:defRPr>
-            </a:lvl3pPr>
-            <a:lvl4pPr marL="1600160" indent="-228594" algn="l" defTabSz="914378" rtl="0" eaLnBrk="1" latinLnBrk="0" hangingPunct="1">
-              <a:spcBef>
-                <a:spcPct val="20000"/>
-              </a:spcBef>
-              <a:buFont typeface="Arial" panose="020B0604020202020204" pitchFamily="34" charset="0"/>
-              <a:buChar char="–"/>
-              <a:defRPr sz="1200" kern="1200" baseline="0">
-                <a:solidFill>
-                  <a:schemeClr val="tx1"/>
-                </a:solidFill>
-                <a:latin typeface="+mn-lt"/>
-                <a:ea typeface="+mn-ea"/>
-                <a:cs typeface="+mn-cs"/>
-              </a:defRPr>
-            </a:lvl4pPr>
-            <a:lvl5pPr marL="2057348" indent="-228594" algn="l" defTabSz="914378" rtl="0" eaLnBrk="1" latinLnBrk="0" hangingPunct="1">
-              <a:spcBef>
-                <a:spcPct val="20000"/>
-              </a:spcBef>
-              <a:buFont typeface="Arial" panose="020B0604020202020204" pitchFamily="34" charset="0"/>
-              <a:buChar char="»"/>
-              <a:defRPr sz="1000" kern="1200" baseline="0">
-                <a:solidFill>
-                  <a:schemeClr val="tx1"/>
-                </a:solidFill>
-                <a:latin typeface="+mn-lt"/>
-                <a:ea typeface="+mn-ea"/>
-                <a:cs typeface="+mn-cs"/>
-              </a:defRPr>
-            </a:lvl5pPr>
-            <a:lvl6pPr marL="2514537" indent="-228594" algn="l" defTabSz="914378" rtl="0" eaLnBrk="1" latinLnBrk="0" hangingPunct="1">
-              <a:spcBef>
-                <a:spcPct val="20000"/>
-              </a:spcBef>
-              <a:buFont typeface="Arial" panose="020B0604020202020204" pitchFamily="34" charset="0"/>
-              <a:buChar char="•"/>
-              <a:defRPr sz="2000" kern="1200">
-                <a:solidFill>
-                  <a:schemeClr val="tx1"/>
-                </a:solidFill>
-                <a:latin typeface="+mn-lt"/>
-                <a:ea typeface="+mn-ea"/>
-                <a:cs typeface="+mn-cs"/>
-              </a:defRPr>
-            </a:lvl6pPr>
-            <a:lvl7pPr marL="2971726" indent="-228594" algn="l" defTabSz="914378" rtl="0" eaLnBrk="1" latinLnBrk="0" hangingPunct="1">
-              <a:spcBef>
-                <a:spcPct val="20000"/>
-              </a:spcBef>
-              <a:buFont typeface="Arial" panose="020B0604020202020204" pitchFamily="34" charset="0"/>
-              <a:buChar char="•"/>
-              <a:defRPr sz="2000" kern="1200">
-                <a:solidFill>
-                  <a:schemeClr val="tx1"/>
-                </a:solidFill>
-                <a:latin typeface="+mn-lt"/>
-                <a:ea typeface="+mn-ea"/>
-                <a:cs typeface="+mn-cs"/>
-              </a:defRPr>
-            </a:lvl7pPr>
-            <a:lvl8pPr marL="3428915" indent="-228594" algn="l" defTabSz="914378" rtl="0" eaLnBrk="1" latinLnBrk="0" hangingPunct="1">
-              <a:spcBef>
-                <a:spcPct val="20000"/>
-              </a:spcBef>
-              <a:buFont typeface="Arial" panose="020B0604020202020204" pitchFamily="34" charset="0"/>
-              <a:buChar char="•"/>
-              <a:defRPr sz="2000" kern="1200">
-                <a:solidFill>
-                  <a:schemeClr val="tx1"/>
-                </a:solidFill>
-                <a:latin typeface="+mn-lt"/>
-                <a:ea typeface="+mn-ea"/>
-                <a:cs typeface="+mn-cs"/>
-              </a:defRPr>
-            </a:lvl8pPr>
-            <a:lvl9pPr marL="3886103" indent="-228594" algn="l" defTabSz="914378" rtl="0" eaLnBrk="1" latinLnBrk="0" hangingPunct="1">
-              <a:spcBef>
-                <a:spcPct val="20000"/>
-              </a:spcBef>
-              <a:buFont typeface="Arial" panose="020B0604020202020204" pitchFamily="34" charset="0"/>
-              <a:buChar char="•"/>
-              <a:defRPr sz="2000" kern="1200">
-                <a:solidFill>
-                  <a:schemeClr val="tx1"/>
-                </a:solidFill>
-                <a:latin typeface="+mn-lt"/>
-                <a:ea typeface="+mn-ea"/>
-                <a:cs typeface="+mn-cs"/>
-              </a:defRPr>
-            </a:lvl9pPr>
-          </a:lstStyle>
-          <a:p>
-            <a:pPr marL="274638" lvl="1" indent="-274638">
-              <a:spcBef>
-                <a:spcPts val="200"/>
-              </a:spcBef>
-              <a:spcAft>
-                <a:spcPts val="200"/>
-              </a:spcAft>
-              <a:buFont typeface="Wingdings" panose="05000000000000000000" pitchFamily="2" charset="2"/>
-              <a:buChar char="§"/>
-            </a:pPr>
-            <a:r>
-              <a:rPr lang="sv-SE" altLang="sv-SE" sz="2000" dirty="0">
-                <a:latin typeface="Arial" charset="0"/>
-                <a:ea typeface="Arial" charset="0"/>
-                <a:cs typeface="Arial" charset="0"/>
-              </a:rPr>
-              <a:t>Hälsa </a:t>
-            </a:r>
-          </a:p>
-          <a:p>
-            <a:pPr marL="274638" lvl="1" indent="-274638">
-              <a:spcBef>
-                <a:spcPts val="200"/>
-              </a:spcBef>
-              <a:spcAft>
-                <a:spcPts val="200"/>
-              </a:spcAft>
-              <a:buFont typeface="Wingdings" panose="05000000000000000000" pitchFamily="2" charset="2"/>
-              <a:buChar char="§"/>
-            </a:pPr>
-            <a:r>
-              <a:rPr lang="sv-SE" altLang="sv-SE" sz="2000" dirty="0">
-                <a:latin typeface="Arial" charset="0"/>
-                <a:ea typeface="Arial" charset="0"/>
-                <a:cs typeface="Arial" charset="0"/>
-              </a:rPr>
-              <a:t>Sömn, återhämtning och ork</a:t>
-            </a:r>
-          </a:p>
-          <a:p>
-            <a:pPr marL="274638" lvl="1" indent="-274638">
-              <a:spcBef>
-                <a:spcPts val="200"/>
-              </a:spcBef>
-              <a:spcAft>
-                <a:spcPts val="200"/>
-              </a:spcAft>
-              <a:buFont typeface="Wingdings" panose="05000000000000000000" pitchFamily="2" charset="2"/>
-              <a:buChar char="§"/>
-            </a:pPr>
-            <a:r>
-              <a:rPr lang="sv-SE" altLang="sv-SE" sz="2000" dirty="0">
-                <a:latin typeface="Arial" charset="0"/>
-                <a:ea typeface="Arial" charset="0"/>
-                <a:cs typeface="Arial" charset="0"/>
-              </a:rPr>
-              <a:t>Stress</a:t>
-            </a:r>
-          </a:p>
-          <a:p>
-            <a:pPr marL="274638" lvl="1" indent="-274638">
-              <a:spcBef>
-                <a:spcPts val="200"/>
-              </a:spcBef>
-              <a:spcAft>
-                <a:spcPts val="200"/>
-              </a:spcAft>
-              <a:buFont typeface="Wingdings" panose="05000000000000000000" pitchFamily="2" charset="2"/>
-              <a:buChar char="§"/>
-            </a:pPr>
-            <a:r>
-              <a:rPr lang="sv-SE" altLang="sv-SE" sz="2000" dirty="0">
-                <a:latin typeface="Arial" charset="0"/>
-                <a:ea typeface="Arial" charset="0"/>
-                <a:cs typeface="Arial" charset="0"/>
-              </a:rPr>
-              <a:t>Arbetsbelastning och arbetsförmåga</a:t>
-            </a:r>
-          </a:p>
-          <a:p>
-            <a:pPr marL="274638" lvl="1" indent="-274638">
-              <a:spcBef>
-                <a:spcPts val="200"/>
-              </a:spcBef>
-              <a:spcAft>
-                <a:spcPts val="200"/>
-              </a:spcAft>
-              <a:buFont typeface="Wingdings" panose="05000000000000000000" pitchFamily="2" charset="2"/>
-              <a:buChar char="§"/>
-            </a:pPr>
-            <a:r>
-              <a:rPr lang="sv-SE" altLang="sv-SE" sz="2000" dirty="0">
-                <a:latin typeface="Arial" charset="0"/>
-                <a:ea typeface="Arial" charset="0"/>
-                <a:cs typeface="Arial" charset="0"/>
-              </a:rPr>
-              <a:t>Smärta</a:t>
-            </a:r>
-          </a:p>
-          <a:p>
-            <a:endParaRPr lang="sv-SE" sz="3200" dirty="0">
-              <a:latin typeface="Arial" charset="0"/>
-              <a:ea typeface="Arial" charset="0"/>
-              <a:cs typeface="Arial" charset="0"/>
-            </a:endParaRPr>
-          </a:p>
-        </p:txBody>
-      </p:sp>
-      <p:sp>
-        <p:nvSpPr>
-          <p:cNvPr id="6" name="Platshållare för text 1"/>
-          <p:cNvSpPr txBox="1">
-            <a:spLocks/>
-          </p:cNvSpPr>
-          <p:nvPr/>
-        </p:nvSpPr>
-        <p:spPr>
-          <a:xfrm>
-            <a:off x="496842" y="1196752"/>
+            <a:off x="496842" y="1267668"/>
             <a:ext cx="7819574" cy="994668"/>
           </a:xfrm>
           <a:prstGeom prst="rect">
@@ -7413,7 +6722,7 @@
         </p:spPr>
         <p:txBody>
           <a:bodyPr vert="horz" lIns="91440" tIns="45720" rIns="91440" bIns="45720" rtlCol="0">
-            <a:normAutofit/>
+            <a:normAutofit lnSpcReduction="10000"/>
           </a:bodyPr>
           <a:lstStyle>
             <a:lvl1pPr marL="0" indent="0" algn="l" defTabSz="914400" rtl="0" eaLnBrk="1" latinLnBrk="0" hangingPunct="1">
@@ -7571,7 +6880,7 @@
               <a:defRPr/>
             </a:pPr>
             <a:r>
-              <a:rPr kumimoji="0" lang="sv-SE" sz="3000" b="1" i="0" u="none" strike="noStrike" kern="1200" cap="none" spc="0" normalizeH="0" baseline="0" noProof="0" dirty="0" smtClean="0">
+              <a:rPr kumimoji="0" lang="sv-SE" sz="3000" b="1" i="0" u="none" strike="noStrike" kern="1200" cap="none" spc="0" normalizeH="0" baseline="0" noProof="0" dirty="0">
                 <a:ln>
                   <a:noFill/>
                 </a:ln>
@@ -7585,29 +6894,15 @@
                 <a:ea typeface="+mn-ea"/>
                 <a:cs typeface="Arial" pitchFamily="34" charset="0"/>
               </a:rPr>
-              <a:t>Reflektioner</a:t>
-            </a:r>
-            <a:endParaRPr kumimoji="0" lang="sv-SE" sz="3000" b="1" i="0" u="none" strike="noStrike" kern="1200" cap="none" spc="0" normalizeH="0" baseline="0" noProof="0" dirty="0">
-              <a:ln>
-                <a:noFill/>
-              </a:ln>
-              <a:solidFill>
-                <a:srgbClr val="74B2DD"/>
-              </a:solidFill>
-              <a:effectLst/>
-              <a:uLnTx/>
-              <a:uFillTx/>
-              <a:latin typeface="Arial" pitchFamily="34" charset="0"/>
-              <a:ea typeface="+mn-ea"/>
-              <a:cs typeface="Arial" pitchFamily="34" charset="0"/>
-            </a:endParaRPr>
+              <a:t>Hur är på det hela taget ditt allmänna hälsotillstånd?</a:t>
+            </a:r>
           </a:p>
         </p:txBody>
       </p:sp>
     </p:spTree>
     <p:extLst>
       <p:ext uri="{BB962C8B-B14F-4D97-AF65-F5344CB8AC3E}">
-        <p14:creationId xmlns:p14="http://schemas.microsoft.com/office/powerpoint/2010/main" xmlns="" val="1182085615"/>
+        <p14:creationId xmlns="" xmlns:p14="http://schemas.microsoft.com/office/powerpoint/2010/main" val="2742446731"/>
       </p:ext>
     </p:extLst>
   </p:cSld>
@@ -7624,245 +6919,7 @@
 </p:sld>
 </file>
 
-<file path=ppt/slides/slide12.xml><?xml version="1.0" encoding="utf-8"?>
-<p:sld xmlns:a="http://schemas.openxmlformats.org/drawingml/2006/main" xmlns:r="http://schemas.openxmlformats.org/officeDocument/2006/relationships" xmlns:p="http://schemas.openxmlformats.org/presentationml/2006/main">
-  <p:cSld>
-    <p:spTree>
-      <p:nvGrpSpPr>
-        <p:cNvPr id="1" name=""/>
-        <p:cNvGrpSpPr/>
-        <p:nvPr/>
-      </p:nvGrpSpPr>
-      <p:grpSpPr>
-        <a:xfrm>
-          <a:off x="0" y="0"/>
-          <a:ext cx="0" cy="0"/>
-          <a:chOff x="0" y="0"/>
-          <a:chExt cx="0" cy="0"/>
-        </a:xfrm>
-      </p:grpSpPr>
-      <p:sp>
-        <p:nvSpPr>
-          <p:cNvPr id="5" name="Platshållare för text 1"/>
-          <p:cNvSpPr txBox="1">
-            <a:spLocks/>
-          </p:cNvSpPr>
-          <p:nvPr/>
-        </p:nvSpPr>
-        <p:spPr>
-          <a:xfrm>
-            <a:off x="496842" y="1196752"/>
-            <a:ext cx="7819574" cy="994668"/>
-          </a:xfrm>
-          <a:prstGeom prst="rect">
-            <a:avLst/>
-          </a:prstGeom>
-        </p:spPr>
-        <p:txBody>
-          <a:bodyPr vert="horz" lIns="91440" tIns="45720" rIns="91440" bIns="45720" rtlCol="0">
-            <a:normAutofit/>
-          </a:bodyPr>
-          <a:lstStyle>
-            <a:lvl1pPr marL="0" indent="0" algn="l" defTabSz="914400" rtl="0" eaLnBrk="1" latinLnBrk="0" hangingPunct="1">
-              <a:spcBef>
-                <a:spcPct val="20000"/>
-              </a:spcBef>
-              <a:buFont typeface="Arial" pitchFamily="34" charset="0"/>
-              <a:buNone/>
-              <a:defRPr sz="3000" b="1" kern="1200">
-                <a:solidFill>
-                  <a:srgbClr val="0084B5"/>
-                </a:solidFill>
-                <a:latin typeface="Arial" pitchFamily="34" charset="0"/>
-                <a:ea typeface="+mn-ea"/>
-                <a:cs typeface="Arial" pitchFamily="34" charset="0"/>
-              </a:defRPr>
-            </a:lvl1pPr>
-            <a:lvl2pPr marL="742950" indent="-285750" algn="l" defTabSz="914400" rtl="0" eaLnBrk="1" latinLnBrk="0" hangingPunct="1">
-              <a:spcBef>
-                <a:spcPct val="20000"/>
-              </a:spcBef>
-              <a:buFont typeface="Arial" pitchFamily="34" charset="0"/>
-              <a:buChar char="–"/>
-              <a:defRPr sz="2800" kern="1200">
-                <a:solidFill>
-                  <a:schemeClr val="tx1"/>
-                </a:solidFill>
-                <a:latin typeface="+mn-lt"/>
-                <a:ea typeface="+mn-ea"/>
-                <a:cs typeface="+mn-cs"/>
-              </a:defRPr>
-            </a:lvl2pPr>
-            <a:lvl3pPr marL="1143000" indent="-228600" algn="l" defTabSz="914400" rtl="0" eaLnBrk="1" latinLnBrk="0" hangingPunct="1">
-              <a:spcBef>
-                <a:spcPct val="20000"/>
-              </a:spcBef>
-              <a:buFont typeface="Arial" pitchFamily="34" charset="0"/>
-              <a:buChar char="•"/>
-              <a:defRPr sz="2400" kern="1200">
-                <a:solidFill>
-                  <a:schemeClr val="tx1"/>
-                </a:solidFill>
-                <a:latin typeface="+mn-lt"/>
-                <a:ea typeface="+mn-ea"/>
-                <a:cs typeface="+mn-cs"/>
-              </a:defRPr>
-            </a:lvl3pPr>
-            <a:lvl4pPr marL="1600200" indent="-228600" algn="l" defTabSz="914400" rtl="0" eaLnBrk="1" latinLnBrk="0" hangingPunct="1">
-              <a:spcBef>
-                <a:spcPct val="20000"/>
-              </a:spcBef>
-              <a:buFont typeface="Arial" pitchFamily="34" charset="0"/>
-              <a:buChar char="–"/>
-              <a:defRPr sz="2000" kern="1200">
-                <a:solidFill>
-                  <a:schemeClr val="tx1"/>
-                </a:solidFill>
-                <a:latin typeface="+mn-lt"/>
-                <a:ea typeface="+mn-ea"/>
-                <a:cs typeface="+mn-cs"/>
-              </a:defRPr>
-            </a:lvl4pPr>
-            <a:lvl5pPr marL="2057400" indent="-228600" algn="l" defTabSz="914400" rtl="0" eaLnBrk="1" latinLnBrk="0" hangingPunct="1">
-              <a:spcBef>
-                <a:spcPct val="20000"/>
-              </a:spcBef>
-              <a:buFont typeface="Arial" pitchFamily="34" charset="0"/>
-              <a:buChar char="»"/>
-              <a:defRPr sz="2000" kern="1200">
-                <a:solidFill>
-                  <a:schemeClr val="tx1"/>
-                </a:solidFill>
-                <a:latin typeface="+mn-lt"/>
-                <a:ea typeface="+mn-ea"/>
-                <a:cs typeface="+mn-cs"/>
-              </a:defRPr>
-            </a:lvl5pPr>
-            <a:lvl6pPr marL="2514600" indent="-228600" algn="l" defTabSz="914400" rtl="0" eaLnBrk="1" latinLnBrk="0" hangingPunct="1">
-              <a:spcBef>
-                <a:spcPct val="20000"/>
-              </a:spcBef>
-              <a:buFont typeface="Arial" pitchFamily="34" charset="0"/>
-              <a:buChar char="•"/>
-              <a:defRPr sz="2000" kern="1200">
-                <a:solidFill>
-                  <a:schemeClr val="tx1"/>
-                </a:solidFill>
-                <a:latin typeface="+mn-lt"/>
-                <a:ea typeface="+mn-ea"/>
-                <a:cs typeface="+mn-cs"/>
-              </a:defRPr>
-            </a:lvl6pPr>
-            <a:lvl7pPr marL="2971800" indent="-228600" algn="l" defTabSz="914400" rtl="0" eaLnBrk="1" latinLnBrk="0" hangingPunct="1">
-              <a:spcBef>
-                <a:spcPct val="20000"/>
-              </a:spcBef>
-              <a:buFont typeface="Arial" pitchFamily="34" charset="0"/>
-              <a:buChar char="•"/>
-              <a:defRPr sz="2000" kern="1200">
-                <a:solidFill>
-                  <a:schemeClr val="tx1"/>
-                </a:solidFill>
-                <a:latin typeface="+mn-lt"/>
-                <a:ea typeface="+mn-ea"/>
-                <a:cs typeface="+mn-cs"/>
-              </a:defRPr>
-            </a:lvl7pPr>
-            <a:lvl8pPr marL="3429000" indent="-228600" algn="l" defTabSz="914400" rtl="0" eaLnBrk="1" latinLnBrk="0" hangingPunct="1">
-              <a:spcBef>
-                <a:spcPct val="20000"/>
-              </a:spcBef>
-              <a:buFont typeface="Arial" pitchFamily="34" charset="0"/>
-              <a:buChar char="•"/>
-              <a:defRPr sz="2000" kern="1200">
-                <a:solidFill>
-                  <a:schemeClr val="tx1"/>
-                </a:solidFill>
-                <a:latin typeface="+mn-lt"/>
-                <a:ea typeface="+mn-ea"/>
-                <a:cs typeface="+mn-cs"/>
-              </a:defRPr>
-            </a:lvl8pPr>
-            <a:lvl9pPr marL="3886200" indent="-228600" algn="l" defTabSz="914400" rtl="0" eaLnBrk="1" latinLnBrk="0" hangingPunct="1">
-              <a:spcBef>
-                <a:spcPct val="20000"/>
-              </a:spcBef>
-              <a:buFont typeface="Arial" pitchFamily="34" charset="0"/>
-              <a:buChar char="•"/>
-              <a:defRPr sz="2000" kern="1200">
-                <a:solidFill>
-                  <a:schemeClr val="tx1"/>
-                </a:solidFill>
-                <a:latin typeface="+mn-lt"/>
-                <a:ea typeface="+mn-ea"/>
-                <a:cs typeface="+mn-cs"/>
-              </a:defRPr>
-            </a:lvl9pPr>
-          </a:lstStyle>
-          <a:p>
-            <a:pPr marL="0" marR="0" lvl="0" indent="0" algn="l" defTabSz="914400" rtl="0" eaLnBrk="1" fontAlgn="auto" latinLnBrk="0" hangingPunct="1">
-              <a:lnSpc>
-                <a:spcPct val="100000"/>
-              </a:lnSpc>
-              <a:spcBef>
-                <a:spcPct val="20000"/>
-              </a:spcBef>
-              <a:spcAft>
-                <a:spcPts val="0"/>
-              </a:spcAft>
-              <a:buClrTx/>
-              <a:buSzTx/>
-              <a:buFont typeface="Arial" pitchFamily="34" charset="0"/>
-              <a:buNone/>
-              <a:tabLst/>
-              <a:defRPr/>
-            </a:pPr>
-            <a:r>
-              <a:rPr lang="sv-SE" dirty="0" smtClean="0">
-                <a:solidFill>
-                  <a:srgbClr val="74B2DD"/>
-                </a:solidFill>
-              </a:rPr>
-              <a:t>Insatser</a:t>
-            </a:r>
-            <a:endParaRPr kumimoji="0" lang="sv-SE" sz="3000" b="1" i="0" u="none" strike="noStrike" kern="1200" cap="none" spc="0" normalizeH="0" baseline="0" noProof="0" dirty="0">
-              <a:ln>
-                <a:noFill/>
-              </a:ln>
-              <a:solidFill>
-                <a:srgbClr val="74B2DD"/>
-              </a:solidFill>
-              <a:effectLst/>
-              <a:uLnTx/>
-              <a:uFillTx/>
-              <a:latin typeface="Arial" pitchFamily="34" charset="0"/>
-              <a:ea typeface="+mn-ea"/>
-              <a:cs typeface="Arial" pitchFamily="34" charset="0"/>
-            </a:endParaRPr>
-          </a:p>
-        </p:txBody>
-      </p:sp>
-    </p:spTree>
-    <p:extLst>
-      <p:ext uri="{BB962C8B-B14F-4D97-AF65-F5344CB8AC3E}">
-        <p14:creationId xmlns:p14="http://schemas.microsoft.com/office/powerpoint/2010/main" xmlns="" val="3505817427"/>
-      </p:ext>
-    </p:extLst>
-  </p:cSld>
-  <p:clrMapOvr>
-    <a:masterClrMapping/>
-  </p:clrMapOvr>
-  <p:timing>
-    <p:tnLst>
-      <p:par>
-        <p:cTn id="1" dur="indefinite" restart="never" nodeType="tmRoot"/>
-      </p:par>
-    </p:tnLst>
-  </p:timing>
-</p:sld>
-</file>
-
-<file path=ppt/slides/slide13.xml><?xml version="1.0" encoding="utf-8"?>
+<file path=ppt/slides/slide5.xml><?xml version="1.0" encoding="utf-8"?>
 <p:sld xmlns:a="http://schemas.openxmlformats.org/drawingml/2006/main" xmlns:r="http://schemas.openxmlformats.org/officeDocument/2006/relationships" xmlns:p="http://schemas.openxmlformats.org/presentationml/2006/main">
   <p:cSld>
     <p:spTree>
@@ -8547,7 +7604,7 @@
     </p:spTree>
     <p:extLst>
       <p:ext uri="{BB962C8B-B14F-4D97-AF65-F5344CB8AC3E}">
-        <p14:creationId xmlns:p14="http://schemas.microsoft.com/office/powerpoint/2010/main" xmlns="" val="3014433047"/>
+        <p14:creationId xmlns="" xmlns:p14="http://schemas.microsoft.com/office/powerpoint/2010/main" val="3014433047"/>
       </p:ext>
     </p:extLst>
   </p:cSld>
@@ -8949,7 +8006,7 @@
 </p:sld>
 </file>
 
-<file path=ppt/slides/slide14.xml><?xml version="1.0" encoding="utf-8"?>
+<file path=ppt/slides/slide6.xml><?xml version="1.0" encoding="utf-8"?>
 <p:sld xmlns:a="http://schemas.openxmlformats.org/drawingml/2006/main" xmlns:r="http://schemas.openxmlformats.org/officeDocument/2006/relationships" xmlns:p="http://schemas.openxmlformats.org/presentationml/2006/main">
   <p:cSld>
     <p:spTree>
@@ -8969,2621 +8026,7 @@
     </p:spTree>
     <p:extLst>
       <p:ext uri="{BB962C8B-B14F-4D97-AF65-F5344CB8AC3E}">
-        <p14:creationId xmlns:p14="http://schemas.microsoft.com/office/powerpoint/2010/main" xmlns="" val="1670626404"/>
-      </p:ext>
-    </p:extLst>
-  </p:cSld>
-  <p:clrMapOvr>
-    <a:masterClrMapping/>
-  </p:clrMapOvr>
-  <p:timing>
-    <p:tnLst>
-      <p:par>
-        <p:cTn id="1" dur="indefinite" restart="never" nodeType="tmRoot"/>
-      </p:par>
-    </p:tnLst>
-  </p:timing>
-</p:sld>
-</file>
-
-<file path=ppt/slides/slide2.xml><?xml version="1.0" encoding="utf-8"?>
-<p:sld xmlns:a="http://schemas.openxmlformats.org/drawingml/2006/main" xmlns:r="http://schemas.openxmlformats.org/officeDocument/2006/relationships" xmlns:p="http://schemas.openxmlformats.org/presentationml/2006/main">
-  <p:cSld>
-    <p:spTree>
-      <p:nvGrpSpPr>
-        <p:cNvPr id="1" name=""/>
-        <p:cNvGrpSpPr/>
-        <p:nvPr/>
-      </p:nvGrpSpPr>
-      <p:grpSpPr>
-        <a:xfrm>
-          <a:off x="0" y="0"/>
-          <a:ext cx="0" cy="0"/>
-          <a:chOff x="0" y="0"/>
-          <a:chExt cx="0" cy="0"/>
-        </a:xfrm>
-      </p:grpSpPr>
-      <p:sp>
-        <p:nvSpPr>
-          <p:cNvPr id="5" name="Rectangle 2"/>
-          <p:cNvSpPr txBox="1">
-            <a:spLocks/>
-          </p:cNvSpPr>
-          <p:nvPr/>
-        </p:nvSpPr>
-        <p:spPr>
-          <a:xfrm>
-            <a:off x="467544" y="1268760"/>
-            <a:ext cx="8229600" cy="457200"/>
-          </a:xfrm>
-          <a:prstGeom prst="rect">
-            <a:avLst/>
-          </a:prstGeom>
-        </p:spPr>
-        <p:txBody>
-          <a:bodyPr lIns="91440" rIns="91440" bIns="45720" anchor="ctr"/>
-          <a:lstStyle>
-            <a:lvl1pPr algn="l" defTabSz="914378" rtl="0" eaLnBrk="1" latinLnBrk="0" hangingPunct="1">
-              <a:spcBef>
-                <a:spcPct val="0"/>
-              </a:spcBef>
-              <a:buNone/>
-              <a:defRPr sz="1800" b="1" i="0" kern="1200">
-                <a:solidFill>
-                  <a:schemeClr val="tx1"/>
-                </a:solidFill>
-                <a:latin typeface="Clan OT News" charset="0"/>
-                <a:ea typeface="Clan OT News" charset="0"/>
-                <a:cs typeface="Clan OT News" charset="0"/>
-              </a:defRPr>
-            </a:lvl1pPr>
-          </a:lstStyle>
-          <a:p>
-            <a:r>
-              <a:rPr lang="sv-SE" altLang="sv-SE" sz="3000" dirty="0">
-                <a:solidFill>
-                  <a:srgbClr val="74B2DD"/>
-                </a:solidFill>
-                <a:latin typeface="Arial" pitchFamily="34" charset="0"/>
-                <a:ea typeface="+mn-ea"/>
-                <a:cs typeface="Arial" pitchFamily="34" charset="0"/>
-              </a:rPr>
-              <a:t>Bakgrund</a:t>
-            </a:r>
-          </a:p>
-        </p:txBody>
-      </p:sp>
-      <p:sp>
-        <p:nvSpPr>
-          <p:cNvPr id="6" name="Rectangle 3"/>
-          <p:cNvSpPr txBox="1">
-            <a:spLocks noChangeArrowheads="1"/>
-          </p:cNvSpPr>
-          <p:nvPr/>
-        </p:nvSpPr>
-        <p:spPr>
-          <a:xfrm>
-            <a:off x="611188" y="2396480"/>
-            <a:ext cx="6558880" cy="2256656"/>
-          </a:xfrm>
-          <a:prstGeom prst="rect">
-            <a:avLst/>
-          </a:prstGeom>
-        </p:spPr>
-        <p:txBody>
-          <a:bodyPr vert="horz" lIns="0" tIns="0" rIns="0" bIns="0" rtlCol="0">
-            <a:noAutofit/>
-          </a:bodyPr>
-          <a:lstStyle>
-            <a:lvl1pPr marL="342900" indent="-342900" algn="l" defTabSz="914400" rtl="0" eaLnBrk="1" latinLnBrk="0" hangingPunct="1">
-              <a:spcBef>
-                <a:spcPct val="20000"/>
-              </a:spcBef>
-              <a:buClr>
-                <a:srgbClr val="6390C6"/>
-              </a:buClr>
-              <a:buFont typeface="Arial" pitchFamily="34" charset="0"/>
-              <a:buChar char="•"/>
-              <a:defRPr sz="1800" kern="1200">
-                <a:solidFill>
-                  <a:srgbClr val="282A32"/>
-                </a:solidFill>
-                <a:latin typeface="Arial" pitchFamily="34" charset="0"/>
-                <a:ea typeface="+mn-ea"/>
-                <a:cs typeface="Arial" pitchFamily="34" charset="0"/>
-              </a:defRPr>
-            </a:lvl1pPr>
-            <a:lvl2pPr marL="742950" indent="-285750" algn="l" defTabSz="914400" rtl="0" eaLnBrk="1" latinLnBrk="0" hangingPunct="1">
-              <a:spcBef>
-                <a:spcPct val="20000"/>
-              </a:spcBef>
-              <a:buClr>
-                <a:srgbClr val="6390C6"/>
-              </a:buClr>
-              <a:buFont typeface="Arial" pitchFamily="34" charset="0"/>
-              <a:buChar char="–"/>
-              <a:defRPr sz="1800" kern="1200">
-                <a:solidFill>
-                  <a:srgbClr val="282A32"/>
-                </a:solidFill>
-                <a:latin typeface="Arial" pitchFamily="34" charset="0"/>
-                <a:ea typeface="+mn-ea"/>
-                <a:cs typeface="Arial" pitchFamily="34" charset="0"/>
-              </a:defRPr>
-            </a:lvl2pPr>
-            <a:lvl3pPr marL="1143000" indent="-228600" algn="l" defTabSz="914400" rtl="0" eaLnBrk="1" latinLnBrk="0" hangingPunct="1">
-              <a:spcBef>
-                <a:spcPct val="20000"/>
-              </a:spcBef>
-              <a:buClr>
-                <a:srgbClr val="6390C6"/>
-              </a:buClr>
-              <a:buFont typeface="Arial" pitchFamily="34" charset="0"/>
-              <a:buChar char="•"/>
-              <a:defRPr sz="1800" kern="1200">
-                <a:solidFill>
-                  <a:srgbClr val="282A32"/>
-                </a:solidFill>
-                <a:latin typeface="Arial" pitchFamily="34" charset="0"/>
-                <a:ea typeface="+mn-ea"/>
-                <a:cs typeface="Arial" pitchFamily="34" charset="0"/>
-              </a:defRPr>
-            </a:lvl3pPr>
-            <a:lvl4pPr marL="1600200" indent="-228600" algn="l" defTabSz="914400" rtl="0" eaLnBrk="1" latinLnBrk="0" hangingPunct="1">
-              <a:spcBef>
-                <a:spcPct val="20000"/>
-              </a:spcBef>
-              <a:buClr>
-                <a:srgbClr val="6390C6"/>
-              </a:buClr>
-              <a:buFont typeface="Arial" pitchFamily="34" charset="0"/>
-              <a:buChar char="–"/>
-              <a:defRPr sz="1800" kern="1200">
-                <a:solidFill>
-                  <a:srgbClr val="282A32"/>
-                </a:solidFill>
-                <a:latin typeface="Arial" pitchFamily="34" charset="0"/>
-                <a:ea typeface="+mn-ea"/>
-                <a:cs typeface="Arial" pitchFamily="34" charset="0"/>
-              </a:defRPr>
-            </a:lvl4pPr>
-            <a:lvl5pPr marL="2057400" indent="-228600" algn="l" defTabSz="914400" rtl="0" eaLnBrk="1" latinLnBrk="0" hangingPunct="1">
-              <a:spcBef>
-                <a:spcPct val="20000"/>
-              </a:spcBef>
-              <a:buClr>
-                <a:srgbClr val="6390C6"/>
-              </a:buClr>
-              <a:buFont typeface="Arial" pitchFamily="34" charset="0"/>
-              <a:buChar char="»"/>
-              <a:defRPr sz="1800" kern="1200">
-                <a:solidFill>
-                  <a:srgbClr val="282A32"/>
-                </a:solidFill>
-                <a:latin typeface="Arial" pitchFamily="34" charset="0"/>
-                <a:ea typeface="+mn-ea"/>
-                <a:cs typeface="Arial" pitchFamily="34" charset="0"/>
-              </a:defRPr>
-            </a:lvl5pPr>
-            <a:lvl6pPr marL="2514600" indent="-228600" algn="l" defTabSz="914400" rtl="0" eaLnBrk="1" latinLnBrk="0" hangingPunct="1">
-              <a:spcBef>
-                <a:spcPct val="20000"/>
-              </a:spcBef>
-              <a:buFont typeface="Arial" pitchFamily="34" charset="0"/>
-              <a:buChar char="•"/>
-              <a:defRPr sz="2000" kern="1200">
-                <a:solidFill>
-                  <a:schemeClr val="tx1"/>
-                </a:solidFill>
-                <a:latin typeface="+mn-lt"/>
-                <a:ea typeface="+mn-ea"/>
-                <a:cs typeface="+mn-cs"/>
-              </a:defRPr>
-            </a:lvl6pPr>
-            <a:lvl7pPr marL="2971800" indent="-228600" algn="l" defTabSz="914400" rtl="0" eaLnBrk="1" latinLnBrk="0" hangingPunct="1">
-              <a:spcBef>
-                <a:spcPct val="20000"/>
-              </a:spcBef>
-              <a:buFont typeface="Arial" pitchFamily="34" charset="0"/>
-              <a:buChar char="•"/>
-              <a:defRPr sz="2000" kern="1200">
-                <a:solidFill>
-                  <a:schemeClr val="tx1"/>
-                </a:solidFill>
-                <a:latin typeface="+mn-lt"/>
-                <a:ea typeface="+mn-ea"/>
-                <a:cs typeface="+mn-cs"/>
-              </a:defRPr>
-            </a:lvl7pPr>
-            <a:lvl8pPr marL="3429000" indent="-228600" algn="l" defTabSz="914400" rtl="0" eaLnBrk="1" latinLnBrk="0" hangingPunct="1">
-              <a:spcBef>
-                <a:spcPct val="20000"/>
-              </a:spcBef>
-              <a:buFont typeface="Arial" pitchFamily="34" charset="0"/>
-              <a:buChar char="•"/>
-              <a:defRPr sz="2000" kern="1200">
-                <a:solidFill>
-                  <a:schemeClr val="tx1"/>
-                </a:solidFill>
-                <a:latin typeface="+mn-lt"/>
-                <a:ea typeface="+mn-ea"/>
-                <a:cs typeface="+mn-cs"/>
-              </a:defRPr>
-            </a:lvl8pPr>
-            <a:lvl9pPr marL="3886200" indent="-228600" algn="l" defTabSz="914400" rtl="0" eaLnBrk="1" latinLnBrk="0" hangingPunct="1">
-              <a:spcBef>
-                <a:spcPct val="20000"/>
-              </a:spcBef>
-              <a:buFont typeface="Arial" pitchFamily="34" charset="0"/>
-              <a:buChar char="•"/>
-              <a:defRPr sz="2000" kern="1200">
-                <a:solidFill>
-                  <a:schemeClr val="tx1"/>
-                </a:solidFill>
-                <a:latin typeface="+mn-lt"/>
-                <a:ea typeface="+mn-ea"/>
-                <a:cs typeface="+mn-cs"/>
-              </a:defRPr>
-            </a:lvl9pPr>
-          </a:lstStyle>
-          <a:p>
-            <a:pPr marL="0" indent="0">
-              <a:buNone/>
-            </a:pPr>
-            <a:r>
-              <a:rPr lang="sv-SE" dirty="0" smtClean="0"/>
-              <a:t>Promas hälsoanalys är en del av NN’s arbete med hälsa. Syftet med undersökningen är att kartlägga hur medarbetare mår just nu och ta fram reflektionsområden som är viktiga för organisationen. Det ger er också möjlighet att skapa aktiviteter och att följa upp hälsoarbetet.</a:t>
-            </a:r>
-            <a:endParaRPr lang="sv-SE" dirty="0"/>
-          </a:p>
-          <a:p>
-            <a:pPr marL="0" indent="0">
-              <a:buNone/>
-            </a:pPr>
-            <a:endParaRPr lang="sv-SE" sz="800" dirty="0"/>
-          </a:p>
-          <a:p>
-            <a:pPr marL="0" indent="0">
-              <a:buNone/>
-            </a:pPr>
-            <a:endParaRPr lang="sv-SE" sz="800" dirty="0"/>
-          </a:p>
-          <a:p>
-            <a:pPr marL="360000">
-              <a:spcBef>
-                <a:spcPts val="600"/>
-              </a:spcBef>
-              <a:spcAft>
-                <a:spcPts val="600"/>
-              </a:spcAft>
-            </a:pPr>
-            <a:endParaRPr lang="sv-SE" altLang="sv-SE" dirty="0">
-              <a:latin typeface="Arial" charset="0"/>
-              <a:ea typeface="ＭＳ Ｐゴシック" charset="-128"/>
-              <a:cs typeface="Arial" charset="0"/>
-            </a:endParaRPr>
-          </a:p>
-          <a:p>
-            <a:pPr marL="360000">
-              <a:spcBef>
-                <a:spcPts val="600"/>
-              </a:spcBef>
-              <a:spcAft>
-                <a:spcPts val="600"/>
-              </a:spcAft>
-            </a:pPr>
-            <a:endParaRPr lang="sv-SE" altLang="sv-SE" dirty="0">
-              <a:latin typeface="Arial" charset="0"/>
-              <a:ea typeface="ＭＳ Ｐゴシック" charset="-128"/>
-              <a:cs typeface="Arial" charset="0"/>
-            </a:endParaRPr>
-          </a:p>
-          <a:p>
-            <a:pPr marL="360000">
-              <a:spcBef>
-                <a:spcPts val="600"/>
-              </a:spcBef>
-              <a:spcAft>
-                <a:spcPts val="600"/>
-              </a:spcAft>
-            </a:pPr>
-            <a:endParaRPr lang="sv-SE" altLang="sv-SE" dirty="0">
-              <a:latin typeface="Arial" charset="0"/>
-              <a:ea typeface="ＭＳ Ｐゴシック" charset="-128"/>
-              <a:cs typeface="Arial" charset="0"/>
-            </a:endParaRPr>
-          </a:p>
-          <a:p>
-            <a:pPr marL="360000" lvl="1">
-              <a:spcBef>
-                <a:spcPts val="600"/>
-              </a:spcBef>
-              <a:spcAft>
-                <a:spcPts val="600"/>
-              </a:spcAft>
-              <a:buFontTx/>
-              <a:buNone/>
-            </a:pPr>
-            <a:endParaRPr lang="sv-SE" altLang="sv-SE" sz="2400" dirty="0">
-              <a:latin typeface="Arial" charset="0"/>
-              <a:ea typeface="ＭＳ Ｐゴシック" charset="-128"/>
-              <a:cs typeface="Arial" charset="0"/>
-            </a:endParaRPr>
-          </a:p>
-        </p:txBody>
-      </p:sp>
-    </p:spTree>
-    <p:extLst>
-      <p:ext uri="{BB962C8B-B14F-4D97-AF65-F5344CB8AC3E}">
-        <p14:creationId xmlns:p14="http://schemas.microsoft.com/office/powerpoint/2010/main" xmlns="" val="865856963"/>
-      </p:ext>
-    </p:extLst>
-  </p:cSld>
-  <p:clrMapOvr>
-    <a:masterClrMapping/>
-  </p:clrMapOvr>
-  <p:timing>
-    <p:tnLst>
-      <p:par>
-        <p:cTn id="1" dur="indefinite" restart="never" nodeType="tmRoot"/>
-      </p:par>
-    </p:tnLst>
-  </p:timing>
-</p:sld>
-</file>
-
-<file path=ppt/slides/slide3.xml><?xml version="1.0" encoding="utf-8"?>
-<p:sld xmlns:a="http://schemas.openxmlformats.org/drawingml/2006/main" xmlns:r="http://schemas.openxmlformats.org/officeDocument/2006/relationships" xmlns:p="http://schemas.openxmlformats.org/presentationml/2006/main">
-  <p:cSld>
-    <p:spTree>
-      <p:nvGrpSpPr>
-        <p:cNvPr id="1" name=""/>
-        <p:cNvGrpSpPr/>
-        <p:nvPr/>
-      </p:nvGrpSpPr>
-      <p:grpSpPr>
-        <a:xfrm>
-          <a:off x="0" y="0"/>
-          <a:ext cx="0" cy="0"/>
-          <a:chOff x="0" y="0"/>
-          <a:chExt cx="0" cy="0"/>
-        </a:xfrm>
-      </p:grpSpPr>
-      <p:sp>
-        <p:nvSpPr>
-          <p:cNvPr id="6" name="Content Placeholder 2"/>
-          <p:cNvSpPr>
-            <a:spLocks noGrp="1"/>
-          </p:cNvSpPr>
-          <p:nvPr>
-            <p:ph idx="1"/>
-          </p:nvPr>
-        </p:nvSpPr>
-        <p:spPr>
-          <a:xfrm>
-            <a:off x="539552" y="2506801"/>
-            <a:ext cx="5832648" cy="1176536"/>
-          </a:xfrm>
-        </p:spPr>
-        <p:txBody>
-          <a:bodyPr>
-            <a:normAutofit/>
-          </a:bodyPr>
-          <a:lstStyle/>
-          <a:p>
-            <a:pPr marL="17100" indent="0">
-              <a:spcBef>
-                <a:spcPts val="600"/>
-              </a:spcBef>
-              <a:spcAft>
-                <a:spcPts val="600"/>
-              </a:spcAft>
-              <a:buNone/>
-            </a:pPr>
-            <a:r>
-              <a:rPr lang="sv-SE" altLang="sv-SE" sz="2000" dirty="0">
-                <a:latin typeface="Arial" charset="0"/>
-                <a:ea typeface="Arial" charset="0"/>
-                <a:cs typeface="Arial" charset="0"/>
-              </a:rPr>
-              <a:t>43 (67%) medarbetare av 64 har svarat på Promas hälsoanalys. </a:t>
-            </a:r>
-            <a:endParaRPr lang="sv-SE" altLang="sv-SE" sz="2000" dirty="0">
-              <a:latin typeface="Arial" charset="0"/>
-              <a:ea typeface="Arial" charset="0"/>
-              <a:cs typeface="Arial" charset="0"/>
-            </a:endParaRPr>
-          </a:p>
-          <a:p>
-            <a:pPr marL="474307" lvl="1" indent="0">
-              <a:spcBef>
-                <a:spcPts val="600"/>
-              </a:spcBef>
-              <a:spcAft>
-                <a:spcPts val="600"/>
-              </a:spcAft>
-              <a:buNone/>
-            </a:pPr>
-            <a:endParaRPr lang="sv-SE" altLang="sv-SE" sz="2000" dirty="0">
-              <a:latin typeface="Arial" charset="0"/>
-              <a:ea typeface="Arial" charset="0"/>
-              <a:cs typeface="Arial" charset="0"/>
-            </a:endParaRPr>
-          </a:p>
-          <a:p>
-            <a:endParaRPr lang="sv-SE" sz="2000" dirty="0">
-              <a:latin typeface="Arial" charset="0"/>
-              <a:ea typeface="Arial" charset="0"/>
-              <a:cs typeface="Arial" charset="0"/>
-            </a:endParaRPr>
-          </a:p>
-        </p:txBody>
-      </p:sp>
-      <p:sp>
-        <p:nvSpPr>
-          <p:cNvPr id="7" name="Platshållare för text 1"/>
-          <p:cNvSpPr txBox="1">
-            <a:spLocks/>
-          </p:cNvSpPr>
-          <p:nvPr/>
-        </p:nvSpPr>
-        <p:spPr>
-          <a:xfrm>
-            <a:off x="539552" y="1196752"/>
-            <a:ext cx="7819574" cy="994668"/>
-          </a:xfrm>
-          <a:prstGeom prst="rect">
-            <a:avLst/>
-          </a:prstGeom>
-        </p:spPr>
-        <p:txBody>
-          <a:bodyPr vert="horz" lIns="91440" tIns="45720" rIns="91440" bIns="45720" rtlCol="0">
-            <a:normAutofit/>
-          </a:bodyPr>
-          <a:lstStyle>
-            <a:lvl1pPr marL="0" indent="0" algn="l" defTabSz="914400" rtl="0" eaLnBrk="1" latinLnBrk="0" hangingPunct="1">
-              <a:spcBef>
-                <a:spcPct val="20000"/>
-              </a:spcBef>
-              <a:buFont typeface="Arial" pitchFamily="34" charset="0"/>
-              <a:buNone/>
-              <a:defRPr sz="3000" b="1" kern="1200">
-                <a:solidFill>
-                  <a:srgbClr val="0084B5"/>
-                </a:solidFill>
-                <a:latin typeface="Arial" pitchFamily="34" charset="0"/>
-                <a:ea typeface="+mn-ea"/>
-                <a:cs typeface="Arial" pitchFamily="34" charset="0"/>
-              </a:defRPr>
-            </a:lvl1pPr>
-            <a:lvl2pPr marL="742950" indent="-285750" algn="l" defTabSz="914400" rtl="0" eaLnBrk="1" latinLnBrk="0" hangingPunct="1">
-              <a:spcBef>
-                <a:spcPct val="20000"/>
-              </a:spcBef>
-              <a:buFont typeface="Arial" pitchFamily="34" charset="0"/>
-              <a:buChar char="–"/>
-              <a:defRPr sz="2800" kern="1200">
-                <a:solidFill>
-                  <a:schemeClr val="tx1"/>
-                </a:solidFill>
-                <a:latin typeface="+mn-lt"/>
-                <a:ea typeface="+mn-ea"/>
-                <a:cs typeface="+mn-cs"/>
-              </a:defRPr>
-            </a:lvl2pPr>
-            <a:lvl3pPr marL="1143000" indent="-228600" algn="l" defTabSz="914400" rtl="0" eaLnBrk="1" latinLnBrk="0" hangingPunct="1">
-              <a:spcBef>
-                <a:spcPct val="20000"/>
-              </a:spcBef>
-              <a:buFont typeface="Arial" pitchFamily="34" charset="0"/>
-              <a:buChar char="•"/>
-              <a:defRPr sz="2400" kern="1200">
-                <a:solidFill>
-                  <a:schemeClr val="tx1"/>
-                </a:solidFill>
-                <a:latin typeface="+mn-lt"/>
-                <a:ea typeface="+mn-ea"/>
-                <a:cs typeface="+mn-cs"/>
-              </a:defRPr>
-            </a:lvl3pPr>
-            <a:lvl4pPr marL="1600200" indent="-228600" algn="l" defTabSz="914400" rtl="0" eaLnBrk="1" latinLnBrk="0" hangingPunct="1">
-              <a:spcBef>
-                <a:spcPct val="20000"/>
-              </a:spcBef>
-              <a:buFont typeface="Arial" pitchFamily="34" charset="0"/>
-              <a:buChar char="–"/>
-              <a:defRPr sz="2000" kern="1200">
-                <a:solidFill>
-                  <a:schemeClr val="tx1"/>
-                </a:solidFill>
-                <a:latin typeface="+mn-lt"/>
-                <a:ea typeface="+mn-ea"/>
-                <a:cs typeface="+mn-cs"/>
-              </a:defRPr>
-            </a:lvl4pPr>
-            <a:lvl5pPr marL="2057400" indent="-228600" algn="l" defTabSz="914400" rtl="0" eaLnBrk="1" latinLnBrk="0" hangingPunct="1">
-              <a:spcBef>
-                <a:spcPct val="20000"/>
-              </a:spcBef>
-              <a:buFont typeface="Arial" pitchFamily="34" charset="0"/>
-              <a:buChar char="»"/>
-              <a:defRPr sz="2000" kern="1200">
-                <a:solidFill>
-                  <a:schemeClr val="tx1"/>
-                </a:solidFill>
-                <a:latin typeface="+mn-lt"/>
-                <a:ea typeface="+mn-ea"/>
-                <a:cs typeface="+mn-cs"/>
-              </a:defRPr>
-            </a:lvl5pPr>
-            <a:lvl6pPr marL="2514600" indent="-228600" algn="l" defTabSz="914400" rtl="0" eaLnBrk="1" latinLnBrk="0" hangingPunct="1">
-              <a:spcBef>
-                <a:spcPct val="20000"/>
-              </a:spcBef>
-              <a:buFont typeface="Arial" pitchFamily="34" charset="0"/>
-              <a:buChar char="•"/>
-              <a:defRPr sz="2000" kern="1200">
-                <a:solidFill>
-                  <a:schemeClr val="tx1"/>
-                </a:solidFill>
-                <a:latin typeface="+mn-lt"/>
-                <a:ea typeface="+mn-ea"/>
-                <a:cs typeface="+mn-cs"/>
-              </a:defRPr>
-            </a:lvl6pPr>
-            <a:lvl7pPr marL="2971800" indent="-228600" algn="l" defTabSz="914400" rtl="0" eaLnBrk="1" latinLnBrk="0" hangingPunct="1">
-              <a:spcBef>
-                <a:spcPct val="20000"/>
-              </a:spcBef>
-              <a:buFont typeface="Arial" pitchFamily="34" charset="0"/>
-              <a:buChar char="•"/>
-              <a:defRPr sz="2000" kern="1200">
-                <a:solidFill>
-                  <a:schemeClr val="tx1"/>
-                </a:solidFill>
-                <a:latin typeface="+mn-lt"/>
-                <a:ea typeface="+mn-ea"/>
-                <a:cs typeface="+mn-cs"/>
-              </a:defRPr>
-            </a:lvl7pPr>
-            <a:lvl8pPr marL="3429000" indent="-228600" algn="l" defTabSz="914400" rtl="0" eaLnBrk="1" latinLnBrk="0" hangingPunct="1">
-              <a:spcBef>
-                <a:spcPct val="20000"/>
-              </a:spcBef>
-              <a:buFont typeface="Arial" pitchFamily="34" charset="0"/>
-              <a:buChar char="•"/>
-              <a:defRPr sz="2000" kern="1200">
-                <a:solidFill>
-                  <a:schemeClr val="tx1"/>
-                </a:solidFill>
-                <a:latin typeface="+mn-lt"/>
-                <a:ea typeface="+mn-ea"/>
-                <a:cs typeface="+mn-cs"/>
-              </a:defRPr>
-            </a:lvl8pPr>
-            <a:lvl9pPr marL="3886200" indent="-228600" algn="l" defTabSz="914400" rtl="0" eaLnBrk="1" latinLnBrk="0" hangingPunct="1">
-              <a:spcBef>
-                <a:spcPct val="20000"/>
-              </a:spcBef>
-              <a:buFont typeface="Arial" pitchFamily="34" charset="0"/>
-              <a:buChar char="•"/>
-              <a:defRPr sz="2000" kern="1200">
-                <a:solidFill>
-                  <a:schemeClr val="tx1"/>
-                </a:solidFill>
-                <a:latin typeface="+mn-lt"/>
-                <a:ea typeface="+mn-ea"/>
-                <a:cs typeface="+mn-cs"/>
-              </a:defRPr>
-            </a:lvl9pPr>
-          </a:lstStyle>
-          <a:p>
-            <a:pPr marL="0" marR="0" lvl="0" indent="0" algn="l" defTabSz="914400" rtl="0" eaLnBrk="1" fontAlgn="auto" latinLnBrk="0" hangingPunct="1">
-              <a:lnSpc>
-                <a:spcPct val="100000"/>
-              </a:lnSpc>
-              <a:spcBef>
-                <a:spcPct val="20000"/>
-              </a:spcBef>
-              <a:spcAft>
-                <a:spcPts val="0"/>
-              </a:spcAft>
-              <a:buClrTx/>
-              <a:buSzTx/>
-              <a:buFont typeface="Arial" pitchFamily="34" charset="0"/>
-              <a:buNone/>
-              <a:tabLst/>
-              <a:defRPr/>
-            </a:pPr>
-            <a:r>
-              <a:rPr kumimoji="0" lang="sv-SE" sz="3000" b="1" i="0" u="none" strike="noStrike" kern="1200" cap="none" spc="0" normalizeH="0" baseline="0" noProof="0" dirty="0" smtClean="0">
-                <a:ln>
-                  <a:noFill/>
-                </a:ln>
-                <a:solidFill>
-                  <a:srgbClr val="74B2DD"/>
-                </a:solidFill>
-                <a:effectLst/>
-                <a:uLnTx/>
-                <a:uFillTx/>
-                <a:latin typeface="Arial" pitchFamily="34" charset="0"/>
-                <a:ea typeface="+mn-ea"/>
-                <a:cs typeface="Arial" pitchFamily="34" charset="0"/>
-              </a:rPr>
-              <a:t>Svarsfrekvens</a:t>
-            </a:r>
-            <a:endParaRPr kumimoji="0" lang="sv-SE" sz="3000" b="1" i="0" u="none" strike="noStrike" kern="1200" cap="none" spc="0" normalizeH="0" baseline="0" noProof="0" dirty="0">
-              <a:ln>
-                <a:noFill/>
-              </a:ln>
-              <a:solidFill>
-                <a:srgbClr val="74B2DD"/>
-              </a:solidFill>
-              <a:effectLst/>
-              <a:uLnTx/>
-              <a:uFillTx/>
-              <a:latin typeface="Arial" pitchFamily="34" charset="0"/>
-              <a:ea typeface="+mn-ea"/>
-              <a:cs typeface="Arial" pitchFamily="34" charset="0"/>
-            </a:endParaRPr>
-          </a:p>
-        </p:txBody>
-      </p:sp>
-    </p:spTree>
-    <p:extLst>
-      <p:ext uri="{BB962C8B-B14F-4D97-AF65-F5344CB8AC3E}">
-        <p14:creationId xmlns:p14="http://schemas.microsoft.com/office/powerpoint/2010/main" xmlns="" val="2054910883"/>
-      </p:ext>
-    </p:extLst>
-  </p:cSld>
-  <p:clrMapOvr>
-    <a:masterClrMapping/>
-  </p:clrMapOvr>
-  <p:timing>
-    <p:tnLst>
-      <p:par>
-        <p:cTn id="1" dur="indefinite" restart="never" nodeType="tmRoot"/>
-      </p:par>
-    </p:tnLst>
-  </p:timing>
-</p:sld>
-</file>
-
-<file path=ppt/slides/slide4.xml><?xml version="1.0" encoding="utf-8"?>
-<p:sld xmlns:a="http://schemas.openxmlformats.org/drawingml/2006/main" xmlns:r="http://schemas.openxmlformats.org/officeDocument/2006/relationships" xmlns:p="http://schemas.openxmlformats.org/presentationml/2006/main">
-  <p:cSld>
-    <p:spTree>
-      <p:nvGrpSpPr>
-        <p:cNvPr id="1" name=""/>
-        <p:cNvGrpSpPr/>
-        <p:nvPr/>
-      </p:nvGrpSpPr>
-      <p:grpSpPr>
-        <a:xfrm>
-          <a:off x="0" y="0"/>
-          <a:ext cx="0" cy="0"/>
-          <a:chOff x="0" y="0"/>
-          <a:chExt cx="0" cy="0"/>
-        </a:xfrm>
-      </p:grpSpPr>
-      <p:sp>
-        <p:nvSpPr>
-          <p:cNvPr id="3" name="Content Placeholder 2"/>
-          <p:cNvSpPr>
-            <a:spLocks noGrp="1"/>
-          </p:cNvSpPr>
-          <p:nvPr>
-            <p:ph idx="1"/>
-          </p:nvPr>
-        </p:nvSpPr>
-        <p:spPr>
-          <a:xfrm>
-            <a:off x="505644" y="2203166"/>
-            <a:ext cx="5554960" cy="2472680"/>
-          </a:xfrm>
-        </p:spPr>
-        <p:txBody>
-          <a:bodyPr>
-            <a:normAutofit lnSpcReduction="10000"/>
-          </a:bodyPr>
-          <a:lstStyle/>
-          <a:p>
-            <a:pPr marL="317500" lvl="1" indent="-307975">
-              <a:spcBef>
-                <a:spcPts val="0"/>
-              </a:spcBef>
-              <a:spcAft>
-                <a:spcPts val="1400"/>
-              </a:spcAft>
-              <a:buFont typeface="Wingdings" panose="05000000000000000000" pitchFamily="2" charset="2"/>
-              <a:buChar char="§"/>
-            </a:pPr>
-            <a:r>
-              <a:rPr lang="sv-SE" altLang="sv-SE" sz="2000" dirty="0" smtClean="0">
-                <a:latin typeface="Arial" charset="0"/>
-                <a:ea typeface="Arial" charset="0"/>
-                <a:cs typeface="Arial" charset="0"/>
-              </a:rPr>
-              <a:t>Hälsa </a:t>
-            </a:r>
-            <a:endParaRPr lang="sv-SE" altLang="sv-SE" sz="2000" dirty="0">
-              <a:latin typeface="Arial" charset="0"/>
-              <a:ea typeface="Arial" charset="0"/>
-              <a:cs typeface="Arial" charset="0"/>
-            </a:endParaRPr>
-          </a:p>
-          <a:p>
-            <a:pPr marL="317500" lvl="1" indent="-307975">
-              <a:spcBef>
-                <a:spcPts val="0"/>
-              </a:spcBef>
-              <a:spcAft>
-                <a:spcPts val="1400"/>
-              </a:spcAft>
-              <a:buFont typeface="Wingdings" panose="05000000000000000000" pitchFamily="2" charset="2"/>
-              <a:buChar char="§"/>
-            </a:pPr>
-            <a:r>
-              <a:rPr lang="sv-SE" altLang="sv-SE" sz="2000" dirty="0">
-                <a:latin typeface="Arial" charset="0"/>
-                <a:ea typeface="Arial" charset="0"/>
-                <a:cs typeface="Arial" charset="0"/>
-              </a:rPr>
-              <a:t>Sömn, återhämtning och ork</a:t>
-            </a:r>
-          </a:p>
-          <a:p>
-            <a:pPr marL="317500" lvl="1" indent="-307975">
-              <a:spcBef>
-                <a:spcPts val="0"/>
-              </a:spcBef>
-              <a:spcAft>
-                <a:spcPts val="1400"/>
-              </a:spcAft>
-              <a:buFont typeface="Wingdings" panose="05000000000000000000" pitchFamily="2" charset="2"/>
-              <a:buChar char="§"/>
-            </a:pPr>
-            <a:r>
-              <a:rPr lang="sv-SE" altLang="sv-SE" sz="2000" dirty="0">
-                <a:latin typeface="Arial" charset="0"/>
-                <a:ea typeface="Arial" charset="0"/>
-                <a:cs typeface="Arial" charset="0"/>
-              </a:rPr>
-              <a:t>Stress</a:t>
-            </a:r>
-          </a:p>
-          <a:p>
-            <a:pPr marL="317500" lvl="1" indent="-307975">
-              <a:spcBef>
-                <a:spcPts val="0"/>
-              </a:spcBef>
-              <a:spcAft>
-                <a:spcPts val="1400"/>
-              </a:spcAft>
-              <a:buFont typeface="Wingdings" panose="05000000000000000000" pitchFamily="2" charset="2"/>
-              <a:buChar char="§"/>
-            </a:pPr>
-            <a:r>
-              <a:rPr lang="sv-SE" altLang="sv-SE" sz="2000" dirty="0">
-                <a:latin typeface="Arial" charset="0"/>
-                <a:ea typeface="Arial" charset="0"/>
-                <a:cs typeface="Arial" charset="0"/>
-              </a:rPr>
-              <a:t>Arbetsbelastning och arbetsförmåga</a:t>
-            </a:r>
-          </a:p>
-          <a:p>
-            <a:pPr marL="317500" lvl="1" indent="-307975">
-              <a:spcBef>
-                <a:spcPts val="0"/>
-              </a:spcBef>
-              <a:spcAft>
-                <a:spcPts val="1400"/>
-              </a:spcAft>
-              <a:buFont typeface="Wingdings" panose="05000000000000000000" pitchFamily="2" charset="2"/>
-              <a:buChar char="§"/>
-            </a:pPr>
-            <a:r>
-              <a:rPr lang="sv-SE" altLang="sv-SE" sz="2000" dirty="0">
-                <a:latin typeface="Arial" charset="0"/>
-                <a:ea typeface="Arial" charset="0"/>
-                <a:cs typeface="Arial" charset="0"/>
-              </a:rPr>
-              <a:t>Smärta</a:t>
-            </a:r>
-          </a:p>
-          <a:p>
-            <a:endParaRPr lang="sv-SE" sz="3200" dirty="0">
-              <a:latin typeface="Arial" charset="0"/>
-              <a:ea typeface="Arial" charset="0"/>
-              <a:cs typeface="Arial" charset="0"/>
-            </a:endParaRPr>
-          </a:p>
-        </p:txBody>
-      </p:sp>
-      <p:sp>
-        <p:nvSpPr>
-          <p:cNvPr id="5" name="Platshållare för text 1"/>
-          <p:cNvSpPr txBox="1">
-            <a:spLocks/>
-          </p:cNvSpPr>
-          <p:nvPr/>
-        </p:nvSpPr>
-        <p:spPr>
-          <a:xfrm>
-            <a:off x="496842" y="1196752"/>
-            <a:ext cx="7819574" cy="994668"/>
-          </a:xfrm>
-          <a:prstGeom prst="rect">
-            <a:avLst/>
-          </a:prstGeom>
-        </p:spPr>
-        <p:txBody>
-          <a:bodyPr vert="horz" lIns="91440" tIns="45720" rIns="91440" bIns="45720" rtlCol="0">
-            <a:normAutofit/>
-          </a:bodyPr>
-          <a:lstStyle>
-            <a:lvl1pPr marL="0" indent="0" algn="l" defTabSz="914400" rtl="0" eaLnBrk="1" latinLnBrk="0" hangingPunct="1">
-              <a:spcBef>
-                <a:spcPct val="20000"/>
-              </a:spcBef>
-              <a:buFont typeface="Arial" pitchFamily="34" charset="0"/>
-              <a:buNone/>
-              <a:defRPr sz="3000" b="1" kern="1200">
-                <a:solidFill>
-                  <a:srgbClr val="0084B5"/>
-                </a:solidFill>
-                <a:latin typeface="Arial" pitchFamily="34" charset="0"/>
-                <a:ea typeface="+mn-ea"/>
-                <a:cs typeface="Arial" pitchFamily="34" charset="0"/>
-              </a:defRPr>
-            </a:lvl1pPr>
-            <a:lvl2pPr marL="742950" indent="-285750" algn="l" defTabSz="914400" rtl="0" eaLnBrk="1" latinLnBrk="0" hangingPunct="1">
-              <a:spcBef>
-                <a:spcPct val="20000"/>
-              </a:spcBef>
-              <a:buFont typeface="Arial" pitchFamily="34" charset="0"/>
-              <a:buChar char="–"/>
-              <a:defRPr sz="2800" kern="1200">
-                <a:solidFill>
-                  <a:schemeClr val="tx1"/>
-                </a:solidFill>
-                <a:latin typeface="+mn-lt"/>
-                <a:ea typeface="+mn-ea"/>
-                <a:cs typeface="+mn-cs"/>
-              </a:defRPr>
-            </a:lvl2pPr>
-            <a:lvl3pPr marL="1143000" indent="-228600" algn="l" defTabSz="914400" rtl="0" eaLnBrk="1" latinLnBrk="0" hangingPunct="1">
-              <a:spcBef>
-                <a:spcPct val="20000"/>
-              </a:spcBef>
-              <a:buFont typeface="Arial" pitchFamily="34" charset="0"/>
-              <a:buChar char="•"/>
-              <a:defRPr sz="2400" kern="1200">
-                <a:solidFill>
-                  <a:schemeClr val="tx1"/>
-                </a:solidFill>
-                <a:latin typeface="+mn-lt"/>
-                <a:ea typeface="+mn-ea"/>
-                <a:cs typeface="+mn-cs"/>
-              </a:defRPr>
-            </a:lvl3pPr>
-            <a:lvl4pPr marL="1600200" indent="-228600" algn="l" defTabSz="914400" rtl="0" eaLnBrk="1" latinLnBrk="0" hangingPunct="1">
-              <a:spcBef>
-                <a:spcPct val="20000"/>
-              </a:spcBef>
-              <a:buFont typeface="Arial" pitchFamily="34" charset="0"/>
-              <a:buChar char="–"/>
-              <a:defRPr sz="2000" kern="1200">
-                <a:solidFill>
-                  <a:schemeClr val="tx1"/>
-                </a:solidFill>
-                <a:latin typeface="+mn-lt"/>
-                <a:ea typeface="+mn-ea"/>
-                <a:cs typeface="+mn-cs"/>
-              </a:defRPr>
-            </a:lvl4pPr>
-            <a:lvl5pPr marL="2057400" indent="-228600" algn="l" defTabSz="914400" rtl="0" eaLnBrk="1" latinLnBrk="0" hangingPunct="1">
-              <a:spcBef>
-                <a:spcPct val="20000"/>
-              </a:spcBef>
-              <a:buFont typeface="Arial" pitchFamily="34" charset="0"/>
-              <a:buChar char="»"/>
-              <a:defRPr sz="2000" kern="1200">
-                <a:solidFill>
-                  <a:schemeClr val="tx1"/>
-                </a:solidFill>
-                <a:latin typeface="+mn-lt"/>
-                <a:ea typeface="+mn-ea"/>
-                <a:cs typeface="+mn-cs"/>
-              </a:defRPr>
-            </a:lvl5pPr>
-            <a:lvl6pPr marL="2514600" indent="-228600" algn="l" defTabSz="914400" rtl="0" eaLnBrk="1" latinLnBrk="0" hangingPunct="1">
-              <a:spcBef>
-                <a:spcPct val="20000"/>
-              </a:spcBef>
-              <a:buFont typeface="Arial" pitchFamily="34" charset="0"/>
-              <a:buChar char="•"/>
-              <a:defRPr sz="2000" kern="1200">
-                <a:solidFill>
-                  <a:schemeClr val="tx1"/>
-                </a:solidFill>
-                <a:latin typeface="+mn-lt"/>
-                <a:ea typeface="+mn-ea"/>
-                <a:cs typeface="+mn-cs"/>
-              </a:defRPr>
-            </a:lvl6pPr>
-            <a:lvl7pPr marL="2971800" indent="-228600" algn="l" defTabSz="914400" rtl="0" eaLnBrk="1" latinLnBrk="0" hangingPunct="1">
-              <a:spcBef>
-                <a:spcPct val="20000"/>
-              </a:spcBef>
-              <a:buFont typeface="Arial" pitchFamily="34" charset="0"/>
-              <a:buChar char="•"/>
-              <a:defRPr sz="2000" kern="1200">
-                <a:solidFill>
-                  <a:schemeClr val="tx1"/>
-                </a:solidFill>
-                <a:latin typeface="+mn-lt"/>
-                <a:ea typeface="+mn-ea"/>
-                <a:cs typeface="+mn-cs"/>
-              </a:defRPr>
-            </a:lvl7pPr>
-            <a:lvl8pPr marL="3429000" indent="-228600" algn="l" defTabSz="914400" rtl="0" eaLnBrk="1" latinLnBrk="0" hangingPunct="1">
-              <a:spcBef>
-                <a:spcPct val="20000"/>
-              </a:spcBef>
-              <a:buFont typeface="Arial" pitchFamily="34" charset="0"/>
-              <a:buChar char="•"/>
-              <a:defRPr sz="2000" kern="1200">
-                <a:solidFill>
-                  <a:schemeClr val="tx1"/>
-                </a:solidFill>
-                <a:latin typeface="+mn-lt"/>
-                <a:ea typeface="+mn-ea"/>
-                <a:cs typeface="+mn-cs"/>
-              </a:defRPr>
-            </a:lvl8pPr>
-            <a:lvl9pPr marL="3886200" indent="-228600" algn="l" defTabSz="914400" rtl="0" eaLnBrk="1" latinLnBrk="0" hangingPunct="1">
-              <a:spcBef>
-                <a:spcPct val="20000"/>
-              </a:spcBef>
-              <a:buFont typeface="Arial" pitchFamily="34" charset="0"/>
-              <a:buChar char="•"/>
-              <a:defRPr sz="2000" kern="1200">
-                <a:solidFill>
-                  <a:schemeClr val="tx1"/>
-                </a:solidFill>
-                <a:latin typeface="+mn-lt"/>
-                <a:ea typeface="+mn-ea"/>
-                <a:cs typeface="+mn-cs"/>
-              </a:defRPr>
-            </a:lvl9pPr>
-          </a:lstStyle>
-          <a:p>
-            <a:pPr marL="0" marR="0" lvl="0" indent="0" algn="l" defTabSz="914400" rtl="0" eaLnBrk="1" fontAlgn="auto" latinLnBrk="0" hangingPunct="1">
-              <a:lnSpc>
-                <a:spcPct val="100000"/>
-              </a:lnSpc>
-              <a:spcBef>
-                <a:spcPct val="20000"/>
-              </a:spcBef>
-              <a:spcAft>
-                <a:spcPts val="0"/>
-              </a:spcAft>
-              <a:buClrTx/>
-              <a:buSzTx/>
-              <a:buFont typeface="Arial" pitchFamily="34" charset="0"/>
-              <a:buNone/>
-              <a:tabLst/>
-              <a:defRPr/>
-            </a:pPr>
-            <a:r>
-              <a:rPr kumimoji="0" lang="sv-SE" sz="3000" b="1" i="0" u="none" strike="noStrike" kern="1200" cap="none" spc="0" normalizeH="0" baseline="0" noProof="0" dirty="0" smtClean="0">
-                <a:ln>
-                  <a:noFill/>
-                </a:ln>
-                <a:solidFill>
-                  <a:srgbClr val="74B2DD"/>
-                </a:solidFill>
-                <a:effectLst/>
-                <a:uLnTx/>
-                <a:uFillTx/>
-                <a:latin typeface="Arial" pitchFamily="34" charset="0"/>
-                <a:ea typeface="+mn-ea"/>
-                <a:cs typeface="Arial" pitchFamily="34" charset="0"/>
-              </a:rPr>
-              <a:t>Fem fokusområden</a:t>
-            </a:r>
-            <a:endParaRPr kumimoji="0" lang="sv-SE" sz="3000" b="1" i="0" u="none" strike="noStrike" kern="1200" cap="none" spc="0" normalizeH="0" baseline="0" noProof="0" dirty="0">
-              <a:ln>
-                <a:noFill/>
-              </a:ln>
-              <a:solidFill>
-                <a:srgbClr val="74B2DD"/>
-              </a:solidFill>
-              <a:effectLst/>
-              <a:uLnTx/>
-              <a:uFillTx/>
-              <a:latin typeface="Arial" pitchFamily="34" charset="0"/>
-              <a:ea typeface="+mn-ea"/>
-              <a:cs typeface="Arial" pitchFamily="34" charset="0"/>
-            </a:endParaRPr>
-          </a:p>
-        </p:txBody>
-      </p:sp>
-    </p:spTree>
-    <p:extLst>
-      <p:ext uri="{BB962C8B-B14F-4D97-AF65-F5344CB8AC3E}">
-        <p14:creationId xmlns:p14="http://schemas.microsoft.com/office/powerpoint/2010/main" xmlns="" val="14920797"/>
-      </p:ext>
-    </p:extLst>
-  </p:cSld>
-  <p:clrMapOvr>
-    <a:masterClrMapping/>
-  </p:clrMapOvr>
-  <p:timing>
-    <p:tnLst>
-      <p:par>
-        <p:cTn id="1" dur="indefinite" restart="never" nodeType="tmRoot"/>
-      </p:par>
-    </p:tnLst>
-  </p:timing>
-</p:sld>
-</file>
-
-<file path=ppt/slides/slide5.xml><?xml version="1.0" encoding="utf-8"?>
-<p:sld xmlns:a="http://schemas.openxmlformats.org/drawingml/2006/main" xmlns:r="http://schemas.openxmlformats.org/officeDocument/2006/relationships" xmlns:p="http://schemas.openxmlformats.org/presentationml/2006/main">
-  <p:cSld>
-    <p:spTree>
-      <p:nvGrpSpPr>
-        <p:cNvPr id="1" name=""/>
-        <p:cNvGrpSpPr/>
-        <p:nvPr/>
-      </p:nvGrpSpPr>
-      <p:grpSpPr>
-        <a:xfrm>
-          <a:off x="0" y="0"/>
-          <a:ext cx="0" cy="0"/>
-          <a:chOff x="0" y="0"/>
-          <a:chExt cx="0" cy="0"/>
-        </a:xfrm>
-      </p:grpSpPr>
-      <p:pic>
-        <p:nvPicPr>
-          <p:cNvPr id="2" name="Bildobjekt 1"/>
-          <p:cNvPicPr>
-            <a:picLocks noChangeAspect="1"/>
-          </p:cNvPicPr>
-          <p:nvPr/>
-        </p:nvPicPr>
-        <p:blipFill>
-          <a:blip r:embed="rId2"/>
-          <a:stretch>
-            <a:fillRect/>
-          </a:stretch>
-        </p:blipFill>
-        <p:spPr>
-          <a:xfrm>
-            <a:off x="496842" y="1838849"/>
-            <a:ext cx="7819574" cy="4700064"/>
-          </a:xfrm>
-          <a:prstGeom prst="rect">
-            <a:avLst/>
-          </a:prstGeom>
-          <a:effectLst>
-            <a:softEdge rad="127000"/>
-          </a:effectLst>
-        </p:spPr>
-      </p:pic>
-      <p:sp>
-        <p:nvSpPr>
-          <p:cNvPr id="10" name="Platshållare för text 1"/>
-          <p:cNvSpPr txBox="1">
-            <a:spLocks/>
-          </p:cNvSpPr>
-          <p:nvPr/>
-        </p:nvSpPr>
-        <p:spPr>
-          <a:xfrm>
-            <a:off x="496842" y="1267668"/>
-            <a:ext cx="7819574" cy="994668"/>
-          </a:xfrm>
-          <a:prstGeom prst="rect">
-            <a:avLst/>
-          </a:prstGeom>
-        </p:spPr>
-        <p:txBody>
-          <a:bodyPr vert="horz" lIns="91440" tIns="45720" rIns="91440" bIns="45720" rtlCol="0">
-            <a:normAutofit lnSpcReduction="10000"/>
-          </a:bodyPr>
-          <a:lstStyle>
-            <a:lvl1pPr marL="0" indent="0" algn="l" defTabSz="914400" rtl="0" eaLnBrk="1" latinLnBrk="0" hangingPunct="1">
-              <a:spcBef>
-                <a:spcPct val="20000"/>
-              </a:spcBef>
-              <a:buFont typeface="Arial" pitchFamily="34" charset="0"/>
-              <a:buNone/>
-              <a:defRPr sz="3000" b="1" kern="1200">
-                <a:solidFill>
-                  <a:srgbClr val="0084B5"/>
-                </a:solidFill>
-                <a:latin typeface="Arial" pitchFamily="34" charset="0"/>
-                <a:ea typeface="+mn-ea"/>
-                <a:cs typeface="Arial" pitchFamily="34" charset="0"/>
-              </a:defRPr>
-            </a:lvl1pPr>
-            <a:lvl2pPr marL="742950" indent="-285750" algn="l" defTabSz="914400" rtl="0" eaLnBrk="1" latinLnBrk="0" hangingPunct="1">
-              <a:spcBef>
-                <a:spcPct val="20000"/>
-              </a:spcBef>
-              <a:buFont typeface="Arial" pitchFamily="34" charset="0"/>
-              <a:buChar char="–"/>
-              <a:defRPr sz="2800" kern="1200">
-                <a:solidFill>
-                  <a:schemeClr val="tx1"/>
-                </a:solidFill>
-                <a:latin typeface="+mn-lt"/>
-                <a:ea typeface="+mn-ea"/>
-                <a:cs typeface="+mn-cs"/>
-              </a:defRPr>
-            </a:lvl2pPr>
-            <a:lvl3pPr marL="1143000" indent="-228600" algn="l" defTabSz="914400" rtl="0" eaLnBrk="1" latinLnBrk="0" hangingPunct="1">
-              <a:spcBef>
-                <a:spcPct val="20000"/>
-              </a:spcBef>
-              <a:buFont typeface="Arial" pitchFamily="34" charset="0"/>
-              <a:buChar char="•"/>
-              <a:defRPr sz="2400" kern="1200">
-                <a:solidFill>
-                  <a:schemeClr val="tx1"/>
-                </a:solidFill>
-                <a:latin typeface="+mn-lt"/>
-                <a:ea typeface="+mn-ea"/>
-                <a:cs typeface="+mn-cs"/>
-              </a:defRPr>
-            </a:lvl3pPr>
-            <a:lvl4pPr marL="1600200" indent="-228600" algn="l" defTabSz="914400" rtl="0" eaLnBrk="1" latinLnBrk="0" hangingPunct="1">
-              <a:spcBef>
-                <a:spcPct val="20000"/>
-              </a:spcBef>
-              <a:buFont typeface="Arial" pitchFamily="34" charset="0"/>
-              <a:buChar char="–"/>
-              <a:defRPr sz="2000" kern="1200">
-                <a:solidFill>
-                  <a:schemeClr val="tx1"/>
-                </a:solidFill>
-                <a:latin typeface="+mn-lt"/>
-                <a:ea typeface="+mn-ea"/>
-                <a:cs typeface="+mn-cs"/>
-              </a:defRPr>
-            </a:lvl4pPr>
-            <a:lvl5pPr marL="2057400" indent="-228600" algn="l" defTabSz="914400" rtl="0" eaLnBrk="1" latinLnBrk="0" hangingPunct="1">
-              <a:spcBef>
-                <a:spcPct val="20000"/>
-              </a:spcBef>
-              <a:buFont typeface="Arial" pitchFamily="34" charset="0"/>
-              <a:buChar char="»"/>
-              <a:defRPr sz="2000" kern="1200">
-                <a:solidFill>
-                  <a:schemeClr val="tx1"/>
-                </a:solidFill>
-                <a:latin typeface="+mn-lt"/>
-                <a:ea typeface="+mn-ea"/>
-                <a:cs typeface="+mn-cs"/>
-              </a:defRPr>
-            </a:lvl5pPr>
-            <a:lvl6pPr marL="2514600" indent="-228600" algn="l" defTabSz="914400" rtl="0" eaLnBrk="1" latinLnBrk="0" hangingPunct="1">
-              <a:spcBef>
-                <a:spcPct val="20000"/>
-              </a:spcBef>
-              <a:buFont typeface="Arial" pitchFamily="34" charset="0"/>
-              <a:buChar char="•"/>
-              <a:defRPr sz="2000" kern="1200">
-                <a:solidFill>
-                  <a:schemeClr val="tx1"/>
-                </a:solidFill>
-                <a:latin typeface="+mn-lt"/>
-                <a:ea typeface="+mn-ea"/>
-                <a:cs typeface="+mn-cs"/>
-              </a:defRPr>
-            </a:lvl6pPr>
-            <a:lvl7pPr marL="2971800" indent="-228600" algn="l" defTabSz="914400" rtl="0" eaLnBrk="1" latinLnBrk="0" hangingPunct="1">
-              <a:spcBef>
-                <a:spcPct val="20000"/>
-              </a:spcBef>
-              <a:buFont typeface="Arial" pitchFamily="34" charset="0"/>
-              <a:buChar char="•"/>
-              <a:defRPr sz="2000" kern="1200">
-                <a:solidFill>
-                  <a:schemeClr val="tx1"/>
-                </a:solidFill>
-                <a:latin typeface="+mn-lt"/>
-                <a:ea typeface="+mn-ea"/>
-                <a:cs typeface="+mn-cs"/>
-              </a:defRPr>
-            </a:lvl7pPr>
-            <a:lvl8pPr marL="3429000" indent="-228600" algn="l" defTabSz="914400" rtl="0" eaLnBrk="1" latinLnBrk="0" hangingPunct="1">
-              <a:spcBef>
-                <a:spcPct val="20000"/>
-              </a:spcBef>
-              <a:buFont typeface="Arial" pitchFamily="34" charset="0"/>
-              <a:buChar char="•"/>
-              <a:defRPr sz="2000" kern="1200">
-                <a:solidFill>
-                  <a:schemeClr val="tx1"/>
-                </a:solidFill>
-                <a:latin typeface="+mn-lt"/>
-                <a:ea typeface="+mn-ea"/>
-                <a:cs typeface="+mn-cs"/>
-              </a:defRPr>
-            </a:lvl8pPr>
-            <a:lvl9pPr marL="3886200" indent="-228600" algn="l" defTabSz="914400" rtl="0" eaLnBrk="1" latinLnBrk="0" hangingPunct="1">
-              <a:spcBef>
-                <a:spcPct val="20000"/>
-              </a:spcBef>
-              <a:buFont typeface="Arial" pitchFamily="34" charset="0"/>
-              <a:buChar char="•"/>
-              <a:defRPr sz="2000" kern="1200">
-                <a:solidFill>
-                  <a:schemeClr val="tx1"/>
-                </a:solidFill>
-                <a:latin typeface="+mn-lt"/>
-                <a:ea typeface="+mn-ea"/>
-                <a:cs typeface="+mn-cs"/>
-              </a:defRPr>
-            </a:lvl9pPr>
-          </a:lstStyle>
-          <a:p>
-            <a:pPr marL="0" marR="0" lvl="0" indent="0" algn="l" defTabSz="914400" rtl="0" eaLnBrk="1" fontAlgn="auto" latinLnBrk="0" hangingPunct="1">
-              <a:lnSpc>
-                <a:spcPct val="100000"/>
-              </a:lnSpc>
-              <a:spcBef>
-                <a:spcPct val="20000"/>
-              </a:spcBef>
-              <a:spcAft>
-                <a:spcPts val="0"/>
-              </a:spcAft>
-              <a:buClrTx/>
-              <a:buSzTx/>
-              <a:buFont typeface="Arial" pitchFamily="34" charset="0"/>
-              <a:buNone/>
-              <a:tabLst/>
-              <a:defRPr/>
-            </a:pPr>
-            <a:r>
-              <a:rPr kumimoji="0" lang="sv-SE" sz="3000" b="1" i="0" u="none" strike="noStrike" kern="1200" cap="none" spc="0" normalizeH="0" baseline="0" noProof="0" dirty="0">
-                <a:ln>
-                  <a:noFill/>
-                </a:ln>
-                <a:solidFill>
-                  <a:srgbClr val="74B2DD"/>
-                </a:solidFill>
-                <a:effectLst/>
-                <a:uLnTx/>
-                <a:uFillTx/>
-                <a:latin typeface="Arial" pitchFamily="34" charset="0"/>
-                <a:ea typeface="+mn-ea"/>
-                <a:cs typeface="Arial" pitchFamily="34" charset="0"/>
-              </a:rPr>
-              <a:t>Hur är på det hela taget ditt allmänna hälsotillstånd?</a:t>
-            </a:r>
-          </a:p>
-        </p:txBody>
-      </p:sp>
-    </p:spTree>
-    <p:extLst>
-      <p:ext uri="{BB962C8B-B14F-4D97-AF65-F5344CB8AC3E}">
-        <p14:creationId xmlns:p14="http://schemas.microsoft.com/office/powerpoint/2010/main" xmlns="" val="2742446731"/>
-      </p:ext>
-    </p:extLst>
-  </p:cSld>
-  <p:clrMapOvr>
-    <a:masterClrMapping/>
-  </p:clrMapOvr>
-  <p:timing>
-    <p:tnLst>
-      <p:par>
-        <p:cTn id="1" dur="indefinite" restart="never" nodeType="tmRoot"/>
-      </p:par>
-    </p:tnLst>
-  </p:timing>
-</p:sld>
-</file>
-
-<file path=ppt/slides/slide6.xml><?xml version="1.0" encoding="utf-8"?>
-<p:sld xmlns:a="http://schemas.openxmlformats.org/drawingml/2006/main" xmlns:r="http://schemas.openxmlformats.org/officeDocument/2006/relationships" xmlns:p="http://schemas.openxmlformats.org/presentationml/2006/main">
-  <p:cSld>
-    <p:spTree>
-      <p:nvGrpSpPr>
-        <p:cNvPr id="1" name=""/>
-        <p:cNvGrpSpPr/>
-        <p:nvPr/>
-      </p:nvGrpSpPr>
-      <p:grpSpPr>
-        <a:xfrm>
-          <a:off x="0" y="0"/>
-          <a:ext cx="0" cy="0"/>
-          <a:chOff x="0" y="0"/>
-          <a:chExt cx="0" cy="0"/>
-        </a:xfrm>
-      </p:grpSpPr>
-      <p:sp>
-        <p:nvSpPr>
-          <p:cNvPr id="6" name="Platshållare för text 1"/>
-          <p:cNvSpPr txBox="1">
-            <a:spLocks/>
-          </p:cNvSpPr>
-          <p:nvPr/>
-        </p:nvSpPr>
-        <p:spPr>
-          <a:xfrm>
-            <a:off x="496842" y="1210196"/>
-            <a:ext cx="7819574" cy="994668"/>
-          </a:xfrm>
-          <a:prstGeom prst="rect">
-            <a:avLst/>
-          </a:prstGeom>
-        </p:spPr>
-        <p:txBody>
-          <a:bodyPr vert="horz" lIns="91440" tIns="45720" rIns="91440" bIns="45720" rtlCol="0">
-            <a:normAutofit/>
-          </a:bodyPr>
-          <a:lstStyle>
-            <a:lvl1pPr marL="0" indent="0" algn="l" defTabSz="914400" rtl="0" eaLnBrk="1" latinLnBrk="0" hangingPunct="1">
-              <a:spcBef>
-                <a:spcPct val="20000"/>
-              </a:spcBef>
-              <a:buFont typeface="Arial" pitchFamily="34" charset="0"/>
-              <a:buNone/>
-              <a:defRPr sz="3000" b="1" kern="1200">
-                <a:solidFill>
-                  <a:srgbClr val="0084B5"/>
-                </a:solidFill>
-                <a:latin typeface="Arial" pitchFamily="34" charset="0"/>
-                <a:ea typeface="+mn-ea"/>
-                <a:cs typeface="Arial" pitchFamily="34" charset="0"/>
-              </a:defRPr>
-            </a:lvl1pPr>
-            <a:lvl2pPr marL="742950" indent="-285750" algn="l" defTabSz="914400" rtl="0" eaLnBrk="1" latinLnBrk="0" hangingPunct="1">
-              <a:spcBef>
-                <a:spcPct val="20000"/>
-              </a:spcBef>
-              <a:buFont typeface="Arial" pitchFamily="34" charset="0"/>
-              <a:buChar char="–"/>
-              <a:defRPr sz="2800" kern="1200">
-                <a:solidFill>
-                  <a:schemeClr val="tx1"/>
-                </a:solidFill>
-                <a:latin typeface="+mn-lt"/>
-                <a:ea typeface="+mn-ea"/>
-                <a:cs typeface="+mn-cs"/>
-              </a:defRPr>
-            </a:lvl2pPr>
-            <a:lvl3pPr marL="1143000" indent="-228600" algn="l" defTabSz="914400" rtl="0" eaLnBrk="1" latinLnBrk="0" hangingPunct="1">
-              <a:spcBef>
-                <a:spcPct val="20000"/>
-              </a:spcBef>
-              <a:buFont typeface="Arial" pitchFamily="34" charset="0"/>
-              <a:buChar char="•"/>
-              <a:defRPr sz="2400" kern="1200">
-                <a:solidFill>
-                  <a:schemeClr val="tx1"/>
-                </a:solidFill>
-                <a:latin typeface="+mn-lt"/>
-                <a:ea typeface="+mn-ea"/>
-                <a:cs typeface="+mn-cs"/>
-              </a:defRPr>
-            </a:lvl3pPr>
-            <a:lvl4pPr marL="1600200" indent="-228600" algn="l" defTabSz="914400" rtl="0" eaLnBrk="1" latinLnBrk="0" hangingPunct="1">
-              <a:spcBef>
-                <a:spcPct val="20000"/>
-              </a:spcBef>
-              <a:buFont typeface="Arial" pitchFamily="34" charset="0"/>
-              <a:buChar char="–"/>
-              <a:defRPr sz="2000" kern="1200">
-                <a:solidFill>
-                  <a:schemeClr val="tx1"/>
-                </a:solidFill>
-                <a:latin typeface="+mn-lt"/>
-                <a:ea typeface="+mn-ea"/>
-                <a:cs typeface="+mn-cs"/>
-              </a:defRPr>
-            </a:lvl4pPr>
-            <a:lvl5pPr marL="2057400" indent="-228600" algn="l" defTabSz="914400" rtl="0" eaLnBrk="1" latinLnBrk="0" hangingPunct="1">
-              <a:spcBef>
-                <a:spcPct val="20000"/>
-              </a:spcBef>
-              <a:buFont typeface="Arial" pitchFamily="34" charset="0"/>
-              <a:buChar char="»"/>
-              <a:defRPr sz="2000" kern="1200">
-                <a:solidFill>
-                  <a:schemeClr val="tx1"/>
-                </a:solidFill>
-                <a:latin typeface="+mn-lt"/>
-                <a:ea typeface="+mn-ea"/>
-                <a:cs typeface="+mn-cs"/>
-              </a:defRPr>
-            </a:lvl5pPr>
-            <a:lvl6pPr marL="2514600" indent="-228600" algn="l" defTabSz="914400" rtl="0" eaLnBrk="1" latinLnBrk="0" hangingPunct="1">
-              <a:spcBef>
-                <a:spcPct val="20000"/>
-              </a:spcBef>
-              <a:buFont typeface="Arial" pitchFamily="34" charset="0"/>
-              <a:buChar char="•"/>
-              <a:defRPr sz="2000" kern="1200">
-                <a:solidFill>
-                  <a:schemeClr val="tx1"/>
-                </a:solidFill>
-                <a:latin typeface="+mn-lt"/>
-                <a:ea typeface="+mn-ea"/>
-                <a:cs typeface="+mn-cs"/>
-              </a:defRPr>
-            </a:lvl6pPr>
-            <a:lvl7pPr marL="2971800" indent="-228600" algn="l" defTabSz="914400" rtl="0" eaLnBrk="1" latinLnBrk="0" hangingPunct="1">
-              <a:spcBef>
-                <a:spcPct val="20000"/>
-              </a:spcBef>
-              <a:buFont typeface="Arial" pitchFamily="34" charset="0"/>
-              <a:buChar char="•"/>
-              <a:defRPr sz="2000" kern="1200">
-                <a:solidFill>
-                  <a:schemeClr val="tx1"/>
-                </a:solidFill>
-                <a:latin typeface="+mn-lt"/>
-                <a:ea typeface="+mn-ea"/>
-                <a:cs typeface="+mn-cs"/>
-              </a:defRPr>
-            </a:lvl7pPr>
-            <a:lvl8pPr marL="3429000" indent="-228600" algn="l" defTabSz="914400" rtl="0" eaLnBrk="1" latinLnBrk="0" hangingPunct="1">
-              <a:spcBef>
-                <a:spcPct val="20000"/>
-              </a:spcBef>
-              <a:buFont typeface="Arial" pitchFamily="34" charset="0"/>
-              <a:buChar char="•"/>
-              <a:defRPr sz="2000" kern="1200">
-                <a:solidFill>
-                  <a:schemeClr val="tx1"/>
-                </a:solidFill>
-                <a:latin typeface="+mn-lt"/>
-                <a:ea typeface="+mn-ea"/>
-                <a:cs typeface="+mn-cs"/>
-              </a:defRPr>
-            </a:lvl8pPr>
-            <a:lvl9pPr marL="3886200" indent="-228600" algn="l" defTabSz="914400" rtl="0" eaLnBrk="1" latinLnBrk="0" hangingPunct="1">
-              <a:spcBef>
-                <a:spcPct val="20000"/>
-              </a:spcBef>
-              <a:buFont typeface="Arial" pitchFamily="34" charset="0"/>
-              <a:buChar char="•"/>
-              <a:defRPr sz="2000" kern="1200">
-                <a:solidFill>
-                  <a:schemeClr val="tx1"/>
-                </a:solidFill>
-                <a:latin typeface="+mn-lt"/>
-                <a:ea typeface="+mn-ea"/>
-                <a:cs typeface="+mn-cs"/>
-              </a:defRPr>
-            </a:lvl9pPr>
-          </a:lstStyle>
-          <a:p>
-            <a:pPr marL="0" marR="0" lvl="0" indent="0" algn="l" defTabSz="914400" rtl="0" eaLnBrk="1" fontAlgn="auto" latinLnBrk="0" hangingPunct="1">
-              <a:lnSpc>
-                <a:spcPct val="100000"/>
-              </a:lnSpc>
-              <a:spcBef>
-                <a:spcPct val="20000"/>
-              </a:spcBef>
-              <a:spcAft>
-                <a:spcPts val="0"/>
-              </a:spcAft>
-              <a:buClrTx/>
-              <a:buSzTx/>
-              <a:buFont typeface="Arial" pitchFamily="34" charset="0"/>
-              <a:buNone/>
-              <a:tabLst/>
-              <a:defRPr/>
-            </a:pPr>
-            <a:r>
-              <a:rPr kumimoji="0" lang="sv-SE" sz="3000" b="1" i="0" u="none" strike="noStrike" kern="1200" cap="none" spc="0" normalizeH="0" baseline="0" noProof="0">
-                <a:ln>
-                  <a:noFill/>
-                </a:ln>
-                <a:solidFill>
-                  <a:srgbClr val="74B2DD"/>
-                </a:solidFill>
-                <a:effectLst/>
-                <a:uLnTx/>
-                <a:uFillTx/>
-                <a:latin typeface="Arial" pitchFamily="34" charset="0"/>
-                <a:ea typeface="+mn-ea"/>
-                <a:cs typeface="Arial" pitchFamily="34" charset="0"/>
-              </a:rPr>
-              <a:t>Hur är på det hela taget din sömnkvalitet?</a:t>
-            </a:r>
-            <a:endParaRPr kumimoji="0" lang="sv-SE" sz="3000" b="1" i="0" u="none" strike="noStrike" kern="1200" cap="none" spc="0" normalizeH="0" baseline="0" noProof="0" dirty="0">
-              <a:ln>
-                <a:noFill/>
-              </a:ln>
-              <a:solidFill>
-                <a:srgbClr val="74B2DD"/>
-              </a:solidFill>
-              <a:effectLst/>
-              <a:uLnTx/>
-              <a:uFillTx/>
-              <a:latin typeface="Arial" pitchFamily="34" charset="0"/>
-              <a:ea typeface="+mn-ea"/>
-              <a:cs typeface="Arial" pitchFamily="34" charset="0"/>
-            </a:endParaRPr>
-          </a:p>
-        </p:txBody>
-      </p:sp>
-      <p:pic>
-        <p:nvPicPr>
-          <p:cNvPr id="2" name="Bildobjekt 1"/>
-          <p:cNvPicPr>
-            <a:picLocks noChangeAspect="1"/>
-          </p:cNvPicPr>
-          <p:nvPr/>
-        </p:nvPicPr>
-        <p:blipFill>
-          <a:blip r:embed="rId2"/>
-          <a:stretch>
-            <a:fillRect/>
-          </a:stretch>
-        </p:blipFill>
-        <p:spPr>
-          <a:xfrm>
-            <a:off x="457200" y="1620985"/>
-            <a:ext cx="7931224" cy="4758735"/>
-          </a:xfrm>
-          <a:prstGeom prst="rect">
-            <a:avLst/>
-          </a:prstGeom>
-        </p:spPr>
-      </p:pic>
-    </p:spTree>
-    <p:extLst>
-      <p:ext uri="{BB962C8B-B14F-4D97-AF65-F5344CB8AC3E}">
-        <p14:creationId xmlns:p14="http://schemas.microsoft.com/office/powerpoint/2010/main" xmlns="" val="2618554675"/>
-      </p:ext>
-    </p:extLst>
-  </p:cSld>
-  <p:clrMapOvr>
-    <a:masterClrMapping/>
-  </p:clrMapOvr>
-  <p:timing>
-    <p:tnLst>
-      <p:par>
-        <p:cTn id="1" dur="indefinite" restart="never" nodeType="tmRoot"/>
-      </p:par>
-    </p:tnLst>
-  </p:timing>
-</p:sld>
-</file>
-
-<file path=ppt/slides/slide7.xml><?xml version="1.0" encoding="utf-8"?>
-<p:sld xmlns:a="http://schemas.openxmlformats.org/drawingml/2006/main" xmlns:r="http://schemas.openxmlformats.org/officeDocument/2006/relationships" xmlns:p="http://schemas.openxmlformats.org/presentationml/2006/main">
-  <p:cSld>
-    <p:spTree>
-      <p:nvGrpSpPr>
-        <p:cNvPr id="1" name=""/>
-        <p:cNvGrpSpPr/>
-        <p:nvPr/>
-      </p:nvGrpSpPr>
-      <p:grpSpPr>
-        <a:xfrm>
-          <a:off x="0" y="0"/>
-          <a:ext cx="0" cy="0"/>
-          <a:chOff x="0" y="0"/>
-          <a:chExt cx="0" cy="0"/>
-        </a:xfrm>
-      </p:grpSpPr>
-      <p:pic>
-        <p:nvPicPr>
-          <p:cNvPr id="3" name="Bildobjekt 2"/>
-          <p:cNvPicPr>
-            <a:picLocks noChangeAspect="1"/>
-          </p:cNvPicPr>
-          <p:nvPr/>
-        </p:nvPicPr>
-        <p:blipFill>
-          <a:blip r:embed="rId2"/>
-          <a:stretch>
-            <a:fillRect/>
-          </a:stretch>
-        </p:blipFill>
-        <p:spPr>
-          <a:xfrm>
-            <a:off x="457200" y="2017351"/>
-            <a:ext cx="8219256" cy="4931554"/>
-          </a:xfrm>
-          <a:prstGeom prst="rect">
-            <a:avLst/>
-          </a:prstGeom>
-        </p:spPr>
-      </p:pic>
-      <p:sp>
-        <p:nvSpPr>
-          <p:cNvPr id="6" name="Platshållare för text 1"/>
-          <p:cNvSpPr txBox="1">
-            <a:spLocks/>
-          </p:cNvSpPr>
-          <p:nvPr/>
-        </p:nvSpPr>
-        <p:spPr>
-          <a:xfrm>
-            <a:off x="464820" y="1381356"/>
-            <a:ext cx="3315092" cy="631803"/>
-          </a:xfrm>
-          <a:prstGeom prst="rect">
-            <a:avLst/>
-          </a:prstGeom>
-        </p:spPr>
-        <p:txBody>
-          <a:bodyPr vert="horz" lIns="91440" tIns="45720" rIns="91440" bIns="45720" rtlCol="0">
-            <a:noAutofit/>
-          </a:bodyPr>
-          <a:lstStyle>
-            <a:lvl1pPr marL="0" indent="0" algn="l" defTabSz="914400" rtl="0" eaLnBrk="1" latinLnBrk="0" hangingPunct="1">
-              <a:spcBef>
-                <a:spcPct val="20000"/>
-              </a:spcBef>
-              <a:buFont typeface="Arial" pitchFamily="34" charset="0"/>
-              <a:buNone/>
-              <a:defRPr sz="3000" b="1" kern="1200">
-                <a:solidFill>
-                  <a:srgbClr val="0084B5"/>
-                </a:solidFill>
-                <a:latin typeface="Arial" pitchFamily="34" charset="0"/>
-                <a:ea typeface="+mn-ea"/>
-                <a:cs typeface="Arial" pitchFamily="34" charset="0"/>
-              </a:defRPr>
-            </a:lvl1pPr>
-            <a:lvl2pPr marL="742950" indent="-285750" algn="l" defTabSz="914400" rtl="0" eaLnBrk="1" latinLnBrk="0" hangingPunct="1">
-              <a:spcBef>
-                <a:spcPct val="20000"/>
-              </a:spcBef>
-              <a:buFont typeface="Arial" pitchFamily="34" charset="0"/>
-              <a:buChar char="–"/>
-              <a:defRPr sz="2800" kern="1200">
-                <a:solidFill>
-                  <a:schemeClr val="tx1"/>
-                </a:solidFill>
-                <a:latin typeface="+mn-lt"/>
-                <a:ea typeface="+mn-ea"/>
-                <a:cs typeface="+mn-cs"/>
-              </a:defRPr>
-            </a:lvl2pPr>
-            <a:lvl3pPr marL="1143000" indent="-228600" algn="l" defTabSz="914400" rtl="0" eaLnBrk="1" latinLnBrk="0" hangingPunct="1">
-              <a:spcBef>
-                <a:spcPct val="20000"/>
-              </a:spcBef>
-              <a:buFont typeface="Arial" pitchFamily="34" charset="0"/>
-              <a:buChar char="•"/>
-              <a:defRPr sz="2400" kern="1200">
-                <a:solidFill>
-                  <a:schemeClr val="tx1"/>
-                </a:solidFill>
-                <a:latin typeface="+mn-lt"/>
-                <a:ea typeface="+mn-ea"/>
-                <a:cs typeface="+mn-cs"/>
-              </a:defRPr>
-            </a:lvl3pPr>
-            <a:lvl4pPr marL="1600200" indent="-228600" algn="l" defTabSz="914400" rtl="0" eaLnBrk="1" latinLnBrk="0" hangingPunct="1">
-              <a:spcBef>
-                <a:spcPct val="20000"/>
-              </a:spcBef>
-              <a:buFont typeface="Arial" pitchFamily="34" charset="0"/>
-              <a:buChar char="–"/>
-              <a:defRPr sz="2000" kern="1200">
-                <a:solidFill>
-                  <a:schemeClr val="tx1"/>
-                </a:solidFill>
-                <a:latin typeface="+mn-lt"/>
-                <a:ea typeface="+mn-ea"/>
-                <a:cs typeface="+mn-cs"/>
-              </a:defRPr>
-            </a:lvl4pPr>
-            <a:lvl5pPr marL="2057400" indent="-228600" algn="l" defTabSz="914400" rtl="0" eaLnBrk="1" latinLnBrk="0" hangingPunct="1">
-              <a:spcBef>
-                <a:spcPct val="20000"/>
-              </a:spcBef>
-              <a:buFont typeface="Arial" pitchFamily="34" charset="0"/>
-              <a:buChar char="»"/>
-              <a:defRPr sz="2000" kern="1200">
-                <a:solidFill>
-                  <a:schemeClr val="tx1"/>
-                </a:solidFill>
-                <a:latin typeface="+mn-lt"/>
-                <a:ea typeface="+mn-ea"/>
-                <a:cs typeface="+mn-cs"/>
-              </a:defRPr>
-            </a:lvl5pPr>
-            <a:lvl6pPr marL="2514600" indent="-228600" algn="l" defTabSz="914400" rtl="0" eaLnBrk="1" latinLnBrk="0" hangingPunct="1">
-              <a:spcBef>
-                <a:spcPct val="20000"/>
-              </a:spcBef>
-              <a:buFont typeface="Arial" pitchFamily="34" charset="0"/>
-              <a:buChar char="•"/>
-              <a:defRPr sz="2000" kern="1200">
-                <a:solidFill>
-                  <a:schemeClr val="tx1"/>
-                </a:solidFill>
-                <a:latin typeface="+mn-lt"/>
-                <a:ea typeface="+mn-ea"/>
-                <a:cs typeface="+mn-cs"/>
-              </a:defRPr>
-            </a:lvl6pPr>
-            <a:lvl7pPr marL="2971800" indent="-228600" algn="l" defTabSz="914400" rtl="0" eaLnBrk="1" latinLnBrk="0" hangingPunct="1">
-              <a:spcBef>
-                <a:spcPct val="20000"/>
-              </a:spcBef>
-              <a:buFont typeface="Arial" pitchFamily="34" charset="0"/>
-              <a:buChar char="•"/>
-              <a:defRPr sz="2000" kern="1200">
-                <a:solidFill>
-                  <a:schemeClr val="tx1"/>
-                </a:solidFill>
-                <a:latin typeface="+mn-lt"/>
-                <a:ea typeface="+mn-ea"/>
-                <a:cs typeface="+mn-cs"/>
-              </a:defRPr>
-            </a:lvl7pPr>
-            <a:lvl8pPr marL="3429000" indent="-228600" algn="l" defTabSz="914400" rtl="0" eaLnBrk="1" latinLnBrk="0" hangingPunct="1">
-              <a:spcBef>
-                <a:spcPct val="20000"/>
-              </a:spcBef>
-              <a:buFont typeface="Arial" pitchFamily="34" charset="0"/>
-              <a:buChar char="•"/>
-              <a:defRPr sz="2000" kern="1200">
-                <a:solidFill>
-                  <a:schemeClr val="tx1"/>
-                </a:solidFill>
-                <a:latin typeface="+mn-lt"/>
-                <a:ea typeface="+mn-ea"/>
-                <a:cs typeface="+mn-cs"/>
-              </a:defRPr>
-            </a:lvl8pPr>
-            <a:lvl9pPr marL="3886200" indent="-228600" algn="l" defTabSz="914400" rtl="0" eaLnBrk="1" latinLnBrk="0" hangingPunct="1">
-              <a:spcBef>
-                <a:spcPct val="20000"/>
-              </a:spcBef>
-              <a:buFont typeface="Arial" pitchFamily="34" charset="0"/>
-              <a:buChar char="•"/>
-              <a:defRPr sz="2000" kern="1200">
-                <a:solidFill>
-                  <a:schemeClr val="tx1"/>
-                </a:solidFill>
-                <a:latin typeface="+mn-lt"/>
-                <a:ea typeface="+mn-ea"/>
-                <a:cs typeface="+mn-cs"/>
-              </a:defRPr>
-            </a:lvl9pPr>
-          </a:lstStyle>
-          <a:p>
-            <a:pPr marL="0" marR="0" lvl="0" indent="0" algn="l" defTabSz="914400" rtl="0" eaLnBrk="1" fontAlgn="auto" latinLnBrk="0" hangingPunct="1">
-              <a:lnSpc>
-                <a:spcPct val="100000"/>
-              </a:lnSpc>
-              <a:spcBef>
-                <a:spcPct val="20000"/>
-              </a:spcBef>
-              <a:spcAft>
-                <a:spcPts val="0"/>
-              </a:spcAft>
-              <a:buClrTx/>
-              <a:buSzTx/>
-              <a:buFont typeface="Arial" pitchFamily="34" charset="0"/>
-              <a:buNone/>
-              <a:tabLst/>
-              <a:defRPr/>
-            </a:pPr>
-            <a:r>
-              <a:rPr kumimoji="0" lang="sv-SE" sz="1600" b="1" i="0" u="none" strike="noStrike" kern="1200" cap="none" spc="0" normalizeH="0" baseline="0" noProof="0" dirty="0">
-                <a:ln>
-                  <a:noFill/>
-                </a:ln>
-                <a:solidFill>
-                  <a:srgbClr val="0084B5"/>
-                </a:solidFill>
-                <a:effectLst/>
-                <a:uLnTx/>
-                <a:uFillTx/>
-                <a:latin typeface="Arial" pitchFamily="34" charset="0"/>
-                <a:ea typeface="+mn-ea"/>
-                <a:cs typeface="Arial" pitchFamily="34" charset="0"/>
-              </a:rPr>
-              <a:t>Får du på det hela taget tillräckligt med återhämtning?</a:t>
-            </a:r>
-          </a:p>
-        </p:txBody>
-      </p:sp>
-      <p:sp>
-        <p:nvSpPr>
-          <p:cNvPr id="8" name="Platshållare för text 1"/>
-          <p:cNvSpPr txBox="1">
-            <a:spLocks/>
-          </p:cNvSpPr>
-          <p:nvPr/>
-        </p:nvSpPr>
-        <p:spPr>
-          <a:xfrm>
-            <a:off x="5421458" y="1292829"/>
-            <a:ext cx="3254998" cy="994668"/>
-          </a:xfrm>
-          <a:prstGeom prst="rect">
-            <a:avLst/>
-          </a:prstGeom>
-        </p:spPr>
-        <p:txBody>
-          <a:bodyPr vert="horz" lIns="91440" tIns="45720" rIns="91440" bIns="45720" rtlCol="0">
-            <a:normAutofit/>
-          </a:bodyPr>
-          <a:lstStyle>
-            <a:lvl1pPr marL="0" indent="0" algn="l" defTabSz="914400" rtl="0" eaLnBrk="1" latinLnBrk="0" hangingPunct="1">
-              <a:spcBef>
-                <a:spcPct val="20000"/>
-              </a:spcBef>
-              <a:buFont typeface="Arial" pitchFamily="34" charset="0"/>
-              <a:buNone/>
-              <a:defRPr sz="3000" b="1" kern="1200">
-                <a:solidFill>
-                  <a:srgbClr val="0084B5"/>
-                </a:solidFill>
-                <a:latin typeface="Arial" pitchFamily="34" charset="0"/>
-                <a:ea typeface="+mn-ea"/>
-                <a:cs typeface="Arial" pitchFamily="34" charset="0"/>
-              </a:defRPr>
-            </a:lvl1pPr>
-            <a:lvl2pPr marL="742950" indent="-285750" algn="l" defTabSz="914400" rtl="0" eaLnBrk="1" latinLnBrk="0" hangingPunct="1">
-              <a:spcBef>
-                <a:spcPct val="20000"/>
-              </a:spcBef>
-              <a:buFont typeface="Arial" pitchFamily="34" charset="0"/>
-              <a:buChar char="–"/>
-              <a:defRPr sz="2800" kern="1200">
-                <a:solidFill>
-                  <a:schemeClr val="tx1"/>
-                </a:solidFill>
-                <a:latin typeface="+mn-lt"/>
-                <a:ea typeface="+mn-ea"/>
-                <a:cs typeface="+mn-cs"/>
-              </a:defRPr>
-            </a:lvl2pPr>
-            <a:lvl3pPr marL="1143000" indent="-228600" algn="l" defTabSz="914400" rtl="0" eaLnBrk="1" latinLnBrk="0" hangingPunct="1">
-              <a:spcBef>
-                <a:spcPct val="20000"/>
-              </a:spcBef>
-              <a:buFont typeface="Arial" pitchFamily="34" charset="0"/>
-              <a:buChar char="•"/>
-              <a:defRPr sz="2400" kern="1200">
-                <a:solidFill>
-                  <a:schemeClr val="tx1"/>
-                </a:solidFill>
-                <a:latin typeface="+mn-lt"/>
-                <a:ea typeface="+mn-ea"/>
-                <a:cs typeface="+mn-cs"/>
-              </a:defRPr>
-            </a:lvl3pPr>
-            <a:lvl4pPr marL="1600200" indent="-228600" algn="l" defTabSz="914400" rtl="0" eaLnBrk="1" latinLnBrk="0" hangingPunct="1">
-              <a:spcBef>
-                <a:spcPct val="20000"/>
-              </a:spcBef>
-              <a:buFont typeface="Arial" pitchFamily="34" charset="0"/>
-              <a:buChar char="–"/>
-              <a:defRPr sz="2000" kern="1200">
-                <a:solidFill>
-                  <a:schemeClr val="tx1"/>
-                </a:solidFill>
-                <a:latin typeface="+mn-lt"/>
-                <a:ea typeface="+mn-ea"/>
-                <a:cs typeface="+mn-cs"/>
-              </a:defRPr>
-            </a:lvl4pPr>
-            <a:lvl5pPr marL="2057400" indent="-228600" algn="l" defTabSz="914400" rtl="0" eaLnBrk="1" latinLnBrk="0" hangingPunct="1">
-              <a:spcBef>
-                <a:spcPct val="20000"/>
-              </a:spcBef>
-              <a:buFont typeface="Arial" pitchFamily="34" charset="0"/>
-              <a:buChar char="»"/>
-              <a:defRPr sz="2000" kern="1200">
-                <a:solidFill>
-                  <a:schemeClr val="tx1"/>
-                </a:solidFill>
-                <a:latin typeface="+mn-lt"/>
-                <a:ea typeface="+mn-ea"/>
-                <a:cs typeface="+mn-cs"/>
-              </a:defRPr>
-            </a:lvl5pPr>
-            <a:lvl6pPr marL="2514600" indent="-228600" algn="l" defTabSz="914400" rtl="0" eaLnBrk="1" latinLnBrk="0" hangingPunct="1">
-              <a:spcBef>
-                <a:spcPct val="20000"/>
-              </a:spcBef>
-              <a:buFont typeface="Arial" pitchFamily="34" charset="0"/>
-              <a:buChar char="•"/>
-              <a:defRPr sz="2000" kern="1200">
-                <a:solidFill>
-                  <a:schemeClr val="tx1"/>
-                </a:solidFill>
-                <a:latin typeface="+mn-lt"/>
-                <a:ea typeface="+mn-ea"/>
-                <a:cs typeface="+mn-cs"/>
-              </a:defRPr>
-            </a:lvl6pPr>
-            <a:lvl7pPr marL="2971800" indent="-228600" algn="l" defTabSz="914400" rtl="0" eaLnBrk="1" latinLnBrk="0" hangingPunct="1">
-              <a:spcBef>
-                <a:spcPct val="20000"/>
-              </a:spcBef>
-              <a:buFont typeface="Arial" pitchFamily="34" charset="0"/>
-              <a:buChar char="•"/>
-              <a:defRPr sz="2000" kern="1200">
-                <a:solidFill>
-                  <a:schemeClr val="tx1"/>
-                </a:solidFill>
-                <a:latin typeface="+mn-lt"/>
-                <a:ea typeface="+mn-ea"/>
-                <a:cs typeface="+mn-cs"/>
-              </a:defRPr>
-            </a:lvl7pPr>
-            <a:lvl8pPr marL="3429000" indent="-228600" algn="l" defTabSz="914400" rtl="0" eaLnBrk="1" latinLnBrk="0" hangingPunct="1">
-              <a:spcBef>
-                <a:spcPct val="20000"/>
-              </a:spcBef>
-              <a:buFont typeface="Arial" pitchFamily="34" charset="0"/>
-              <a:buChar char="•"/>
-              <a:defRPr sz="2000" kern="1200">
-                <a:solidFill>
-                  <a:schemeClr val="tx1"/>
-                </a:solidFill>
-                <a:latin typeface="+mn-lt"/>
-                <a:ea typeface="+mn-ea"/>
-                <a:cs typeface="+mn-cs"/>
-              </a:defRPr>
-            </a:lvl8pPr>
-            <a:lvl9pPr marL="3886200" indent="-228600" algn="l" defTabSz="914400" rtl="0" eaLnBrk="1" latinLnBrk="0" hangingPunct="1">
-              <a:spcBef>
-                <a:spcPct val="20000"/>
-              </a:spcBef>
-              <a:buFont typeface="Arial" pitchFamily="34" charset="0"/>
-              <a:buChar char="•"/>
-              <a:defRPr sz="2000" kern="1200">
-                <a:solidFill>
-                  <a:schemeClr val="tx1"/>
-                </a:solidFill>
-                <a:latin typeface="+mn-lt"/>
-                <a:ea typeface="+mn-ea"/>
-                <a:cs typeface="+mn-cs"/>
-              </a:defRPr>
-            </a:lvl9pPr>
-          </a:lstStyle>
-          <a:p>
-            <a:pPr marL="0" marR="0" lvl="0" indent="0" algn="l" defTabSz="914400" rtl="0" eaLnBrk="1" fontAlgn="auto" latinLnBrk="0" hangingPunct="1">
-              <a:lnSpc>
-                <a:spcPct val="100000"/>
-              </a:lnSpc>
-              <a:spcBef>
-                <a:spcPct val="20000"/>
-              </a:spcBef>
-              <a:spcAft>
-                <a:spcPts val="0"/>
-              </a:spcAft>
-              <a:buClrTx/>
-              <a:buSzTx/>
-              <a:buFont typeface="Arial" pitchFamily="34" charset="0"/>
-              <a:buNone/>
-              <a:tabLst/>
-              <a:defRPr/>
-            </a:pPr>
-            <a:r>
-              <a:rPr kumimoji="0" lang="sv-SE" sz="1600" b="1" i="0" u="none" strike="noStrike" kern="1200" cap="none" spc="0" normalizeH="0" baseline="0" noProof="0" dirty="0">
-                <a:ln>
-                  <a:noFill/>
-                </a:ln>
-                <a:solidFill>
-                  <a:srgbClr val="0084B5"/>
-                </a:solidFill>
-                <a:effectLst/>
-                <a:uLnTx/>
-                <a:uFillTx/>
-                <a:latin typeface="Arial" pitchFamily="34" charset="0"/>
-                <a:ea typeface="+mn-ea"/>
-                <a:cs typeface="Arial" pitchFamily="34" charset="0"/>
-              </a:rPr>
-              <a:t>Får du tillräckligt med återhämtning under arbetstid?</a:t>
-            </a:r>
-          </a:p>
-        </p:txBody>
-      </p:sp>
-      <p:sp>
-        <p:nvSpPr>
-          <p:cNvPr id="2" name="textruta 1"/>
-          <p:cNvSpPr txBox="1"/>
-          <p:nvPr/>
-        </p:nvSpPr>
-        <p:spPr>
-          <a:xfrm>
-            <a:off x="6372200" y="2013159"/>
-            <a:ext cx="2160240" cy="2031325"/>
-          </a:xfrm>
-          <a:prstGeom prst="rect">
-            <a:avLst/>
-          </a:prstGeom>
-          <a:noFill/>
-        </p:spPr>
-        <p:txBody>
-          <a:bodyPr wrap="square" rtlCol="0">
-            <a:spAutoFit/>
-          </a:bodyPr>
-          <a:lstStyle/>
-          <a:p>
-            <a:r>
-              <a:rPr lang="sv-SE" dirty="0" smtClean="0"/>
-              <a:t>Ian &amp; Jay: Please note that response alternatives should be according to our order and not reversed as in their example</a:t>
-            </a:r>
-            <a:r>
-              <a:rPr lang="sv-SE" dirty="0" smtClean="0"/>
-              <a:t>.</a:t>
-            </a:r>
-            <a:endParaRPr lang="sv-SE" dirty="0"/>
-          </a:p>
-        </p:txBody>
-      </p:sp>
-    </p:spTree>
-    <p:extLst>
-      <p:ext uri="{BB962C8B-B14F-4D97-AF65-F5344CB8AC3E}">
-        <p14:creationId xmlns:p14="http://schemas.microsoft.com/office/powerpoint/2010/main" xmlns="" val="1410044571"/>
-      </p:ext>
-    </p:extLst>
-  </p:cSld>
-  <p:clrMapOvr>
-    <a:masterClrMapping/>
-  </p:clrMapOvr>
-  <p:timing>
-    <p:tnLst>
-      <p:par>
-        <p:cTn id="1" dur="indefinite" restart="never" nodeType="tmRoot"/>
-      </p:par>
-    </p:tnLst>
-  </p:timing>
-</p:sld>
-</file>
-
-<file path=ppt/slides/slide8.xml><?xml version="1.0" encoding="utf-8"?>
-<p:sld xmlns:a="http://schemas.openxmlformats.org/drawingml/2006/main" xmlns:r="http://schemas.openxmlformats.org/officeDocument/2006/relationships" xmlns:p="http://schemas.openxmlformats.org/presentationml/2006/main">
-  <p:cSld>
-    <p:spTree>
-      <p:nvGrpSpPr>
-        <p:cNvPr id="1" name=""/>
-        <p:cNvGrpSpPr/>
-        <p:nvPr/>
-      </p:nvGrpSpPr>
-      <p:grpSpPr>
-        <a:xfrm>
-          <a:off x="0" y="0"/>
-          <a:ext cx="0" cy="0"/>
-          <a:chOff x="0" y="0"/>
-          <a:chExt cx="0" cy="0"/>
-        </a:xfrm>
-      </p:grpSpPr>
-      <p:pic>
-        <p:nvPicPr>
-          <p:cNvPr id="2" name="Bildobjekt 1"/>
-          <p:cNvPicPr>
-            <a:picLocks noChangeAspect="1"/>
-          </p:cNvPicPr>
-          <p:nvPr/>
-        </p:nvPicPr>
-        <p:blipFill>
-          <a:blip r:embed="rId2"/>
-          <a:stretch>
-            <a:fillRect/>
-          </a:stretch>
-        </p:blipFill>
-        <p:spPr>
-          <a:xfrm>
-            <a:off x="465440" y="1692993"/>
-            <a:ext cx="7818954" cy="4691373"/>
-          </a:xfrm>
-          <a:prstGeom prst="rect">
-            <a:avLst/>
-          </a:prstGeom>
-        </p:spPr>
-      </p:pic>
-      <p:sp>
-        <p:nvSpPr>
-          <p:cNvPr id="6" name="Platshållare för text 1"/>
-          <p:cNvSpPr txBox="1">
-            <a:spLocks/>
-          </p:cNvSpPr>
-          <p:nvPr/>
-        </p:nvSpPr>
-        <p:spPr>
-          <a:xfrm>
-            <a:off x="539552" y="1268760"/>
-            <a:ext cx="7819574" cy="994668"/>
-          </a:xfrm>
-          <a:prstGeom prst="rect">
-            <a:avLst/>
-          </a:prstGeom>
-        </p:spPr>
-        <p:txBody>
-          <a:bodyPr vert="horz" lIns="91440" tIns="45720" rIns="91440" bIns="45720" rtlCol="0">
-            <a:normAutofit lnSpcReduction="10000"/>
-          </a:bodyPr>
-          <a:lstStyle>
-            <a:lvl1pPr marL="0" indent="0" algn="l" defTabSz="914400" rtl="0" eaLnBrk="1" latinLnBrk="0" hangingPunct="1">
-              <a:spcBef>
-                <a:spcPct val="20000"/>
-              </a:spcBef>
-              <a:buFont typeface="Arial" pitchFamily="34" charset="0"/>
-              <a:buNone/>
-              <a:defRPr sz="3000" b="1" kern="1200">
-                <a:solidFill>
-                  <a:srgbClr val="0084B5"/>
-                </a:solidFill>
-                <a:latin typeface="Arial" pitchFamily="34" charset="0"/>
-                <a:ea typeface="+mn-ea"/>
-                <a:cs typeface="Arial" pitchFamily="34" charset="0"/>
-              </a:defRPr>
-            </a:lvl1pPr>
-            <a:lvl2pPr marL="742950" indent="-285750" algn="l" defTabSz="914400" rtl="0" eaLnBrk="1" latinLnBrk="0" hangingPunct="1">
-              <a:spcBef>
-                <a:spcPct val="20000"/>
-              </a:spcBef>
-              <a:buFont typeface="Arial" pitchFamily="34" charset="0"/>
-              <a:buChar char="–"/>
-              <a:defRPr sz="2800" kern="1200">
-                <a:solidFill>
-                  <a:schemeClr val="tx1"/>
-                </a:solidFill>
-                <a:latin typeface="+mn-lt"/>
-                <a:ea typeface="+mn-ea"/>
-                <a:cs typeface="+mn-cs"/>
-              </a:defRPr>
-            </a:lvl2pPr>
-            <a:lvl3pPr marL="1143000" indent="-228600" algn="l" defTabSz="914400" rtl="0" eaLnBrk="1" latinLnBrk="0" hangingPunct="1">
-              <a:spcBef>
-                <a:spcPct val="20000"/>
-              </a:spcBef>
-              <a:buFont typeface="Arial" pitchFamily="34" charset="0"/>
-              <a:buChar char="•"/>
-              <a:defRPr sz="2400" kern="1200">
-                <a:solidFill>
-                  <a:schemeClr val="tx1"/>
-                </a:solidFill>
-                <a:latin typeface="+mn-lt"/>
-                <a:ea typeface="+mn-ea"/>
-                <a:cs typeface="+mn-cs"/>
-              </a:defRPr>
-            </a:lvl3pPr>
-            <a:lvl4pPr marL="1600200" indent="-228600" algn="l" defTabSz="914400" rtl="0" eaLnBrk="1" latinLnBrk="0" hangingPunct="1">
-              <a:spcBef>
-                <a:spcPct val="20000"/>
-              </a:spcBef>
-              <a:buFont typeface="Arial" pitchFamily="34" charset="0"/>
-              <a:buChar char="–"/>
-              <a:defRPr sz="2000" kern="1200">
-                <a:solidFill>
-                  <a:schemeClr val="tx1"/>
-                </a:solidFill>
-                <a:latin typeface="+mn-lt"/>
-                <a:ea typeface="+mn-ea"/>
-                <a:cs typeface="+mn-cs"/>
-              </a:defRPr>
-            </a:lvl4pPr>
-            <a:lvl5pPr marL="2057400" indent="-228600" algn="l" defTabSz="914400" rtl="0" eaLnBrk="1" latinLnBrk="0" hangingPunct="1">
-              <a:spcBef>
-                <a:spcPct val="20000"/>
-              </a:spcBef>
-              <a:buFont typeface="Arial" pitchFamily="34" charset="0"/>
-              <a:buChar char="»"/>
-              <a:defRPr sz="2000" kern="1200">
-                <a:solidFill>
-                  <a:schemeClr val="tx1"/>
-                </a:solidFill>
-                <a:latin typeface="+mn-lt"/>
-                <a:ea typeface="+mn-ea"/>
-                <a:cs typeface="+mn-cs"/>
-              </a:defRPr>
-            </a:lvl5pPr>
-            <a:lvl6pPr marL="2514600" indent="-228600" algn="l" defTabSz="914400" rtl="0" eaLnBrk="1" latinLnBrk="0" hangingPunct="1">
-              <a:spcBef>
-                <a:spcPct val="20000"/>
-              </a:spcBef>
-              <a:buFont typeface="Arial" pitchFamily="34" charset="0"/>
-              <a:buChar char="•"/>
-              <a:defRPr sz="2000" kern="1200">
-                <a:solidFill>
-                  <a:schemeClr val="tx1"/>
-                </a:solidFill>
-                <a:latin typeface="+mn-lt"/>
-                <a:ea typeface="+mn-ea"/>
-                <a:cs typeface="+mn-cs"/>
-              </a:defRPr>
-            </a:lvl6pPr>
-            <a:lvl7pPr marL="2971800" indent="-228600" algn="l" defTabSz="914400" rtl="0" eaLnBrk="1" latinLnBrk="0" hangingPunct="1">
-              <a:spcBef>
-                <a:spcPct val="20000"/>
-              </a:spcBef>
-              <a:buFont typeface="Arial" pitchFamily="34" charset="0"/>
-              <a:buChar char="•"/>
-              <a:defRPr sz="2000" kern="1200">
-                <a:solidFill>
-                  <a:schemeClr val="tx1"/>
-                </a:solidFill>
-                <a:latin typeface="+mn-lt"/>
-                <a:ea typeface="+mn-ea"/>
-                <a:cs typeface="+mn-cs"/>
-              </a:defRPr>
-            </a:lvl7pPr>
-            <a:lvl8pPr marL="3429000" indent="-228600" algn="l" defTabSz="914400" rtl="0" eaLnBrk="1" latinLnBrk="0" hangingPunct="1">
-              <a:spcBef>
-                <a:spcPct val="20000"/>
-              </a:spcBef>
-              <a:buFont typeface="Arial" pitchFamily="34" charset="0"/>
-              <a:buChar char="•"/>
-              <a:defRPr sz="2000" kern="1200">
-                <a:solidFill>
-                  <a:schemeClr val="tx1"/>
-                </a:solidFill>
-                <a:latin typeface="+mn-lt"/>
-                <a:ea typeface="+mn-ea"/>
-                <a:cs typeface="+mn-cs"/>
-              </a:defRPr>
-            </a:lvl8pPr>
-            <a:lvl9pPr marL="3886200" indent="-228600" algn="l" defTabSz="914400" rtl="0" eaLnBrk="1" latinLnBrk="0" hangingPunct="1">
-              <a:spcBef>
-                <a:spcPct val="20000"/>
-              </a:spcBef>
-              <a:buFont typeface="Arial" pitchFamily="34" charset="0"/>
-              <a:buChar char="•"/>
-              <a:defRPr sz="2000" kern="1200">
-                <a:solidFill>
-                  <a:schemeClr val="tx1"/>
-                </a:solidFill>
-                <a:latin typeface="+mn-lt"/>
-                <a:ea typeface="+mn-ea"/>
-                <a:cs typeface="+mn-cs"/>
-              </a:defRPr>
-            </a:lvl9pPr>
-          </a:lstStyle>
-          <a:p>
-            <a:pPr marL="0" marR="0" lvl="0" indent="0" algn="l" defTabSz="914400" rtl="0" eaLnBrk="1" fontAlgn="auto" latinLnBrk="0" hangingPunct="1">
-              <a:lnSpc>
-                <a:spcPct val="100000"/>
-              </a:lnSpc>
-              <a:spcBef>
-                <a:spcPct val="20000"/>
-              </a:spcBef>
-              <a:spcAft>
-                <a:spcPts val="0"/>
-              </a:spcAft>
-              <a:buClrTx/>
-              <a:buSzTx/>
-              <a:buFont typeface="Arial" pitchFamily="34" charset="0"/>
-              <a:buNone/>
-              <a:tabLst/>
-              <a:defRPr/>
-            </a:pPr>
-            <a:r>
-              <a:rPr kumimoji="0" lang="sv-SE" sz="3000" b="1" i="0" u="none" strike="noStrike" kern="1200" cap="none" spc="0" normalizeH="0" baseline="0" noProof="0" dirty="0" smtClean="0">
-                <a:ln>
-                  <a:noFill/>
-                </a:ln>
-                <a:solidFill>
-                  <a:srgbClr val="74B2DD"/>
-                </a:solidFill>
-                <a:effectLst/>
-                <a:uLnTx/>
-                <a:uFillTx/>
-                <a:latin typeface="Arial" pitchFamily="34" charset="0"/>
-                <a:ea typeface="+mn-ea"/>
-                <a:cs typeface="Arial" pitchFamily="34" charset="0"/>
-              </a:rPr>
-              <a:t>Andel med ökad risk för </a:t>
-            </a:r>
-            <a:r>
-              <a:rPr kumimoji="0" lang="sv-SE" sz="3000" b="1" i="0" u="none" strike="noStrike" kern="1200" cap="none" spc="0" normalizeH="0" baseline="0" noProof="0" smtClean="0">
-                <a:ln>
-                  <a:noFill/>
-                </a:ln>
-                <a:solidFill>
-                  <a:srgbClr val="74B2DD"/>
-                </a:solidFill>
-                <a:effectLst/>
-                <a:uLnTx/>
-                <a:uFillTx/>
-                <a:latin typeface="Arial" pitchFamily="34" charset="0"/>
-                <a:ea typeface="+mn-ea"/>
-                <a:cs typeface="Arial" pitchFamily="34" charset="0"/>
-              </a:rPr>
-              <a:t>långvarig sjukskrivning</a:t>
-            </a:r>
-            <a:endParaRPr kumimoji="0" lang="sv-SE" sz="3000" b="1" i="0" u="none" strike="noStrike" kern="1200" cap="none" spc="0" normalizeH="0" baseline="0" noProof="0" dirty="0">
-              <a:ln>
-                <a:noFill/>
-              </a:ln>
-              <a:solidFill>
-                <a:srgbClr val="74B2DD"/>
-              </a:solidFill>
-              <a:effectLst/>
-              <a:uLnTx/>
-              <a:uFillTx/>
-              <a:latin typeface="Arial" pitchFamily="34" charset="0"/>
-              <a:ea typeface="+mn-ea"/>
-              <a:cs typeface="Arial" pitchFamily="34" charset="0"/>
-            </a:endParaRPr>
-          </a:p>
-        </p:txBody>
-      </p:sp>
-    </p:spTree>
-    <p:extLst>
-      <p:ext uri="{BB962C8B-B14F-4D97-AF65-F5344CB8AC3E}">
-        <p14:creationId xmlns:p14="http://schemas.microsoft.com/office/powerpoint/2010/main" xmlns="" val="3343749438"/>
-      </p:ext>
-    </p:extLst>
-  </p:cSld>
-  <p:clrMapOvr>
-    <a:masterClrMapping/>
-  </p:clrMapOvr>
-  <p:timing>
-    <p:tnLst>
-      <p:par>
-        <p:cTn id="1" dur="indefinite" restart="never" nodeType="tmRoot"/>
-      </p:par>
-    </p:tnLst>
-  </p:timing>
-</p:sld>
-</file>
-
-<file path=ppt/slides/slide9.xml><?xml version="1.0" encoding="utf-8"?>
-<p:sld xmlns:a="http://schemas.openxmlformats.org/drawingml/2006/main" xmlns:r="http://schemas.openxmlformats.org/officeDocument/2006/relationships" xmlns:p="http://schemas.openxmlformats.org/presentationml/2006/main">
-  <p:cSld>
-    <p:spTree>
-      <p:nvGrpSpPr>
-        <p:cNvPr id="1" name=""/>
-        <p:cNvGrpSpPr/>
-        <p:nvPr/>
-      </p:nvGrpSpPr>
-      <p:grpSpPr>
-        <a:xfrm>
-          <a:off x="0" y="0"/>
-          <a:ext cx="0" cy="0"/>
-          <a:chOff x="0" y="0"/>
-          <a:chExt cx="0" cy="0"/>
-        </a:xfrm>
-      </p:grpSpPr>
-      <p:pic>
-        <p:nvPicPr>
-          <p:cNvPr id="5" name="Picture 2"/>
-          <p:cNvPicPr>
-            <a:picLocks noChangeAspect="1"/>
-          </p:cNvPicPr>
-          <p:nvPr/>
-        </p:nvPicPr>
-        <p:blipFill>
-          <a:blip r:embed="rId2">
-            <a:extLst>
-              <a:ext uri="{28A0092B-C50C-407E-A947-70E740481C1C}">
-                <a14:useLocalDpi xmlns:a14="http://schemas.microsoft.com/office/drawing/2010/main" xmlns="" val="0"/>
-              </a:ext>
-            </a:extLst>
-          </a:blip>
-          <a:stretch>
-            <a:fillRect/>
-          </a:stretch>
-        </p:blipFill>
-        <p:spPr>
-          <a:xfrm>
-            <a:off x="1403648" y="2334344"/>
-            <a:ext cx="5238750" cy="4191000"/>
-          </a:xfrm>
-          <a:prstGeom prst="rect">
-            <a:avLst/>
-          </a:prstGeom>
-        </p:spPr>
-      </p:pic>
-      <p:sp>
-        <p:nvSpPr>
-          <p:cNvPr id="6" name="Platshållare för text 1"/>
-          <p:cNvSpPr txBox="1">
-            <a:spLocks/>
-          </p:cNvSpPr>
-          <p:nvPr/>
-        </p:nvSpPr>
-        <p:spPr>
-          <a:xfrm>
-            <a:off x="464820" y="1268760"/>
-            <a:ext cx="7819574" cy="994668"/>
-          </a:xfrm>
-          <a:prstGeom prst="rect">
-            <a:avLst/>
-          </a:prstGeom>
-        </p:spPr>
-        <p:txBody>
-          <a:bodyPr vert="horz" lIns="91440" tIns="45720" rIns="91440" bIns="45720" rtlCol="0">
-            <a:normAutofit lnSpcReduction="10000"/>
-          </a:bodyPr>
-          <a:lstStyle>
-            <a:lvl1pPr marL="0" indent="0" algn="l" defTabSz="914400" rtl="0" eaLnBrk="1" latinLnBrk="0" hangingPunct="1">
-              <a:spcBef>
-                <a:spcPct val="20000"/>
-              </a:spcBef>
-              <a:buFont typeface="Arial" pitchFamily="34" charset="0"/>
-              <a:buNone/>
-              <a:defRPr sz="3000" b="1" kern="1200">
-                <a:solidFill>
-                  <a:srgbClr val="0084B5"/>
-                </a:solidFill>
-                <a:latin typeface="Arial" pitchFamily="34" charset="0"/>
-                <a:ea typeface="+mn-ea"/>
-                <a:cs typeface="Arial" pitchFamily="34" charset="0"/>
-              </a:defRPr>
-            </a:lvl1pPr>
-            <a:lvl2pPr marL="742950" indent="-285750" algn="l" defTabSz="914400" rtl="0" eaLnBrk="1" latinLnBrk="0" hangingPunct="1">
-              <a:spcBef>
-                <a:spcPct val="20000"/>
-              </a:spcBef>
-              <a:buFont typeface="Arial" pitchFamily="34" charset="0"/>
-              <a:buChar char="–"/>
-              <a:defRPr sz="2800" kern="1200">
-                <a:solidFill>
-                  <a:schemeClr val="tx1"/>
-                </a:solidFill>
-                <a:latin typeface="+mn-lt"/>
-                <a:ea typeface="+mn-ea"/>
-                <a:cs typeface="+mn-cs"/>
-              </a:defRPr>
-            </a:lvl2pPr>
-            <a:lvl3pPr marL="1143000" indent="-228600" algn="l" defTabSz="914400" rtl="0" eaLnBrk="1" latinLnBrk="0" hangingPunct="1">
-              <a:spcBef>
-                <a:spcPct val="20000"/>
-              </a:spcBef>
-              <a:buFont typeface="Arial" pitchFamily="34" charset="0"/>
-              <a:buChar char="•"/>
-              <a:defRPr sz="2400" kern="1200">
-                <a:solidFill>
-                  <a:schemeClr val="tx1"/>
-                </a:solidFill>
-                <a:latin typeface="+mn-lt"/>
-                <a:ea typeface="+mn-ea"/>
-                <a:cs typeface="+mn-cs"/>
-              </a:defRPr>
-            </a:lvl3pPr>
-            <a:lvl4pPr marL="1600200" indent="-228600" algn="l" defTabSz="914400" rtl="0" eaLnBrk="1" latinLnBrk="0" hangingPunct="1">
-              <a:spcBef>
-                <a:spcPct val="20000"/>
-              </a:spcBef>
-              <a:buFont typeface="Arial" pitchFamily="34" charset="0"/>
-              <a:buChar char="–"/>
-              <a:defRPr sz="2000" kern="1200">
-                <a:solidFill>
-                  <a:schemeClr val="tx1"/>
-                </a:solidFill>
-                <a:latin typeface="+mn-lt"/>
-                <a:ea typeface="+mn-ea"/>
-                <a:cs typeface="+mn-cs"/>
-              </a:defRPr>
-            </a:lvl4pPr>
-            <a:lvl5pPr marL="2057400" indent="-228600" algn="l" defTabSz="914400" rtl="0" eaLnBrk="1" latinLnBrk="0" hangingPunct="1">
-              <a:spcBef>
-                <a:spcPct val="20000"/>
-              </a:spcBef>
-              <a:buFont typeface="Arial" pitchFamily="34" charset="0"/>
-              <a:buChar char="»"/>
-              <a:defRPr sz="2000" kern="1200">
-                <a:solidFill>
-                  <a:schemeClr val="tx1"/>
-                </a:solidFill>
-                <a:latin typeface="+mn-lt"/>
-                <a:ea typeface="+mn-ea"/>
-                <a:cs typeface="+mn-cs"/>
-              </a:defRPr>
-            </a:lvl5pPr>
-            <a:lvl6pPr marL="2514600" indent="-228600" algn="l" defTabSz="914400" rtl="0" eaLnBrk="1" latinLnBrk="0" hangingPunct="1">
-              <a:spcBef>
-                <a:spcPct val="20000"/>
-              </a:spcBef>
-              <a:buFont typeface="Arial" pitchFamily="34" charset="0"/>
-              <a:buChar char="•"/>
-              <a:defRPr sz="2000" kern="1200">
-                <a:solidFill>
-                  <a:schemeClr val="tx1"/>
-                </a:solidFill>
-                <a:latin typeface="+mn-lt"/>
-                <a:ea typeface="+mn-ea"/>
-                <a:cs typeface="+mn-cs"/>
-              </a:defRPr>
-            </a:lvl6pPr>
-            <a:lvl7pPr marL="2971800" indent="-228600" algn="l" defTabSz="914400" rtl="0" eaLnBrk="1" latinLnBrk="0" hangingPunct="1">
-              <a:spcBef>
-                <a:spcPct val="20000"/>
-              </a:spcBef>
-              <a:buFont typeface="Arial" pitchFamily="34" charset="0"/>
-              <a:buChar char="•"/>
-              <a:defRPr sz="2000" kern="1200">
-                <a:solidFill>
-                  <a:schemeClr val="tx1"/>
-                </a:solidFill>
-                <a:latin typeface="+mn-lt"/>
-                <a:ea typeface="+mn-ea"/>
-                <a:cs typeface="+mn-cs"/>
-              </a:defRPr>
-            </a:lvl7pPr>
-            <a:lvl8pPr marL="3429000" indent="-228600" algn="l" defTabSz="914400" rtl="0" eaLnBrk="1" latinLnBrk="0" hangingPunct="1">
-              <a:spcBef>
-                <a:spcPct val="20000"/>
-              </a:spcBef>
-              <a:buFont typeface="Arial" pitchFamily="34" charset="0"/>
-              <a:buChar char="•"/>
-              <a:defRPr sz="2000" kern="1200">
-                <a:solidFill>
-                  <a:schemeClr val="tx1"/>
-                </a:solidFill>
-                <a:latin typeface="+mn-lt"/>
-                <a:ea typeface="+mn-ea"/>
-                <a:cs typeface="+mn-cs"/>
-              </a:defRPr>
-            </a:lvl8pPr>
-            <a:lvl9pPr marL="3886200" indent="-228600" algn="l" defTabSz="914400" rtl="0" eaLnBrk="1" latinLnBrk="0" hangingPunct="1">
-              <a:spcBef>
-                <a:spcPct val="20000"/>
-              </a:spcBef>
-              <a:buFont typeface="Arial" pitchFamily="34" charset="0"/>
-              <a:buChar char="•"/>
-              <a:defRPr sz="2000" kern="1200">
-                <a:solidFill>
-                  <a:schemeClr val="tx1"/>
-                </a:solidFill>
-                <a:latin typeface="+mn-lt"/>
-                <a:ea typeface="+mn-ea"/>
-                <a:cs typeface="+mn-cs"/>
-              </a:defRPr>
-            </a:lvl9pPr>
-          </a:lstStyle>
-          <a:p>
-            <a:pPr marL="0" marR="0" lvl="0" indent="0" algn="l" defTabSz="914400" rtl="0" eaLnBrk="1" fontAlgn="auto" latinLnBrk="0" hangingPunct="1">
-              <a:lnSpc>
-                <a:spcPct val="100000"/>
-              </a:lnSpc>
-              <a:spcBef>
-                <a:spcPct val="20000"/>
-              </a:spcBef>
-              <a:spcAft>
-                <a:spcPts val="0"/>
-              </a:spcAft>
-              <a:buClrTx/>
-              <a:buSzTx/>
-              <a:buFont typeface="Arial" pitchFamily="34" charset="0"/>
-              <a:buNone/>
-              <a:tabLst/>
-              <a:defRPr/>
-            </a:pPr>
-            <a:r>
-              <a:rPr kumimoji="0" lang="sv-SE" sz="3000" b="1" i="0" u="none" strike="noStrike" kern="1200" cap="none" spc="0" normalizeH="0" baseline="0" noProof="0" dirty="0">
-                <a:ln>
-                  <a:noFill/>
-                </a:ln>
-                <a:solidFill>
-                  <a:srgbClr val="74B2DD"/>
-                </a:solidFill>
-                <a:effectLst/>
-                <a:uLnTx/>
-                <a:uFillTx/>
-                <a:latin typeface="Arial" pitchFamily="34" charset="0"/>
-                <a:ea typeface="+mn-ea"/>
-                <a:cs typeface="Arial" pitchFamily="34" charset="0"/>
-              </a:rPr>
-              <a:t>Din arbetsförmåga i relation till dina nuvarande arbetsuppgifter</a:t>
-            </a:r>
-          </a:p>
-        </p:txBody>
-      </p:sp>
-    </p:spTree>
-    <p:extLst>
-      <p:ext uri="{BB962C8B-B14F-4D97-AF65-F5344CB8AC3E}">
-        <p14:creationId xmlns:p14="http://schemas.microsoft.com/office/powerpoint/2010/main" xmlns="" val="821155609"/>
+        <p14:creationId xmlns="" xmlns:p14="http://schemas.microsoft.com/office/powerpoint/2010/main" val="1670626404"/>
       </p:ext>
     </p:extLst>
   </p:cSld>
@@ -11884,7 +8327,7 @@
   <a:extraClrSchemeLst/>
   <a:extLst>
     <a:ext uri="{05A4C25C-085E-4340-85A3-A5531E510DB2}">
-      <thm15:themeFamily xmlns:thm15="http://schemas.microsoft.com/office/thememl/2012/main" xmlns="" name="Presentation3" id="{1B6A2CF9-17E0-4129-90C7-1917F8D3D3F9}" vid="{7B8BA567-E2EF-400F-B9C4-C833229FFFBC}"/>
+      <thm15:themeFamily xmlns="" xmlns:thm15="http://schemas.microsoft.com/office/thememl/2012/main" name="Presentation3" id="{1B6A2CF9-17E0-4129-90C7-1917F8D3D3F9}" vid="{7B8BA567-E2EF-400F-B9C4-C833229FFFBC}"/>
     </a:ext>
   </a:extLst>
 </a:theme>
@@ -12145,7 +8588,7 @@
   <a:extraClrSchemeLst/>
   <a:extLst>
     <a:ext uri="{05A4C25C-085E-4340-85A3-A5531E510DB2}">
-      <thm15:themeFamily xmlns:thm15="http://schemas.microsoft.com/office/thememl/2012/main" xmlns="" name="Presentation3" id="{1B6A2CF9-17E0-4129-90C7-1917F8D3D3F9}" vid="{B76CA73B-85D9-4DC7-8C19-15F234452B83}"/>
+      <thm15:themeFamily xmlns="" xmlns:thm15="http://schemas.microsoft.com/office/thememl/2012/main" name="Presentation3" id="{1B6A2CF9-17E0-4129-90C7-1917F8D3D3F9}" vid="{B76CA73B-85D9-4DC7-8C19-15F234452B83}"/>
     </a:ext>
   </a:extLst>
 </a:theme>
@@ -12375,7 +8818,7 @@
   <a:extraClrSchemeLst/>
   <a:extLst>
     <a:ext uri="{05A4C25C-085E-4340-85A3-A5531E510DB2}">
-      <thm15:themeFamily xmlns:thm15="http://schemas.microsoft.com/office/thememl/2012/main" xmlns="" name="Presentation3" id="{1B6A2CF9-17E0-4129-90C7-1917F8D3D3F9}" vid="{E5D58E00-E908-4B4F-AABC-41654E7F0120}"/>
+      <thm15:themeFamily xmlns="" xmlns:thm15="http://schemas.microsoft.com/office/thememl/2012/main" name="Presentation3" id="{1B6A2CF9-17E0-4129-90C7-1917F8D3D3F9}" vid="{E5D58E00-E908-4B4F-AABC-41654E7F0120}"/>
     </a:ext>
   </a:extLst>
 </a:theme>
@@ -12665,7 +9108,7 @@
   <a:extraClrSchemeLst/>
   <a:extLst>
     <a:ext uri="{05A4C25C-085E-4340-85A3-A5531E510DB2}">
-      <thm15:themeFamily xmlns:thm15="http://schemas.microsoft.com/office/thememl/2012/main" xmlns="" name="Presentation3" id="{1B6A2CF9-17E0-4129-90C7-1917F8D3D3F9}" vid="{B3D9C843-D64E-46BC-89B4-AECB146542A6}"/>
+      <thm15:themeFamily xmlns="" xmlns:thm15="http://schemas.microsoft.com/office/thememl/2012/main" name="Presentation3" id="{1B6A2CF9-17E0-4129-90C7-1917F8D3D3F9}" vid="{B3D9C843-D64E-46BC-89B4-AECB146542A6}"/>
     </a:ext>
   </a:extLst>
 </a:theme>
